--- a/Agent based models of debt and collapse.pptx
+++ b/Agent based models of debt and collapse.pptx
@@ -5,18 +5,25 @@
     <p:sldMasterId id="2147483648" r:id="rId1"/>
   </p:sldMasterIdLst>
   <p:notesMasterIdLst>
-    <p:notesMasterId r:id="rId11"/>
+    <p:notesMasterId r:id="rId18"/>
   </p:notesMasterIdLst>
   <p:sldIdLst>
     <p:sldId id="256" r:id="rId2"/>
-    <p:sldId id="257" r:id="rId3"/>
-    <p:sldId id="258" r:id="rId4"/>
-    <p:sldId id="259" r:id="rId5"/>
-    <p:sldId id="260" r:id="rId6"/>
-    <p:sldId id="261" r:id="rId7"/>
-    <p:sldId id="262" r:id="rId8"/>
-    <p:sldId id="263" r:id="rId9"/>
-    <p:sldId id="264" r:id="rId10"/>
+    <p:sldId id="269" r:id="rId3"/>
+    <p:sldId id="265" r:id="rId4"/>
+    <p:sldId id="257" r:id="rId5"/>
+    <p:sldId id="266" r:id="rId6"/>
+    <p:sldId id="258" r:id="rId7"/>
+    <p:sldId id="268" r:id="rId8"/>
+    <p:sldId id="259" r:id="rId9"/>
+    <p:sldId id="271" r:id="rId10"/>
+    <p:sldId id="270" r:id="rId11"/>
+    <p:sldId id="260" r:id="rId12"/>
+    <p:sldId id="273" r:id="rId13"/>
+    <p:sldId id="262" r:id="rId14"/>
+    <p:sldId id="272" r:id="rId15"/>
+    <p:sldId id="263" r:id="rId16"/>
+    <p:sldId id="264" r:id="rId17"/>
   </p:sldIdLst>
   <p:sldSz cx="12192000" cy="6858000"/>
   <p:notesSz cx="6858000" cy="9144000"/>
@@ -115,6 +122,11 @@
       </a:defRPr>
     </a:lvl9pPr>
   </p:defaultTextStyle>
+  <p:extLst>
+    <p:ext uri="{EFAFB233-063F-42B5-8137-9DF3F51BA10A}">
+      <p15:sldGuideLst xmlns:p15="http://schemas.microsoft.com/office/powerpoint/2012/main"/>
+    </p:ext>
+  </p:extLst>
 </p:presentation>
 </file>
 
@@ -200,7 +212,7 @@
           <a:p>
             <a:fld id="{50338B4B-A277-4BA7-86EF-1DD5D04B792C}" type="datetimeFigureOut">
               <a:rPr lang="en-US" smtClean="0"/>
-              <a:t>10/7/2024</a:t>
+              <a:t>10/9/2024</a:t>
             </a:fld>
             <a:endParaRPr lang="en-US"/>
           </a:p>
@@ -544,7 +556,755 @@
     </p:spTree>
     <p:extLst>
       <p:ext uri="{BB962C8B-B14F-4D97-AF65-F5344CB8AC3E}">
+        <p14:creationId xmlns:p14="http://schemas.microsoft.com/office/powerpoint/2010/main" val="792807982"/>
+      </p:ext>
+    </p:extLst>
+  </p:cSld>
+  <p:clrMapOvr>
+    <a:masterClrMapping/>
+  </p:clrMapOvr>
+</p:notes>
+</file>
+
+<file path=ppt/notesSlides/notesSlide2.xml><?xml version="1.0" encoding="utf-8"?>
+<p:notes xmlns:a="http://schemas.openxmlformats.org/drawingml/2006/main" xmlns:r="http://schemas.openxmlformats.org/officeDocument/2006/relationships" xmlns:p="http://schemas.openxmlformats.org/presentationml/2006/main">
+  <p:cSld>
+    <p:spTree>
+      <p:nvGrpSpPr>
+        <p:cNvPr id="1" name=""/>
+        <p:cNvGrpSpPr/>
+        <p:nvPr/>
+      </p:nvGrpSpPr>
+      <p:grpSpPr>
+        <a:xfrm>
+          <a:off x="0" y="0"/>
+          <a:ext cx="0" cy="0"/>
+          <a:chOff x="0" y="0"/>
+          <a:chExt cx="0" cy="0"/>
+        </a:xfrm>
+      </p:grpSpPr>
+      <p:sp>
+        <p:nvSpPr>
+          <p:cNvPr id="2" name="Slide Image Placeholder 1"/>
+          <p:cNvSpPr>
+            <a:spLocks noGrp="1" noRot="1" noChangeAspect="1"/>
+          </p:cNvSpPr>
+          <p:nvPr>
+            <p:ph type="sldImg"/>
+          </p:nvPr>
+        </p:nvSpPr>
+        <p:spPr/>
+      </p:sp>
+      <p:sp>
+        <p:nvSpPr>
+          <p:cNvPr id="3" name="Notes Placeholder 2"/>
+          <p:cNvSpPr>
+            <a:spLocks noGrp="1"/>
+          </p:cNvSpPr>
+          <p:nvPr>
+            <p:ph type="body" idx="1"/>
+          </p:nvPr>
+        </p:nvSpPr>
+        <p:spPr/>
+        <p:txBody>
+          <a:bodyPr/>
+          <a:lstStyle/>
+          <a:p>
+            <a:r>
+              <a:rPr lang="en-US" dirty="0"/>
+              <a:t>Don’t read all the quotes out, just mention things like:</a:t>
+            </a:r>
+          </a:p>
+        </p:txBody>
+      </p:sp>
+      <p:sp>
+        <p:nvSpPr>
+          <p:cNvPr id="4" name="Slide Number Placeholder 3"/>
+          <p:cNvSpPr>
+            <a:spLocks noGrp="1"/>
+          </p:cNvSpPr>
+          <p:nvPr>
+            <p:ph type="sldNum" sz="quarter" idx="5"/>
+          </p:nvPr>
+        </p:nvSpPr>
+        <p:spPr/>
+        <p:txBody>
+          <a:bodyPr/>
+          <a:lstStyle/>
+          <a:p>
+            <a:fld id="{0025602D-2D45-4A98-A9E5-7AA61731EF9B}" type="slidenum">
+              <a:rPr lang="en-US" smtClean="0"/>
+              <a:t>3</a:t>
+            </a:fld>
+            <a:endParaRPr lang="en-US"/>
+          </a:p>
+        </p:txBody>
+      </p:sp>
+    </p:spTree>
+    <p:extLst>
+      <p:ext uri="{BB962C8B-B14F-4D97-AF65-F5344CB8AC3E}">
+        <p14:creationId xmlns:p14="http://schemas.microsoft.com/office/powerpoint/2010/main" val="2265729091"/>
+      </p:ext>
+    </p:extLst>
+  </p:cSld>
+  <p:clrMapOvr>
+    <a:masterClrMapping/>
+  </p:clrMapOvr>
+</p:notes>
+</file>
+
+<file path=ppt/notesSlides/notesSlide3.xml><?xml version="1.0" encoding="utf-8"?>
+<p:notes xmlns:a="http://schemas.openxmlformats.org/drawingml/2006/main" xmlns:r="http://schemas.openxmlformats.org/officeDocument/2006/relationships" xmlns:p="http://schemas.openxmlformats.org/presentationml/2006/main">
+  <p:cSld>
+    <p:spTree>
+      <p:nvGrpSpPr>
+        <p:cNvPr id="1" name=""/>
+        <p:cNvGrpSpPr/>
+        <p:nvPr/>
+      </p:nvGrpSpPr>
+      <p:grpSpPr>
+        <a:xfrm>
+          <a:off x="0" y="0"/>
+          <a:ext cx="0" cy="0"/>
+          <a:chOff x="0" y="0"/>
+          <a:chExt cx="0" cy="0"/>
+        </a:xfrm>
+      </p:grpSpPr>
+      <p:sp>
+        <p:nvSpPr>
+          <p:cNvPr id="2" name="Slide Image Placeholder 1"/>
+          <p:cNvSpPr>
+            <a:spLocks noGrp="1" noRot="1" noChangeAspect="1"/>
+          </p:cNvSpPr>
+          <p:nvPr>
+            <p:ph type="sldImg"/>
+          </p:nvPr>
+        </p:nvSpPr>
+        <p:spPr/>
+      </p:sp>
+      <p:sp>
+        <p:nvSpPr>
+          <p:cNvPr id="3" name="Notes Placeholder 2"/>
+          <p:cNvSpPr>
+            <a:spLocks noGrp="1"/>
+          </p:cNvSpPr>
+          <p:nvPr>
+            <p:ph type="body" idx="1"/>
+          </p:nvPr>
+        </p:nvSpPr>
+        <p:spPr/>
+        <p:txBody>
+          <a:bodyPr/>
+          <a:lstStyle/>
+          <a:p>
+            <a:r>
+              <a:rPr lang="en-US" dirty="0"/>
+              <a:t>Don’t read all the quotes out, just mention things like:</a:t>
+            </a:r>
+          </a:p>
+        </p:txBody>
+      </p:sp>
+      <p:sp>
+        <p:nvSpPr>
+          <p:cNvPr id="4" name="Slide Number Placeholder 3"/>
+          <p:cNvSpPr>
+            <a:spLocks noGrp="1"/>
+          </p:cNvSpPr>
+          <p:nvPr>
+            <p:ph type="sldNum" sz="quarter" idx="5"/>
+          </p:nvPr>
+        </p:nvSpPr>
+        <p:spPr/>
+        <p:txBody>
+          <a:bodyPr/>
+          <a:lstStyle/>
+          <a:p>
+            <a:fld id="{0025602D-2D45-4A98-A9E5-7AA61731EF9B}" type="slidenum">
+              <a:rPr lang="en-US" smtClean="0"/>
+              <a:t>4</a:t>
+            </a:fld>
+            <a:endParaRPr lang="en-US"/>
+          </a:p>
+        </p:txBody>
+      </p:sp>
+    </p:spTree>
+    <p:extLst>
+      <p:ext uri="{BB962C8B-B14F-4D97-AF65-F5344CB8AC3E}">
         <p14:creationId xmlns:p14="http://schemas.microsoft.com/office/powerpoint/2010/main" val="1459188944"/>
+      </p:ext>
+    </p:extLst>
+  </p:cSld>
+  <p:clrMapOvr>
+    <a:masterClrMapping/>
+  </p:clrMapOvr>
+</p:notes>
+</file>
+
+<file path=ppt/notesSlides/notesSlide4.xml><?xml version="1.0" encoding="utf-8"?>
+<p:notes xmlns:a="http://schemas.openxmlformats.org/drawingml/2006/main" xmlns:r="http://schemas.openxmlformats.org/officeDocument/2006/relationships" xmlns:p="http://schemas.openxmlformats.org/presentationml/2006/main">
+  <p:cSld>
+    <p:spTree>
+      <p:nvGrpSpPr>
+        <p:cNvPr id="1" name=""/>
+        <p:cNvGrpSpPr/>
+        <p:nvPr/>
+      </p:nvGrpSpPr>
+      <p:grpSpPr>
+        <a:xfrm>
+          <a:off x="0" y="0"/>
+          <a:ext cx="0" cy="0"/>
+          <a:chOff x="0" y="0"/>
+          <a:chExt cx="0" cy="0"/>
+        </a:xfrm>
+      </p:grpSpPr>
+      <p:sp>
+        <p:nvSpPr>
+          <p:cNvPr id="2" name="Slide Image Placeholder 1"/>
+          <p:cNvSpPr>
+            <a:spLocks noGrp="1" noRot="1" noChangeAspect="1"/>
+          </p:cNvSpPr>
+          <p:nvPr>
+            <p:ph type="sldImg"/>
+          </p:nvPr>
+        </p:nvSpPr>
+        <p:spPr/>
+      </p:sp>
+      <p:sp>
+        <p:nvSpPr>
+          <p:cNvPr id="3" name="Notes Placeholder 2"/>
+          <p:cNvSpPr>
+            <a:spLocks noGrp="1"/>
+          </p:cNvSpPr>
+          <p:nvPr>
+            <p:ph type="body" idx="1"/>
+          </p:nvPr>
+        </p:nvSpPr>
+        <p:spPr/>
+        <p:txBody>
+          <a:bodyPr/>
+          <a:lstStyle/>
+          <a:p>
+            <a:r>
+              <a:rPr lang="en-US" dirty="0"/>
+              <a:t>Don’t read all the quotes out, just mention things like:</a:t>
+            </a:r>
+          </a:p>
+        </p:txBody>
+      </p:sp>
+      <p:sp>
+        <p:nvSpPr>
+          <p:cNvPr id="4" name="Slide Number Placeholder 3"/>
+          <p:cNvSpPr>
+            <a:spLocks noGrp="1"/>
+          </p:cNvSpPr>
+          <p:nvPr>
+            <p:ph type="sldNum" sz="quarter" idx="5"/>
+          </p:nvPr>
+        </p:nvSpPr>
+        <p:spPr/>
+        <p:txBody>
+          <a:bodyPr/>
+          <a:lstStyle/>
+          <a:p>
+            <a:fld id="{0025602D-2D45-4A98-A9E5-7AA61731EF9B}" type="slidenum">
+              <a:rPr lang="en-US" smtClean="0"/>
+              <a:t>5</a:t>
+            </a:fld>
+            <a:endParaRPr lang="en-US"/>
+          </a:p>
+        </p:txBody>
+      </p:sp>
+    </p:spTree>
+    <p:extLst>
+      <p:ext uri="{BB962C8B-B14F-4D97-AF65-F5344CB8AC3E}">
+        <p14:creationId xmlns:p14="http://schemas.microsoft.com/office/powerpoint/2010/main" val="508970150"/>
+      </p:ext>
+    </p:extLst>
+  </p:cSld>
+  <p:clrMapOvr>
+    <a:masterClrMapping/>
+  </p:clrMapOvr>
+</p:notes>
+</file>
+
+<file path=ppt/notesSlides/notesSlide5.xml><?xml version="1.0" encoding="utf-8"?>
+<p:notes xmlns:a="http://schemas.openxmlformats.org/drawingml/2006/main" xmlns:r="http://schemas.openxmlformats.org/officeDocument/2006/relationships" xmlns:p="http://schemas.openxmlformats.org/presentationml/2006/main">
+  <p:cSld>
+    <p:spTree>
+      <p:nvGrpSpPr>
+        <p:cNvPr id="1" name=""/>
+        <p:cNvGrpSpPr/>
+        <p:nvPr/>
+      </p:nvGrpSpPr>
+      <p:grpSpPr>
+        <a:xfrm>
+          <a:off x="0" y="0"/>
+          <a:ext cx="0" cy="0"/>
+          <a:chOff x="0" y="0"/>
+          <a:chExt cx="0" cy="0"/>
+        </a:xfrm>
+      </p:grpSpPr>
+      <p:sp>
+        <p:nvSpPr>
+          <p:cNvPr id="2" name="Slide Image Placeholder 1"/>
+          <p:cNvSpPr>
+            <a:spLocks noGrp="1" noRot="1" noChangeAspect="1"/>
+          </p:cNvSpPr>
+          <p:nvPr>
+            <p:ph type="sldImg"/>
+          </p:nvPr>
+        </p:nvSpPr>
+        <p:spPr/>
+      </p:sp>
+      <p:sp>
+        <p:nvSpPr>
+          <p:cNvPr id="3" name="Notes Placeholder 2"/>
+          <p:cNvSpPr>
+            <a:spLocks noGrp="1"/>
+          </p:cNvSpPr>
+          <p:nvPr>
+            <p:ph type="body" idx="1"/>
+          </p:nvPr>
+        </p:nvSpPr>
+        <p:spPr/>
+        <p:txBody>
+          <a:bodyPr/>
+          <a:lstStyle/>
+          <a:p>
+            <a:pPr marL="0" marR="0" lvl="0" indent="0" algn="l" defTabSz="914400" rtl="0" eaLnBrk="1" fontAlgn="auto" latinLnBrk="0" hangingPunct="1">
+              <a:lnSpc>
+                <a:spcPct val="100000"/>
+              </a:lnSpc>
+              <a:spcBef>
+                <a:spcPts val="0"/>
+              </a:spcBef>
+              <a:spcAft>
+                <a:spcPts val="0"/>
+              </a:spcAft>
+              <a:buClrTx/>
+              <a:buSzTx/>
+              <a:buFontTx/>
+              <a:buNone/>
+              <a:tabLst/>
+              <a:defRPr/>
+            </a:pPr>
+            <a:r>
+              <a:rPr lang="en-US" dirty="0"/>
+              <a:t>Original. Simplified. My interpretation/implementation.</a:t>
+            </a:r>
+          </a:p>
+          <a:p>
+            <a:endParaRPr lang="en-US" dirty="0"/>
+          </a:p>
+        </p:txBody>
+      </p:sp>
+      <p:sp>
+        <p:nvSpPr>
+          <p:cNvPr id="4" name="Slide Number Placeholder 3"/>
+          <p:cNvSpPr>
+            <a:spLocks noGrp="1"/>
+          </p:cNvSpPr>
+          <p:nvPr>
+            <p:ph type="sldNum" sz="quarter" idx="5"/>
+          </p:nvPr>
+        </p:nvSpPr>
+        <p:spPr/>
+        <p:txBody>
+          <a:bodyPr/>
+          <a:lstStyle/>
+          <a:p>
+            <a:fld id="{0025602D-2D45-4A98-A9E5-7AA61731EF9B}" type="slidenum">
+              <a:rPr lang="en-US" smtClean="0"/>
+              <a:t>6</a:t>
+            </a:fld>
+            <a:endParaRPr lang="en-US"/>
+          </a:p>
+        </p:txBody>
+      </p:sp>
+    </p:spTree>
+    <p:extLst>
+      <p:ext uri="{BB962C8B-B14F-4D97-AF65-F5344CB8AC3E}">
+        <p14:creationId xmlns:p14="http://schemas.microsoft.com/office/powerpoint/2010/main" val="773484480"/>
+      </p:ext>
+    </p:extLst>
+  </p:cSld>
+  <p:clrMapOvr>
+    <a:masterClrMapping/>
+  </p:clrMapOvr>
+</p:notes>
+</file>
+
+<file path=ppt/notesSlides/notesSlide6.xml><?xml version="1.0" encoding="utf-8"?>
+<p:notes xmlns:a="http://schemas.openxmlformats.org/drawingml/2006/main" xmlns:r="http://schemas.openxmlformats.org/officeDocument/2006/relationships" xmlns:p="http://schemas.openxmlformats.org/presentationml/2006/main">
+  <p:cSld>
+    <p:spTree>
+      <p:nvGrpSpPr>
+        <p:cNvPr id="1" name=""/>
+        <p:cNvGrpSpPr/>
+        <p:nvPr/>
+      </p:nvGrpSpPr>
+      <p:grpSpPr>
+        <a:xfrm>
+          <a:off x="0" y="0"/>
+          <a:ext cx="0" cy="0"/>
+          <a:chOff x="0" y="0"/>
+          <a:chExt cx="0" cy="0"/>
+        </a:xfrm>
+      </p:grpSpPr>
+      <p:sp>
+        <p:nvSpPr>
+          <p:cNvPr id="2" name="Slide Image Placeholder 1"/>
+          <p:cNvSpPr>
+            <a:spLocks noGrp="1" noRot="1" noChangeAspect="1"/>
+          </p:cNvSpPr>
+          <p:nvPr>
+            <p:ph type="sldImg"/>
+          </p:nvPr>
+        </p:nvSpPr>
+        <p:spPr/>
+      </p:sp>
+      <p:sp>
+        <p:nvSpPr>
+          <p:cNvPr id="3" name="Notes Placeholder 2"/>
+          <p:cNvSpPr>
+            <a:spLocks noGrp="1"/>
+          </p:cNvSpPr>
+          <p:nvPr>
+            <p:ph type="body" idx="1"/>
+          </p:nvPr>
+        </p:nvSpPr>
+        <p:spPr/>
+        <p:txBody>
+          <a:bodyPr/>
+          <a:lstStyle/>
+          <a:p>
+            <a:pPr marL="0" marR="0" lvl="0" indent="0" algn="l" defTabSz="914400" rtl="0" eaLnBrk="1" fontAlgn="auto" latinLnBrk="0" hangingPunct="1">
+              <a:lnSpc>
+                <a:spcPct val="100000"/>
+              </a:lnSpc>
+              <a:spcBef>
+                <a:spcPts val="0"/>
+              </a:spcBef>
+              <a:spcAft>
+                <a:spcPts val="0"/>
+              </a:spcAft>
+              <a:buClrTx/>
+              <a:buSzTx/>
+              <a:buFontTx/>
+              <a:buNone/>
+              <a:tabLst/>
+              <a:defRPr/>
+            </a:pPr>
+            <a:r>
+              <a:rPr lang="en-US" dirty="0"/>
+              <a:t>Original. Simplified. My interpretation/implementation.</a:t>
+            </a:r>
+          </a:p>
+          <a:p>
+            <a:endParaRPr lang="en-US" dirty="0"/>
+          </a:p>
+        </p:txBody>
+      </p:sp>
+      <p:sp>
+        <p:nvSpPr>
+          <p:cNvPr id="4" name="Slide Number Placeholder 3"/>
+          <p:cNvSpPr>
+            <a:spLocks noGrp="1"/>
+          </p:cNvSpPr>
+          <p:nvPr>
+            <p:ph type="sldNum" sz="quarter" idx="5"/>
+          </p:nvPr>
+        </p:nvSpPr>
+        <p:spPr/>
+        <p:txBody>
+          <a:bodyPr/>
+          <a:lstStyle/>
+          <a:p>
+            <a:fld id="{0025602D-2D45-4A98-A9E5-7AA61731EF9B}" type="slidenum">
+              <a:rPr lang="en-US" smtClean="0"/>
+              <a:t>7</a:t>
+            </a:fld>
+            <a:endParaRPr lang="en-US"/>
+          </a:p>
+        </p:txBody>
+      </p:sp>
+    </p:spTree>
+    <p:extLst>
+      <p:ext uri="{BB962C8B-B14F-4D97-AF65-F5344CB8AC3E}">
+        <p14:creationId xmlns:p14="http://schemas.microsoft.com/office/powerpoint/2010/main" val="2772181385"/>
+      </p:ext>
+    </p:extLst>
+  </p:cSld>
+  <p:clrMapOvr>
+    <a:masterClrMapping/>
+  </p:clrMapOvr>
+</p:notes>
+</file>
+
+<file path=ppt/notesSlides/notesSlide7.xml><?xml version="1.0" encoding="utf-8"?>
+<p:notes xmlns:a="http://schemas.openxmlformats.org/drawingml/2006/main" xmlns:r="http://schemas.openxmlformats.org/officeDocument/2006/relationships" xmlns:p="http://schemas.openxmlformats.org/presentationml/2006/main">
+  <p:cSld>
+    <p:spTree>
+      <p:nvGrpSpPr>
+        <p:cNvPr id="1" name=""/>
+        <p:cNvGrpSpPr/>
+        <p:nvPr/>
+      </p:nvGrpSpPr>
+      <p:grpSpPr>
+        <a:xfrm>
+          <a:off x="0" y="0"/>
+          <a:ext cx="0" cy="0"/>
+          <a:chOff x="0" y="0"/>
+          <a:chExt cx="0" cy="0"/>
+        </a:xfrm>
+      </p:grpSpPr>
+      <p:sp>
+        <p:nvSpPr>
+          <p:cNvPr id="2" name="Slide Image Placeholder 1"/>
+          <p:cNvSpPr>
+            <a:spLocks noGrp="1" noRot="1" noChangeAspect="1"/>
+          </p:cNvSpPr>
+          <p:nvPr>
+            <p:ph type="sldImg"/>
+          </p:nvPr>
+        </p:nvSpPr>
+        <p:spPr/>
+      </p:sp>
+      <p:sp>
+        <p:nvSpPr>
+          <p:cNvPr id="3" name="Notes Placeholder 2"/>
+          <p:cNvSpPr>
+            <a:spLocks noGrp="1"/>
+          </p:cNvSpPr>
+          <p:nvPr>
+            <p:ph type="body" idx="1"/>
+          </p:nvPr>
+        </p:nvSpPr>
+        <p:spPr/>
+        <p:txBody>
+          <a:bodyPr/>
+          <a:lstStyle/>
+          <a:p>
+            <a:r>
+              <a:rPr lang="en-US" dirty="0"/>
+              <a:t>N companies, each with two variables p and d and a parameter beta</a:t>
+            </a:r>
+          </a:p>
+        </p:txBody>
+      </p:sp>
+      <p:sp>
+        <p:nvSpPr>
+          <p:cNvPr id="4" name="Slide Number Placeholder 3"/>
+          <p:cNvSpPr>
+            <a:spLocks noGrp="1"/>
+          </p:cNvSpPr>
+          <p:nvPr>
+            <p:ph type="sldNum" sz="quarter" idx="5"/>
+          </p:nvPr>
+        </p:nvSpPr>
+        <p:spPr/>
+        <p:txBody>
+          <a:bodyPr/>
+          <a:lstStyle/>
+          <a:p>
+            <a:fld id="{0025602D-2D45-4A98-A9E5-7AA61731EF9B}" type="slidenum">
+              <a:rPr lang="en-US" smtClean="0"/>
+              <a:t>8</a:t>
+            </a:fld>
+            <a:endParaRPr lang="en-US"/>
+          </a:p>
+        </p:txBody>
+      </p:sp>
+    </p:spTree>
+    <p:extLst>
+      <p:ext uri="{BB962C8B-B14F-4D97-AF65-F5344CB8AC3E}">
+        <p14:creationId xmlns:p14="http://schemas.microsoft.com/office/powerpoint/2010/main" val="4235162940"/>
+      </p:ext>
+    </p:extLst>
+  </p:cSld>
+  <p:clrMapOvr>
+    <a:masterClrMapping/>
+  </p:clrMapOvr>
+</p:notes>
+</file>
+
+<file path=ppt/notesSlides/notesSlide8.xml><?xml version="1.0" encoding="utf-8"?>
+<p:notes xmlns:a="http://schemas.openxmlformats.org/drawingml/2006/main" xmlns:r="http://schemas.openxmlformats.org/officeDocument/2006/relationships" xmlns:p="http://schemas.openxmlformats.org/presentationml/2006/main">
+  <p:cSld>
+    <p:spTree>
+      <p:nvGrpSpPr>
+        <p:cNvPr id="1" name=""/>
+        <p:cNvGrpSpPr/>
+        <p:nvPr/>
+      </p:nvGrpSpPr>
+      <p:grpSpPr>
+        <a:xfrm>
+          <a:off x="0" y="0"/>
+          <a:ext cx="0" cy="0"/>
+          <a:chOff x="0" y="0"/>
+          <a:chExt cx="0" cy="0"/>
+        </a:xfrm>
+      </p:grpSpPr>
+      <p:sp>
+        <p:nvSpPr>
+          <p:cNvPr id="2" name="Slide Image Placeholder 1"/>
+          <p:cNvSpPr>
+            <a:spLocks noGrp="1" noRot="1" noChangeAspect="1"/>
+          </p:cNvSpPr>
+          <p:nvPr>
+            <p:ph type="sldImg"/>
+          </p:nvPr>
+        </p:nvSpPr>
+        <p:spPr/>
+      </p:sp>
+      <p:sp>
+        <p:nvSpPr>
+          <p:cNvPr id="3" name="Notes Placeholder 2"/>
+          <p:cNvSpPr>
+            <a:spLocks noGrp="1"/>
+          </p:cNvSpPr>
+          <p:nvPr>
+            <p:ph type="body" idx="1"/>
+          </p:nvPr>
+        </p:nvSpPr>
+        <p:spPr/>
+        <p:txBody>
+          <a:bodyPr/>
+          <a:lstStyle/>
+          <a:p>
+            <a:r>
+              <a:rPr lang="en-US" dirty="0" err="1"/>
+              <a:t>Jysk</a:t>
+            </a:r>
+            <a:r>
+              <a:rPr lang="en-US" dirty="0"/>
+              <a:t> needs some new computers, so they give money (increases debt) to IBM, and in return gains increased production capacity</a:t>
+            </a:r>
+          </a:p>
+        </p:txBody>
+      </p:sp>
+      <p:sp>
+        <p:nvSpPr>
+          <p:cNvPr id="4" name="Slide Number Placeholder 3"/>
+          <p:cNvSpPr>
+            <a:spLocks noGrp="1"/>
+          </p:cNvSpPr>
+          <p:nvPr>
+            <p:ph type="sldNum" sz="quarter" idx="5"/>
+          </p:nvPr>
+        </p:nvSpPr>
+        <p:spPr/>
+        <p:txBody>
+          <a:bodyPr/>
+          <a:lstStyle/>
+          <a:p>
+            <a:fld id="{0025602D-2D45-4A98-A9E5-7AA61731EF9B}" type="slidenum">
+              <a:rPr lang="en-US" smtClean="0"/>
+              <a:t>9</a:t>
+            </a:fld>
+            <a:endParaRPr lang="en-US"/>
+          </a:p>
+        </p:txBody>
+      </p:sp>
+    </p:spTree>
+    <p:extLst>
+      <p:ext uri="{BB962C8B-B14F-4D97-AF65-F5344CB8AC3E}">
+        <p14:creationId xmlns:p14="http://schemas.microsoft.com/office/powerpoint/2010/main" val="3495801698"/>
+      </p:ext>
+    </p:extLst>
+  </p:cSld>
+  <p:clrMapOvr>
+    <a:masterClrMapping/>
+  </p:clrMapOvr>
+</p:notes>
+</file>
+
+<file path=ppt/notesSlides/notesSlide9.xml><?xml version="1.0" encoding="utf-8"?>
+<p:notes xmlns:a="http://schemas.openxmlformats.org/drawingml/2006/main" xmlns:r="http://schemas.openxmlformats.org/officeDocument/2006/relationships" xmlns:p="http://schemas.openxmlformats.org/presentationml/2006/main">
+  <p:cSld>
+    <p:spTree>
+      <p:nvGrpSpPr>
+        <p:cNvPr id="1" name=""/>
+        <p:cNvGrpSpPr/>
+        <p:nvPr/>
+      </p:nvGrpSpPr>
+      <p:grpSpPr>
+        <a:xfrm>
+          <a:off x="0" y="0"/>
+          <a:ext cx="0" cy="0"/>
+          <a:chOff x="0" y="0"/>
+          <a:chExt cx="0" cy="0"/>
+        </a:xfrm>
+      </p:grpSpPr>
+      <p:sp>
+        <p:nvSpPr>
+          <p:cNvPr id="2" name="Slide Image Placeholder 1"/>
+          <p:cNvSpPr>
+            <a:spLocks noGrp="1" noRot="1" noChangeAspect="1"/>
+          </p:cNvSpPr>
+          <p:nvPr>
+            <p:ph type="sldImg"/>
+          </p:nvPr>
+        </p:nvSpPr>
+        <p:spPr/>
+      </p:sp>
+      <p:sp>
+        <p:nvSpPr>
+          <p:cNvPr id="3" name="Notes Placeholder 2"/>
+          <p:cNvSpPr>
+            <a:spLocks noGrp="1"/>
+          </p:cNvSpPr>
+          <p:nvPr>
+            <p:ph type="body" idx="1"/>
+          </p:nvPr>
+        </p:nvSpPr>
+        <p:spPr/>
+        <p:txBody>
+          <a:bodyPr/>
+          <a:lstStyle/>
+          <a:p>
+            <a:r>
+              <a:rPr lang="en-US" dirty="0"/>
+              <a:t>Company j buys from </a:t>
+            </a:r>
+            <a:r>
+              <a:rPr lang="en-US" dirty="0" err="1"/>
+              <a:t>i</a:t>
+            </a:r>
+            <a:r>
+              <a:rPr lang="en-US" dirty="0"/>
+              <a:t>. Takes loan if necessary. Converts spent money into production capacity</a:t>
+            </a:r>
+          </a:p>
+        </p:txBody>
+      </p:sp>
+      <p:sp>
+        <p:nvSpPr>
+          <p:cNvPr id="4" name="Slide Number Placeholder 3"/>
+          <p:cNvSpPr>
+            <a:spLocks noGrp="1"/>
+          </p:cNvSpPr>
+          <p:nvPr>
+            <p:ph type="sldNum" sz="quarter" idx="5"/>
+          </p:nvPr>
+        </p:nvSpPr>
+        <p:spPr/>
+        <p:txBody>
+          <a:bodyPr/>
+          <a:lstStyle/>
+          <a:p>
+            <a:fld id="{0025602D-2D45-4A98-A9E5-7AA61731EF9B}" type="slidenum">
+              <a:rPr lang="en-US" smtClean="0"/>
+              <a:t>10</a:t>
+            </a:fld>
+            <a:endParaRPr lang="en-US"/>
+          </a:p>
+        </p:txBody>
+      </p:sp>
+    </p:spTree>
+    <p:extLst>
+      <p:ext uri="{BB962C8B-B14F-4D97-AF65-F5344CB8AC3E}">
+        <p14:creationId xmlns:p14="http://schemas.microsoft.com/office/powerpoint/2010/main" val="2302955874"/>
       </p:ext>
     </p:extLst>
   </p:cSld>
@@ -701,7 +1461,7 @@
           <a:p>
             <a:fld id="{7DB50319-FE91-4E73-956A-29A1EA144030}" type="datetimeFigureOut">
               <a:rPr lang="en-US" smtClean="0"/>
-              <a:t>10/7/2024</a:t>
+              <a:t>10/9/2024</a:t>
             </a:fld>
             <a:endParaRPr lang="en-US"/>
           </a:p>
@@ -899,7 +1659,7 @@
           <a:p>
             <a:fld id="{7DB50319-FE91-4E73-956A-29A1EA144030}" type="datetimeFigureOut">
               <a:rPr lang="en-US" smtClean="0"/>
-              <a:t>10/7/2024</a:t>
+              <a:t>10/9/2024</a:t>
             </a:fld>
             <a:endParaRPr lang="en-US"/>
           </a:p>
@@ -1107,7 +1867,7 @@
           <a:p>
             <a:fld id="{7DB50319-FE91-4E73-956A-29A1EA144030}" type="datetimeFigureOut">
               <a:rPr lang="en-US" smtClean="0"/>
-              <a:t>10/7/2024</a:t>
+              <a:t>10/9/2024</a:t>
             </a:fld>
             <a:endParaRPr lang="en-US"/>
           </a:p>
@@ -1305,7 +2065,7 @@
           <a:p>
             <a:fld id="{7DB50319-FE91-4E73-956A-29A1EA144030}" type="datetimeFigureOut">
               <a:rPr lang="en-US" smtClean="0"/>
-              <a:t>10/7/2024</a:t>
+              <a:t>10/9/2024</a:t>
             </a:fld>
             <a:endParaRPr lang="en-US"/>
           </a:p>
@@ -1580,7 +2340,7 @@
           <a:p>
             <a:fld id="{7DB50319-FE91-4E73-956A-29A1EA144030}" type="datetimeFigureOut">
               <a:rPr lang="en-US" smtClean="0"/>
-              <a:t>10/7/2024</a:t>
+              <a:t>10/9/2024</a:t>
             </a:fld>
             <a:endParaRPr lang="en-US"/>
           </a:p>
@@ -1845,7 +2605,7 @@
           <a:p>
             <a:fld id="{7DB50319-FE91-4E73-956A-29A1EA144030}" type="datetimeFigureOut">
               <a:rPr lang="en-US" smtClean="0"/>
-              <a:t>10/7/2024</a:t>
+              <a:t>10/9/2024</a:t>
             </a:fld>
             <a:endParaRPr lang="en-US"/>
           </a:p>
@@ -2257,7 +3017,7 @@
           <a:p>
             <a:fld id="{7DB50319-FE91-4E73-956A-29A1EA144030}" type="datetimeFigureOut">
               <a:rPr lang="en-US" smtClean="0"/>
-              <a:t>10/7/2024</a:t>
+              <a:t>10/9/2024</a:t>
             </a:fld>
             <a:endParaRPr lang="en-US"/>
           </a:p>
@@ -2398,7 +3158,7 @@
           <a:p>
             <a:fld id="{7DB50319-FE91-4E73-956A-29A1EA144030}" type="datetimeFigureOut">
               <a:rPr lang="en-US" smtClean="0"/>
-              <a:t>10/7/2024</a:t>
+              <a:t>10/9/2024</a:t>
             </a:fld>
             <a:endParaRPr lang="en-US"/>
           </a:p>
@@ -2511,7 +3271,7 @@
           <a:p>
             <a:fld id="{7DB50319-FE91-4E73-956A-29A1EA144030}" type="datetimeFigureOut">
               <a:rPr lang="en-US" smtClean="0"/>
-              <a:t>10/7/2024</a:t>
+              <a:t>10/9/2024</a:t>
             </a:fld>
             <a:endParaRPr lang="en-US"/>
           </a:p>
@@ -2822,7 +3582,7 @@
           <a:p>
             <a:fld id="{7DB50319-FE91-4E73-956A-29A1EA144030}" type="datetimeFigureOut">
               <a:rPr lang="en-US" smtClean="0"/>
-              <a:t>10/7/2024</a:t>
+              <a:t>10/9/2024</a:t>
             </a:fld>
             <a:endParaRPr lang="en-US"/>
           </a:p>
@@ -3110,7 +3870,7 @@
           <a:p>
             <a:fld id="{7DB50319-FE91-4E73-956A-29A1EA144030}" type="datetimeFigureOut">
               <a:rPr lang="en-US" smtClean="0"/>
-              <a:t>10/7/2024</a:t>
+              <a:t>10/9/2024</a:t>
             </a:fld>
             <a:endParaRPr lang="en-US"/>
           </a:p>
@@ -3351,7 +4111,7 @@
           <a:p>
             <a:fld id="{7DB50319-FE91-4E73-956A-29A1EA144030}" type="datetimeFigureOut">
               <a:rPr lang="en-US" smtClean="0"/>
-              <a:t>10/7/2024</a:t>
+              <a:t>10/9/2024</a:t>
             </a:fld>
             <a:endParaRPr lang="en-US"/>
           </a:p>
@@ -3831,10 +4591,22 @@
   <p:clrMapOvr>
     <a:masterClrMapping/>
   </p:clrMapOvr>
+  <mc:AlternateContent xmlns:mc="http://schemas.openxmlformats.org/markup-compatibility/2006" xmlns:p159="http://schemas.microsoft.com/office/powerpoint/2015/09/main">
+    <mc:Choice Requires="p159">
+      <p:transition xmlns:p14="http://schemas.microsoft.com/office/powerpoint/2010/main" spd="slow" p14:dur="2000">
+        <p159:morph option="byObject"/>
+      </p:transition>
+    </mc:Choice>
+    <mc:Fallback xmlns="">
+      <p:transition spd="slow">
+        <p:fade/>
+      </p:transition>
+    </mc:Fallback>
+  </mc:AlternateContent>
 </p:sld>
 </file>
 
-<file path=ppt/slides/slide2.xml><?xml version="1.0" encoding="utf-8"?>
+<file path=ppt/slides/slide10.xml><?xml version="1.0" encoding="utf-8"?>
 <p:sld xmlns:a="http://schemas.openxmlformats.org/drawingml/2006/main" xmlns:r="http://schemas.openxmlformats.org/officeDocument/2006/relationships" xmlns:p="http://schemas.openxmlformats.org/presentationml/2006/main">
   <p:cSld>
     <p:spTree>
@@ -3856,7 +4628,7 @@
           <p:cNvPr id="2" name="Title 1">
             <a:extLst>
               <a:ext uri="{FF2B5EF4-FFF2-40B4-BE49-F238E27FC236}">
-                <a16:creationId xmlns:a16="http://schemas.microsoft.com/office/drawing/2014/main" id="{928F9E67-2A39-02B6-EB51-3F3391B434FB}"/>
+                <a16:creationId xmlns:a16="http://schemas.microsoft.com/office/drawing/2014/main" id="{AA36A8A3-FBE8-0BF7-99A8-E19D29B5251F}"/>
               </a:ext>
             </a:extLst>
           </p:cNvPr>
@@ -3874,102 +4646,559 @@
           <a:p>
             <a:r>
               <a:rPr lang="en-US" dirty="0"/>
-              <a:t>Why </a:t>
-            </a:r>
-            <a:r>
-              <a:rPr lang="en-US" dirty="0" err="1"/>
-              <a:t>econophysics</a:t>
-            </a:r>
-            <a:r>
-              <a:rPr lang="en-US" dirty="0"/>
-              <a:t>?</a:t>
-            </a:r>
-          </a:p>
-        </p:txBody>
-      </p:sp>
-      <p:sp>
-        <p:nvSpPr>
-          <p:cNvPr id="3" name="Content Placeholder 2">
-            <a:extLst>
-              <a:ext uri="{FF2B5EF4-FFF2-40B4-BE49-F238E27FC236}">
-                <a16:creationId xmlns:a16="http://schemas.microsoft.com/office/drawing/2014/main" id="{F9B36BB3-F810-DFAC-DEF9-BE0D50A58A72}"/>
-              </a:ext>
-            </a:extLst>
-          </p:cNvPr>
-          <p:cNvSpPr>
-            <a:spLocks noGrp="1"/>
-          </p:cNvSpPr>
-          <p:nvPr>
-            <p:ph idx="1"/>
-          </p:nvPr>
-        </p:nvSpPr>
-        <p:spPr/>
-        <p:txBody>
-          <a:bodyPr/>
-          <a:lstStyle/>
-          <a:p>
-            <a:r>
-              <a:rPr lang="en-US" dirty="0"/>
-              <a:t>What does the economists say?</a:t>
-            </a:r>
-            <a:endParaRPr lang="en-US" i="1" dirty="0"/>
-          </a:p>
-          <a:p>
-            <a:pPr marL="0" indent="0" algn="l">
-              <a:buNone/>
-            </a:pPr>
-            <a:r>
-              <a:rPr lang="en-US" sz="1800" b="0" i="0" u="none" strike="noStrike" baseline="0" dirty="0">
-                <a:latin typeface="TimesNewRomanMTStd"/>
-              </a:rPr>
-              <a:t>“What we seek from a ‘benchmark model’ in macroeconomics is not always clear. [He] suggests that we should be looking ‘for a </a:t>
-            </a:r>
-            <a:r>
-              <a:rPr lang="en-US" sz="1800" b="0" i="1" u="none" strike="noStrike" baseline="0" dirty="0">
-                <a:latin typeface="TimesNewRomanMTStd-Italic"/>
-              </a:rPr>
-              <a:t>simple </a:t>
-            </a:r>
-            <a:r>
-              <a:rPr lang="en-US" sz="1800" b="0" i="0" u="none" strike="noStrike" baseline="0" dirty="0">
-                <a:latin typeface="TimesNewRomanMTStd"/>
-              </a:rPr>
-              <a:t>model which we could teach to graduate students to provide them with a less misleading framework […]”</a:t>
-            </a:r>
-            <a:endParaRPr lang="en-US" sz="1800" i="1" dirty="0">
-              <a:latin typeface="TimesNewRomanMTStd"/>
-            </a:endParaRPr>
-          </a:p>
-          <a:p>
-            <a:pPr marL="0" indent="0" algn="l">
-              <a:buNone/>
-            </a:pPr>
-            <a:r>
-              <a:rPr lang="en-US" sz="1800" b="0" i="0" u="none" strike="noStrike" baseline="0" dirty="0">
-                <a:latin typeface="TimesNewRomanMTStd"/>
-              </a:rPr>
-              <a:t>“The models should capture what we believe are the macro-essential characteristics of the behavior of firms and people, and not try to capture all relevant dynamics. Only then can they serve their purpose, remain simple enough, and provide a platform for theoretical discussions.”</a:t>
-            </a:r>
-          </a:p>
-          <a:p>
-            <a:pPr marL="0" indent="0" algn="l">
-              <a:buNone/>
-            </a:pPr>
-            <a:r>
-              <a:rPr lang="en-US" sz="1800" b="0" i="0" u="none" strike="noStrike" baseline="0" dirty="0">
-                <a:latin typeface="TimesNewRomanMTStd"/>
-              </a:rPr>
-              <a:t>“And with so many parameters, macro-econometrics becomes little more than an exercise in curve fitting […]”</a:t>
-            </a:r>
-          </a:p>
-        </p:txBody>
-      </p:sp>
-      <p:sp>
-        <p:nvSpPr>
-          <p:cNvPr id="4" name="TextBox 3">
-            <a:extLst>
-              <a:ext uri="{FF2B5EF4-FFF2-40B4-BE49-F238E27FC236}">
-                <a16:creationId xmlns:a16="http://schemas.microsoft.com/office/drawing/2014/main" id="{195958C6-0078-3C59-C75B-98C95C3EB8FD}"/>
+              <a:t>How do companies interact?</a:t>
+            </a:r>
+          </a:p>
+        </p:txBody>
+      </p:sp>
+      <p:pic>
+        <p:nvPicPr>
+          <p:cNvPr id="37" name="Picture 36">
+            <a:extLst>
+              <a:ext uri="{FF2B5EF4-FFF2-40B4-BE49-F238E27FC236}">
+                <a16:creationId xmlns:a16="http://schemas.microsoft.com/office/drawing/2014/main" id="{AE051D28-4114-A9A5-C512-6AF293345C21}"/>
+              </a:ext>
+            </a:extLst>
+          </p:cNvPr>
+          <p:cNvPicPr>
+            <a:picLocks noChangeAspect="1"/>
+          </p:cNvPicPr>
+          <p:nvPr/>
+        </p:nvPicPr>
+        <p:blipFill>
+          <a:blip r:embed="rId3"/>
+          <a:stretch>
+            <a:fillRect/>
+          </a:stretch>
+        </p:blipFill>
+        <p:spPr>
+          <a:xfrm>
+            <a:off x="868026" y="1663243"/>
+            <a:ext cx="7226289" cy="2042648"/>
+          </a:xfrm>
+          <a:prstGeom prst="rect">
+            <a:avLst/>
+          </a:prstGeom>
+        </p:spPr>
+      </p:pic>
+      <p:grpSp>
+        <p:nvGrpSpPr>
+          <p:cNvPr id="50" name="Group 49">
+            <a:extLst>
+              <a:ext uri="{FF2B5EF4-FFF2-40B4-BE49-F238E27FC236}">
+                <a16:creationId xmlns:a16="http://schemas.microsoft.com/office/drawing/2014/main" id="{CD161DC0-6D9E-6FE0-FF1C-76D4D352B413}"/>
+              </a:ext>
+            </a:extLst>
+          </p:cNvPr>
+          <p:cNvGrpSpPr/>
+          <p:nvPr/>
+        </p:nvGrpSpPr>
+        <p:grpSpPr>
+          <a:xfrm>
+            <a:off x="8130724" y="860066"/>
+            <a:ext cx="4011040" cy="2422410"/>
+            <a:chOff x="3154016" y="1678387"/>
+            <a:chExt cx="6672181" cy="4029567"/>
+          </a:xfrm>
+        </p:grpSpPr>
+        <p:sp>
+          <p:nvSpPr>
+            <p:cNvPr id="51" name="TextBox 50">
+              <a:extLst>
+                <a:ext uri="{FF2B5EF4-FFF2-40B4-BE49-F238E27FC236}">
+                  <a16:creationId xmlns:a16="http://schemas.microsoft.com/office/drawing/2014/main" id="{C191A290-778B-B309-7464-110EEE5605B1}"/>
+                </a:ext>
+              </a:extLst>
+            </p:cNvPr>
+            <p:cNvSpPr txBox="1"/>
+            <p:nvPr/>
+          </p:nvSpPr>
+          <p:spPr>
+            <a:xfrm>
+              <a:off x="5242266" y="1678387"/>
+              <a:ext cx="2402392" cy="460775"/>
+            </a:xfrm>
+            <a:prstGeom prst="rect">
+              <a:avLst/>
+            </a:prstGeom>
+            <a:noFill/>
+          </p:spPr>
+          <p:txBody>
+            <a:bodyPr wrap="square" rtlCol="0">
+              <a:spAutoFit/>
+            </a:bodyPr>
+            <a:lstStyle/>
+            <a:p>
+              <a:r>
+                <a:rPr lang="en-US" sz="1200" dirty="0"/>
+                <a:t>Transfer money</a:t>
+              </a:r>
+            </a:p>
+          </p:txBody>
+        </p:sp>
+        <p:pic>
+          <p:nvPicPr>
+            <p:cNvPr id="52" name="Picture 51">
+              <a:extLst>
+                <a:ext uri="{FF2B5EF4-FFF2-40B4-BE49-F238E27FC236}">
+                  <a16:creationId xmlns:a16="http://schemas.microsoft.com/office/drawing/2014/main" id="{7EC73D22-9F1F-6FF9-A9B7-35732150BC67}"/>
+                </a:ext>
+              </a:extLst>
+            </p:cNvPr>
+            <p:cNvPicPr>
+              <a:picLocks noChangeAspect="1"/>
+            </p:cNvPicPr>
+            <p:nvPr/>
+          </p:nvPicPr>
+          <p:blipFill>
+            <a:blip r:embed="rId4">
+              <a:extLst>
+                <a:ext uri="{BEBA8EAE-BF5A-486C-A8C5-ECC9F3942E4B}">
+                  <a14:imgProps xmlns:a14="http://schemas.microsoft.com/office/drawing/2010/main">
+                    <a14:imgLayer r:embed="rId5">
+                      <a14:imgEffect>
+                        <a14:backgroundRemoval t="8696" b="89130" l="3879" r="38954">
+                          <a14:foregroundMark x1="10624" y1="34783" x2="12985" y2="65217"/>
+                          <a14:foregroundMark x1="36256" y1="81884" x2="16863" y2="70290"/>
+                          <a14:foregroundMark x1="33727" y1="44928" x2="38954" y2="48551"/>
+                        </a14:backgroundRemoval>
+                      </a14:imgEffect>
+                    </a14:imgLayer>
+                  </a14:imgProps>
+                </a:ext>
+              </a:extLst>
+            </a:blip>
+            <a:srcRect r="61151"/>
+            <a:stretch/>
+          </p:blipFill>
+          <p:spPr>
+            <a:xfrm>
+              <a:off x="4437827" y="1827428"/>
+              <a:ext cx="741757" cy="444328"/>
+            </a:xfrm>
+            <a:prstGeom prst="rect">
+              <a:avLst/>
+            </a:prstGeom>
+          </p:spPr>
+        </p:pic>
+        <p:grpSp>
+          <p:nvGrpSpPr>
+            <p:cNvPr id="53" name="Group 52">
+              <a:extLst>
+                <a:ext uri="{FF2B5EF4-FFF2-40B4-BE49-F238E27FC236}">
+                  <a16:creationId xmlns:a16="http://schemas.microsoft.com/office/drawing/2014/main" id="{58FDE482-0BE8-344C-AA82-6B4E883F3432}"/>
+                </a:ext>
+              </a:extLst>
+            </p:cNvPr>
+            <p:cNvGrpSpPr/>
+            <p:nvPr/>
+          </p:nvGrpSpPr>
+          <p:grpSpPr>
+            <a:xfrm>
+              <a:off x="3154016" y="1888097"/>
+              <a:ext cx="6672181" cy="3819857"/>
+              <a:chOff x="3154016" y="1888097"/>
+              <a:chExt cx="6672181" cy="3819857"/>
+            </a:xfrm>
+          </p:grpSpPr>
+          <p:pic>
+            <p:nvPicPr>
+              <p:cNvPr id="54" name="Picture 2">
+                <a:extLst>
+                  <a:ext uri="{FF2B5EF4-FFF2-40B4-BE49-F238E27FC236}">
+                    <a16:creationId xmlns:a16="http://schemas.microsoft.com/office/drawing/2014/main" id="{398BFB37-A6ED-C4E0-82DD-5756F48B4DBF}"/>
+                  </a:ext>
+                </a:extLst>
+              </p:cNvPr>
+              <p:cNvPicPr>
+                <a:picLocks noChangeAspect="1" noChangeArrowheads="1"/>
+              </p:cNvPicPr>
+              <p:nvPr/>
+            </p:nvPicPr>
+            <p:blipFill rotWithShape="1">
+              <a:blip r:embed="rId6">
+                <a:extLst>
+                  <a:ext uri="{28A0092B-C50C-407E-A947-70E740481C1C}">
+                    <a14:useLocalDpi xmlns:a14="http://schemas.microsoft.com/office/drawing/2010/main" val="0"/>
+                  </a:ext>
+                </a:extLst>
+              </a:blip>
+              <a:srcRect l="14387" t="3646" r="12813" b="36303"/>
+              <a:stretch/>
+            </p:blipFill>
+            <p:spPr bwMode="auto">
+              <a:xfrm>
+                <a:off x="3154016" y="3127892"/>
+                <a:ext cx="2359480" cy="1267205"/>
+              </a:xfrm>
+              <a:prstGeom prst="rect">
+                <a:avLst/>
+              </a:prstGeom>
+              <a:noFill/>
+              <a:extLst>
+                <a:ext uri="{909E8E84-426E-40DD-AFC4-6F175D3DCCD1}">
+                  <a14:hiddenFill xmlns:a14="http://schemas.microsoft.com/office/drawing/2010/main">
+                    <a:solidFill>
+                      <a:srgbClr val="FFFFFF"/>
+                    </a:solidFill>
+                  </a14:hiddenFill>
+                </a:ext>
+              </a:extLst>
+            </p:spPr>
+          </p:pic>
+          <p:pic>
+            <p:nvPicPr>
+              <p:cNvPr id="55" name="Picture 4">
+                <a:extLst>
+                  <a:ext uri="{FF2B5EF4-FFF2-40B4-BE49-F238E27FC236}">
+                    <a16:creationId xmlns:a16="http://schemas.microsoft.com/office/drawing/2014/main" id="{BA1D8265-4DD7-D887-8C03-CCBF9B30FC8C}"/>
+                  </a:ext>
+                </a:extLst>
+              </p:cNvPr>
+              <p:cNvPicPr>
+                <a:picLocks noChangeAspect="1" noChangeArrowheads="1"/>
+              </p:cNvPicPr>
+              <p:nvPr/>
+            </p:nvPicPr>
+            <p:blipFill rotWithShape="1">
+              <a:blip r:embed="rId7">
+                <a:extLst>
+                  <a:ext uri="{28A0092B-C50C-407E-A947-70E740481C1C}">
+                    <a14:useLocalDpi xmlns:a14="http://schemas.microsoft.com/office/drawing/2010/main" val="0"/>
+                  </a:ext>
+                </a:extLst>
+              </a:blip>
+              <a:srcRect l="17653" t="27477" r="17274" b="30255"/>
+              <a:stretch/>
+            </p:blipFill>
+            <p:spPr bwMode="auto">
+              <a:xfrm>
+                <a:off x="6888264" y="3111763"/>
+                <a:ext cx="2937933" cy="1433232"/>
+              </a:xfrm>
+              <a:prstGeom prst="rect">
+                <a:avLst/>
+              </a:prstGeom>
+              <a:noFill/>
+              <a:extLst>
+                <a:ext uri="{909E8E84-426E-40DD-AFC4-6F175D3DCCD1}">
+                  <a14:hiddenFill xmlns:a14="http://schemas.microsoft.com/office/drawing/2010/main">
+                    <a:solidFill>
+                      <a:srgbClr val="FFFFFF"/>
+                    </a:solidFill>
+                  </a14:hiddenFill>
+                </a:ext>
+              </a:extLst>
+            </p:spPr>
+          </p:pic>
+          <p:sp>
+            <p:nvSpPr>
+              <p:cNvPr id="56" name="Arrow: Curved Down 55">
+                <a:extLst>
+                  <a:ext uri="{FF2B5EF4-FFF2-40B4-BE49-F238E27FC236}">
+                    <a16:creationId xmlns:a16="http://schemas.microsoft.com/office/drawing/2014/main" id="{8B7A6E29-7AF2-3A57-F7A7-9F5DA2036DF6}"/>
+                  </a:ext>
+                </a:extLst>
+              </p:cNvPr>
+              <p:cNvSpPr/>
+              <p:nvPr/>
+            </p:nvSpPr>
+            <p:spPr>
+              <a:xfrm>
+                <a:off x="4150876" y="2100511"/>
+                <a:ext cx="4360846" cy="1011899"/>
+              </a:xfrm>
+              <a:prstGeom prst="curvedDownArrow">
+                <a:avLst/>
+              </a:prstGeom>
+            </p:spPr>
+            <p:style>
+              <a:lnRef idx="2">
+                <a:schemeClr val="accent1">
+                  <a:shade val="15000"/>
+                </a:schemeClr>
+              </a:lnRef>
+              <a:fillRef idx="1">
+                <a:schemeClr val="accent1"/>
+              </a:fillRef>
+              <a:effectRef idx="0">
+                <a:schemeClr val="accent1"/>
+              </a:effectRef>
+              <a:fontRef idx="minor">
+                <a:schemeClr val="lt1"/>
+              </a:fontRef>
+            </p:style>
+            <p:txBody>
+              <a:bodyPr rtlCol="0" anchor="ctr"/>
+              <a:lstStyle/>
+              <a:p>
+                <a:pPr algn="ctr"/>
+                <a:endParaRPr lang="en-US">
+                  <a:solidFill>
+                    <a:schemeClr val="tx1"/>
+                  </a:solidFill>
+                </a:endParaRPr>
+              </a:p>
+            </p:txBody>
+          </p:sp>
+          <p:sp>
+            <p:nvSpPr>
+              <p:cNvPr id="57" name="Arrow: Curved Down 56">
+                <a:extLst>
+                  <a:ext uri="{FF2B5EF4-FFF2-40B4-BE49-F238E27FC236}">
+                    <a16:creationId xmlns:a16="http://schemas.microsoft.com/office/drawing/2014/main" id="{D3D32E4E-C3BB-58EF-3424-3A290425B389}"/>
+                  </a:ext>
+                </a:extLst>
+              </p:cNvPr>
+              <p:cNvSpPr/>
+              <p:nvPr/>
+            </p:nvSpPr>
+            <p:spPr>
+              <a:xfrm rot="10800000">
+                <a:off x="4020457" y="4496935"/>
+                <a:ext cx="4360846" cy="1011899"/>
+              </a:xfrm>
+              <a:prstGeom prst="curvedDownArrow">
+                <a:avLst/>
+              </a:prstGeom>
+            </p:spPr>
+            <p:style>
+              <a:lnRef idx="2">
+                <a:schemeClr val="accent1">
+                  <a:shade val="15000"/>
+                </a:schemeClr>
+              </a:lnRef>
+              <a:fillRef idx="1">
+                <a:schemeClr val="accent1"/>
+              </a:fillRef>
+              <a:effectRef idx="0">
+                <a:schemeClr val="accent1"/>
+              </a:effectRef>
+              <a:fontRef idx="minor">
+                <a:schemeClr val="lt1"/>
+              </a:fontRef>
+            </p:style>
+            <p:txBody>
+              <a:bodyPr rtlCol="0" anchor="ctr"/>
+              <a:lstStyle/>
+              <a:p>
+                <a:pPr algn="ctr"/>
+                <a:endParaRPr lang="en-US">
+                  <a:solidFill>
+                    <a:schemeClr val="tx1"/>
+                  </a:solidFill>
+                </a:endParaRPr>
+              </a:p>
+            </p:txBody>
+          </p:sp>
+          <p:sp>
+            <p:nvSpPr>
+              <p:cNvPr id="58" name="TextBox 57">
+                <a:extLst>
+                  <a:ext uri="{FF2B5EF4-FFF2-40B4-BE49-F238E27FC236}">
+                    <a16:creationId xmlns:a16="http://schemas.microsoft.com/office/drawing/2014/main" id="{A8FA4739-4987-1661-0A70-0E995CCAA537}"/>
+                  </a:ext>
+                </a:extLst>
+              </p:cNvPr>
+              <p:cNvSpPr txBox="1"/>
+              <p:nvPr/>
+            </p:nvSpPr>
+            <p:spPr>
+              <a:xfrm>
+                <a:off x="5149499" y="4967935"/>
+                <a:ext cx="3251201" cy="460775"/>
+              </a:xfrm>
+              <a:prstGeom prst="rect">
+                <a:avLst/>
+              </a:prstGeom>
+              <a:noFill/>
+            </p:spPr>
+            <p:txBody>
+              <a:bodyPr wrap="square" rtlCol="0">
+                <a:spAutoFit/>
+              </a:bodyPr>
+              <a:lstStyle/>
+              <a:p>
+                <a:r>
+                  <a:rPr lang="en-US" sz="1200" dirty="0"/>
+                  <a:t>Increase production</a:t>
+                </a:r>
+              </a:p>
+            </p:txBody>
+          </p:sp>
+          <p:pic>
+            <p:nvPicPr>
+              <p:cNvPr id="59" name="Picture 58">
+                <a:extLst>
+                  <a:ext uri="{FF2B5EF4-FFF2-40B4-BE49-F238E27FC236}">
+                    <a16:creationId xmlns:a16="http://schemas.microsoft.com/office/drawing/2014/main" id="{9034F361-2F94-CF5A-236E-77C5204F3A0B}"/>
+                  </a:ext>
+                </a:extLst>
+              </p:cNvPr>
+              <p:cNvPicPr>
+                <a:picLocks noChangeAspect="1"/>
+              </p:cNvPicPr>
+              <p:nvPr/>
+            </p:nvPicPr>
+            <p:blipFill>
+              <a:blip r:embed="rId8">
+                <a:extLst>
+                  <a:ext uri="{BEBA8EAE-BF5A-486C-A8C5-ECC9F3942E4B}">
+                    <a14:imgProps xmlns:a14="http://schemas.microsoft.com/office/drawing/2010/main">
+                      <a14:imgLayer r:embed="rId5">
+                        <a14:imgEffect>
+                          <a14:backgroundRemoval t="9420" b="89130" l="58010" r="95616">
+                            <a14:foregroundMark x1="58010" y1="57971" x2="67791" y2="58696"/>
+                            <a14:foregroundMark x1="70489" y1="58696" x2="58347" y2="58696"/>
+                            <a14:foregroundMark x1="80438" y1="28986" x2="78752" y2="34783"/>
+                            <a14:foregroundMark x1="83137" y1="33333" x2="88702" y2="59420"/>
+                          </a14:backgroundRemoval>
+                        </a14:imgEffect>
+                      </a14:imgLayer>
+                    </a14:imgProps>
+                  </a:ext>
+                </a:extLst>
+              </a:blip>
+              <a:srcRect l="58049" t="-712" r="184" b="712"/>
+              <a:stretch/>
+            </p:blipFill>
+            <p:spPr>
+              <a:xfrm>
+                <a:off x="7383295" y="1888097"/>
+                <a:ext cx="902999" cy="503124"/>
+              </a:xfrm>
+              <a:prstGeom prst="rect">
+                <a:avLst/>
+              </a:prstGeom>
+            </p:spPr>
+          </p:pic>
+          <p:pic>
+            <p:nvPicPr>
+              <p:cNvPr id="60" name="Picture 59">
+                <a:extLst>
+                  <a:ext uri="{FF2B5EF4-FFF2-40B4-BE49-F238E27FC236}">
+                    <a16:creationId xmlns:a16="http://schemas.microsoft.com/office/drawing/2014/main" id="{4569546D-4C0A-D98F-1D6C-132257FABD86}"/>
+                  </a:ext>
+                </a:extLst>
+              </p:cNvPr>
+              <p:cNvPicPr>
+                <a:picLocks noChangeAspect="1"/>
+              </p:cNvPicPr>
+              <p:nvPr/>
+            </p:nvPicPr>
+            <p:blipFill>
+              <a:blip r:embed="rId9">
+                <a:extLst>
+                  <a:ext uri="{BEBA8EAE-BF5A-486C-A8C5-ECC9F3942E4B}">
+                    <a14:imgProps xmlns:a14="http://schemas.microsoft.com/office/drawing/2010/main">
+                      <a14:imgLayer r:embed="rId10">
+                        <a14:imgEffect>
+                          <a14:backgroundRemoval t="8475" b="95763" l="10000" r="90435">
+                            <a14:foregroundMark x1="66522" y1="74576" x2="55652" y2="26271"/>
+                            <a14:foregroundMark x1="82609" y1="51695" x2="89130" y2="96610"/>
+                            <a14:foregroundMark x1="89130" y1="51695" x2="90000" y2="30508"/>
+                            <a14:foregroundMark x1="10000" y1="48305" x2="90435" y2="83051"/>
+                            <a14:foregroundMark x1="90435" y1="83051" x2="32174" y2="30508"/>
+                            <a14:foregroundMark x1="32174" y1="30508" x2="11304" y2="51695"/>
+                            <a14:foregroundMark x1="40000" y1="58475" x2="34348" y2="84746"/>
+                            <a14:foregroundMark x1="21739" y1="59322" x2="21739" y2="94915"/>
+                            <a14:foregroundMark x1="84348" y1="59322" x2="90000" y2="27119"/>
+                          </a14:backgroundRemoval>
+                        </a14:imgEffect>
+                      </a14:imgLayer>
+                    </a14:imgProps>
+                  </a:ext>
+                </a:extLst>
+              </a:blip>
+              <a:stretch>
+                <a:fillRect/>
+              </a:stretch>
+            </p:blipFill>
+            <p:spPr>
+              <a:xfrm>
+                <a:off x="5834624" y="5198323"/>
+                <a:ext cx="993349" cy="509631"/>
+              </a:xfrm>
+              <a:prstGeom prst="rect">
+                <a:avLst/>
+              </a:prstGeom>
+            </p:spPr>
+          </p:pic>
+        </p:grpSp>
+      </p:grpSp>
+      <p:pic>
+        <p:nvPicPr>
+          <p:cNvPr id="1030" name="Picture 1029">
+            <a:extLst>
+              <a:ext uri="{FF2B5EF4-FFF2-40B4-BE49-F238E27FC236}">
+                <a16:creationId xmlns:a16="http://schemas.microsoft.com/office/drawing/2014/main" id="{BDDBCBB4-0250-157E-BE51-ADC098D257D2}"/>
+              </a:ext>
+            </a:extLst>
+          </p:cNvPr>
+          <p:cNvPicPr>
+            <a:picLocks noChangeAspect="1"/>
+          </p:cNvPicPr>
+          <p:nvPr/>
+        </p:nvPicPr>
+        <p:blipFill>
+          <a:blip r:embed="rId11"/>
+          <a:stretch>
+            <a:fillRect/>
+          </a:stretch>
+        </p:blipFill>
+        <p:spPr>
+          <a:xfrm>
+            <a:off x="918408" y="4084394"/>
+            <a:ext cx="4739075" cy="1110363"/>
+          </a:xfrm>
+          <a:prstGeom prst="rect">
+            <a:avLst/>
+          </a:prstGeom>
+        </p:spPr>
+      </p:pic>
+      <p:cxnSp>
+        <p:nvCxnSpPr>
+          <p:cNvPr id="1034" name="Straight Connector 1033">
+            <a:extLst>
+              <a:ext uri="{FF2B5EF4-FFF2-40B4-BE49-F238E27FC236}">
+                <a16:creationId xmlns:a16="http://schemas.microsoft.com/office/drawing/2014/main" id="{70FC7ACE-06EA-B554-3375-156ECD85A49A}"/>
+              </a:ext>
+            </a:extLst>
+          </p:cNvPr>
+          <p:cNvCxnSpPr/>
+          <p:nvPr/>
+        </p:nvCxnSpPr>
+        <p:spPr>
+          <a:xfrm>
+            <a:off x="5344160" y="5019040"/>
+            <a:ext cx="853440" cy="477520"/>
+          </a:xfrm>
+          <a:prstGeom prst="line">
+            <a:avLst/>
+          </a:prstGeom>
+          <a:ln w="28575"/>
+        </p:spPr>
+        <p:style>
+          <a:lnRef idx="2">
+            <a:schemeClr val="accent1"/>
+          </a:lnRef>
+          <a:fillRef idx="0">
+            <a:schemeClr val="accent1"/>
+          </a:fillRef>
+          <a:effectRef idx="1">
+            <a:schemeClr val="accent1"/>
+          </a:effectRef>
+          <a:fontRef idx="minor">
+            <a:schemeClr val="tx1"/>
+          </a:fontRef>
+        </p:style>
+      </p:cxnSp>
+      <p:sp>
+        <p:nvSpPr>
+          <p:cNvPr id="1035" name="TextBox 1034">
+            <a:extLst>
+              <a:ext uri="{FF2B5EF4-FFF2-40B4-BE49-F238E27FC236}">
+                <a16:creationId xmlns:a16="http://schemas.microsoft.com/office/drawing/2014/main" id="{C3519831-C8C0-5C4A-E9A4-7BDBF067940E}"/>
               </a:ext>
             </a:extLst>
           </p:cNvPr>
@@ -3978,8 +5207,8 @@
         </p:nvSpPr>
         <p:spPr>
           <a:xfrm>
-            <a:off x="1346200" y="1304155"/>
-            <a:ext cx="7992533" cy="369332"/>
+            <a:off x="6288759" y="5336485"/>
+            <a:ext cx="4200763" cy="369332"/>
           </a:xfrm>
           <a:prstGeom prst="rect">
             <a:avLst/>
@@ -3993,81 +5222,65 @@
           <a:lstStyle/>
           <a:p>
             <a:r>
-              <a:rPr lang="en-US" dirty="0">
-                <a:solidFill>
-                  <a:schemeClr val="bg1">
-                    <a:lumMod val="50000"/>
-                  </a:schemeClr>
-                </a:solidFill>
-              </a:rPr>
-              <a:t>Or: </a:t>
-            </a:r>
-            <a:r>
-              <a:rPr lang="en-US" i="1" dirty="0">
-                <a:solidFill>
-                  <a:schemeClr val="bg1">
-                    <a:lumMod val="50000"/>
-                  </a:schemeClr>
-                </a:solidFill>
-              </a:rPr>
-              <a:t>Are physicist the most arrogant scientists?</a:t>
-            </a:r>
-          </a:p>
-        </p:txBody>
-      </p:sp>
-      <p:pic>
-        <p:nvPicPr>
-          <p:cNvPr id="1026" name="Picture 2" descr="undefined">
-            <a:extLst>
-              <a:ext uri="{FF2B5EF4-FFF2-40B4-BE49-F238E27FC236}">
-                <a16:creationId xmlns:a16="http://schemas.microsoft.com/office/drawing/2014/main" id="{5449D2D3-7486-3CE6-D64D-8DA6A04904DF}"/>
-              </a:ext>
-            </a:extLst>
-          </p:cNvPr>
-          <p:cNvPicPr>
-            <a:picLocks noChangeAspect="1" noChangeArrowheads="1"/>
-          </p:cNvPicPr>
+              <a:rPr lang="en-US" dirty="0"/>
+              <a:t>Can’t buy more than seller can produce</a:t>
+            </a:r>
+          </a:p>
+        </p:txBody>
+      </p:sp>
+      <p:sp>
+        <p:nvSpPr>
+          <p:cNvPr id="1036" name="Right Brace 1035">
+            <a:extLst>
+              <a:ext uri="{FF2B5EF4-FFF2-40B4-BE49-F238E27FC236}">
+                <a16:creationId xmlns:a16="http://schemas.microsoft.com/office/drawing/2014/main" id="{F0FE82E1-DC16-1CE6-9E85-F5B3EE7D2864}"/>
+              </a:ext>
+            </a:extLst>
+          </p:cNvPr>
+          <p:cNvSpPr/>
           <p:nvPr/>
-        </p:nvPicPr>
-        <p:blipFill>
-          <a:blip r:embed="rId3">
-            <a:extLst>
-              <a:ext uri="{28A0092B-C50C-407E-A947-70E740481C1C}">
-                <a14:useLocalDpi xmlns:a14="http://schemas.microsoft.com/office/drawing/2010/main" val="0"/>
-              </a:ext>
-            </a:extLst>
-          </a:blip>
-          <a:srcRect/>
-          <a:stretch>
-            <a:fillRect/>
-          </a:stretch>
-        </p:blipFill>
-        <p:spPr bwMode="auto">
-          <a:xfrm>
-            <a:off x="10075333" y="3961342"/>
-            <a:ext cx="1789067" cy="2531533"/>
+        </p:nvSpPr>
+        <p:spPr>
+          <a:xfrm rot="5400000">
+            <a:off x="3821378" y="4437700"/>
+            <a:ext cx="472073" cy="1645648"/>
           </a:xfrm>
-          <a:prstGeom prst="rect">
-            <a:avLst/>
+          <a:prstGeom prst="rightBrace">
+            <a:avLst>
+              <a:gd name="adj1" fmla="val 43544"/>
+              <a:gd name="adj2" fmla="val 49383"/>
+            </a:avLst>
           </a:prstGeom>
-          <a:noFill/>
-          <a:extLst>
-            <a:ext uri="{909E8E84-426E-40DD-AFC4-6F175D3DCCD1}">
-              <a14:hiddenFill xmlns:a14="http://schemas.microsoft.com/office/drawing/2010/main">
-                <a:solidFill>
-                  <a:srgbClr val="FFFFFF"/>
-                </a:solidFill>
-              </a14:hiddenFill>
-            </a:ext>
-          </a:extLst>
         </p:spPr>
-      </p:pic>
-      <p:sp>
-        <p:nvSpPr>
-          <p:cNvPr id="5" name="TextBox 4">
-            <a:extLst>
-              <a:ext uri="{FF2B5EF4-FFF2-40B4-BE49-F238E27FC236}">
-                <a16:creationId xmlns:a16="http://schemas.microsoft.com/office/drawing/2014/main" id="{8EBB30D8-349A-EBFB-6396-C0795C348823}"/>
+        <p:style>
+          <a:lnRef idx="2">
+            <a:schemeClr val="accent1"/>
+          </a:lnRef>
+          <a:fillRef idx="0">
+            <a:schemeClr val="accent1"/>
+          </a:fillRef>
+          <a:effectRef idx="1">
+            <a:schemeClr val="accent1"/>
+          </a:effectRef>
+          <a:fontRef idx="minor">
+            <a:schemeClr val="tx1"/>
+          </a:fontRef>
+        </p:style>
+        <p:txBody>
+          <a:bodyPr rtlCol="0" anchor="ctr"/>
+          <a:lstStyle/>
+          <a:p>
+            <a:pPr algn="ctr"/>
+            <a:endParaRPr lang="en-US"/>
+          </a:p>
+        </p:txBody>
+      </p:sp>
+      <p:sp>
+        <p:nvSpPr>
+          <p:cNvPr id="1037" name="TextBox 1036">
+            <a:extLst>
+              <a:ext uri="{FF2B5EF4-FFF2-40B4-BE49-F238E27FC236}">
+                <a16:creationId xmlns:a16="http://schemas.microsoft.com/office/drawing/2014/main" id="{D1086B85-36CF-0A18-1BF0-78244EF14D2C}"/>
               </a:ext>
             </a:extLst>
           </p:cNvPr>
@@ -4076,8 +5289,8 @@
         </p:nvSpPr>
         <p:spPr>
           <a:xfrm>
-            <a:off x="10007600" y="6612467"/>
-            <a:ext cx="1856800" cy="646331"/>
+            <a:off x="3095018" y="5573442"/>
+            <a:ext cx="2489481" cy="369332"/>
           </a:xfrm>
           <a:prstGeom prst="rect">
             <a:avLst/>
@@ -4092,85 +5305,7 @@
           <a:p>
             <a:r>
               <a:rPr lang="en-US" dirty="0"/>
-              <a:t>Photo by </a:t>
-            </a:r>
-            <a:r>
-              <a:rPr lang="en-GB" dirty="0" err="1"/>
-              <a:t>Jérémy</a:t>
-            </a:r>
-            <a:r>
-              <a:rPr lang="en-GB" dirty="0"/>
-              <a:t> </a:t>
-            </a:r>
-            <a:r>
-              <a:rPr lang="en-GB" dirty="0" err="1"/>
-              <a:t>Barande</a:t>
-            </a:r>
-            <a:endParaRPr lang="en-US" dirty="0"/>
-          </a:p>
-        </p:txBody>
-      </p:sp>
-      <p:pic>
-        <p:nvPicPr>
-          <p:cNvPr id="7" name="Picture 6">
-            <a:extLst>
-              <a:ext uri="{FF2B5EF4-FFF2-40B4-BE49-F238E27FC236}">
-                <a16:creationId xmlns:a16="http://schemas.microsoft.com/office/drawing/2014/main" id="{9F21CC19-CCA7-83D5-7247-74F5FFFF295E}"/>
-              </a:ext>
-            </a:extLst>
-          </p:cNvPr>
-          <p:cNvPicPr>
-            <a:picLocks noChangeAspect="1"/>
-          </p:cNvPicPr>
-          <p:nvPr/>
-        </p:nvPicPr>
-        <p:blipFill>
-          <a:blip r:embed="rId4"/>
-          <a:stretch>
-            <a:fillRect/>
-          </a:stretch>
-        </p:blipFill>
-        <p:spPr>
-          <a:xfrm>
-            <a:off x="838200" y="5029402"/>
-            <a:ext cx="8940800" cy="664604"/>
-          </a:xfrm>
-          <a:prstGeom prst="rect">
-            <a:avLst/>
-          </a:prstGeom>
-        </p:spPr>
-      </p:pic>
-      <p:sp>
-        <p:nvSpPr>
-          <p:cNvPr id="8" name="TextBox 7">
-            <a:extLst>
-              <a:ext uri="{FF2B5EF4-FFF2-40B4-BE49-F238E27FC236}">
-                <a16:creationId xmlns:a16="http://schemas.microsoft.com/office/drawing/2014/main" id="{B65F6159-3A88-FE0D-E632-FD2355C7DD43}"/>
-              </a:ext>
-            </a:extLst>
-          </p:cNvPr>
-          <p:cNvSpPr txBox="1"/>
-          <p:nvPr/>
-        </p:nvSpPr>
-        <p:spPr>
-          <a:xfrm>
-            <a:off x="948267" y="6354375"/>
-            <a:ext cx="5147733" cy="276999"/>
-          </a:xfrm>
-          <a:prstGeom prst="rect">
-            <a:avLst/>
-          </a:prstGeom>
-          <a:noFill/>
-        </p:spPr>
-        <p:txBody>
-          <a:bodyPr wrap="square" rtlCol="0">
-            <a:spAutoFit/>
-          </a:bodyPr>
-          <a:lstStyle/>
-          <a:p>
-            <a:r>
-              <a:rPr lang="en-US" sz="1200" dirty="0"/>
-              <a:t>All quotes and equation from [Stiglitz18].</a:t>
+              <a:t>Prevent bankruptcy</a:t>
             </a:r>
           </a:p>
         </p:txBody>
@@ -4178,17 +5313,293 @@
     </p:spTree>
     <p:extLst>
       <p:ext uri="{BB962C8B-B14F-4D97-AF65-F5344CB8AC3E}">
-        <p14:creationId xmlns:p14="http://schemas.microsoft.com/office/powerpoint/2010/main" val="2028389713"/>
+        <p14:creationId xmlns:p14="http://schemas.microsoft.com/office/powerpoint/2010/main" val="3783983976"/>
       </p:ext>
     </p:extLst>
   </p:cSld>
   <p:clrMapOvr>
     <a:masterClrMapping/>
   </p:clrMapOvr>
+  <mc:AlternateContent xmlns:mc="http://schemas.openxmlformats.org/markup-compatibility/2006">
+    <mc:Choice xmlns:p159="http://schemas.microsoft.com/office/powerpoint/2015/09/main" Requires="p159">
+      <p:transition xmlns:p14="http://schemas.microsoft.com/office/powerpoint/2010/main" spd="slow" p14:dur="2000">
+        <p159:morph option="byObject"/>
+      </p:transition>
+    </mc:Choice>
+    <mc:Fallback>
+      <p:transition spd="slow">
+        <p:fade/>
+      </p:transition>
+    </mc:Fallback>
+  </mc:AlternateContent>
+  <p:timing>
+    <p:tnLst>
+      <p:par>
+        <p:cTn id="1" dur="indefinite" restart="never" nodeType="tmRoot">
+          <p:childTnLst>
+            <p:seq concurrent="1" nextAc="seek">
+              <p:cTn id="2" dur="indefinite" nodeType="mainSeq">
+                <p:childTnLst>
+                  <p:par>
+                    <p:cTn id="3" fill="hold">
+                      <p:stCondLst>
+                        <p:cond delay="indefinite"/>
+                      </p:stCondLst>
+                      <p:childTnLst>
+                        <p:par>
+                          <p:cTn id="4" fill="hold">
+                            <p:stCondLst>
+                              <p:cond delay="0"/>
+                            </p:stCondLst>
+                            <p:childTnLst>
+                              <p:par>
+                                <p:cTn id="5" presetID="10" presetClass="entr" presetSubtype="0" fill="hold" nodeType="clickEffect">
+                                  <p:stCondLst>
+                                    <p:cond delay="0"/>
+                                  </p:stCondLst>
+                                  <p:childTnLst>
+                                    <p:set>
+                                      <p:cBhvr>
+                                        <p:cTn id="6" dur="1" fill="hold">
+                                          <p:stCondLst>
+                                            <p:cond delay="0"/>
+                                          </p:stCondLst>
+                                        </p:cTn>
+                                        <p:tgtEl>
+                                          <p:spTgt spid="1030"/>
+                                        </p:tgtEl>
+                                        <p:attrNameLst>
+                                          <p:attrName>style.visibility</p:attrName>
+                                        </p:attrNameLst>
+                                      </p:cBhvr>
+                                      <p:to>
+                                        <p:strVal val="visible"/>
+                                      </p:to>
+                                    </p:set>
+                                    <p:animEffect transition="in" filter="fade">
+                                      <p:cBhvr>
+                                        <p:cTn id="7" dur="500"/>
+                                        <p:tgtEl>
+                                          <p:spTgt spid="1030"/>
+                                        </p:tgtEl>
+                                      </p:cBhvr>
+                                    </p:animEffect>
+                                  </p:childTnLst>
+                                </p:cTn>
+                              </p:par>
+                            </p:childTnLst>
+                          </p:cTn>
+                        </p:par>
+                      </p:childTnLst>
+                    </p:cTn>
+                  </p:par>
+                  <p:par>
+                    <p:cTn id="8" fill="hold">
+                      <p:stCondLst>
+                        <p:cond delay="indefinite"/>
+                      </p:stCondLst>
+                      <p:childTnLst>
+                        <p:par>
+                          <p:cTn id="9" fill="hold">
+                            <p:stCondLst>
+                              <p:cond delay="0"/>
+                            </p:stCondLst>
+                            <p:childTnLst>
+                              <p:par>
+                                <p:cTn id="10" presetID="10" presetClass="entr" presetSubtype="0" fill="hold" grpId="0" nodeType="clickEffect">
+                                  <p:stCondLst>
+                                    <p:cond delay="0"/>
+                                  </p:stCondLst>
+                                  <p:childTnLst>
+                                    <p:set>
+                                      <p:cBhvr>
+                                        <p:cTn id="11" dur="1" fill="hold">
+                                          <p:stCondLst>
+                                            <p:cond delay="0"/>
+                                          </p:stCondLst>
+                                        </p:cTn>
+                                        <p:tgtEl>
+                                          <p:spTgt spid="1035"/>
+                                        </p:tgtEl>
+                                        <p:attrNameLst>
+                                          <p:attrName>style.visibility</p:attrName>
+                                        </p:attrNameLst>
+                                      </p:cBhvr>
+                                      <p:to>
+                                        <p:strVal val="visible"/>
+                                      </p:to>
+                                    </p:set>
+                                    <p:animEffect transition="in" filter="fade">
+                                      <p:cBhvr>
+                                        <p:cTn id="12" dur="500"/>
+                                        <p:tgtEl>
+                                          <p:spTgt spid="1035"/>
+                                        </p:tgtEl>
+                                      </p:cBhvr>
+                                    </p:animEffect>
+                                  </p:childTnLst>
+                                </p:cTn>
+                              </p:par>
+                              <p:par>
+                                <p:cTn id="13" presetID="10" presetClass="entr" presetSubtype="0" fill="hold" nodeType="withEffect">
+                                  <p:stCondLst>
+                                    <p:cond delay="0"/>
+                                  </p:stCondLst>
+                                  <p:childTnLst>
+                                    <p:set>
+                                      <p:cBhvr>
+                                        <p:cTn id="14" dur="1" fill="hold">
+                                          <p:stCondLst>
+                                            <p:cond delay="0"/>
+                                          </p:stCondLst>
+                                        </p:cTn>
+                                        <p:tgtEl>
+                                          <p:spTgt spid="1034"/>
+                                        </p:tgtEl>
+                                        <p:attrNameLst>
+                                          <p:attrName>style.visibility</p:attrName>
+                                        </p:attrNameLst>
+                                      </p:cBhvr>
+                                      <p:to>
+                                        <p:strVal val="visible"/>
+                                      </p:to>
+                                    </p:set>
+                                    <p:animEffect transition="in" filter="fade">
+                                      <p:cBhvr>
+                                        <p:cTn id="15" dur="500"/>
+                                        <p:tgtEl>
+                                          <p:spTgt spid="1034"/>
+                                        </p:tgtEl>
+                                      </p:cBhvr>
+                                    </p:animEffect>
+                                  </p:childTnLst>
+                                </p:cTn>
+                              </p:par>
+                            </p:childTnLst>
+                          </p:cTn>
+                        </p:par>
+                      </p:childTnLst>
+                    </p:cTn>
+                  </p:par>
+                  <p:par>
+                    <p:cTn id="16" fill="hold">
+                      <p:stCondLst>
+                        <p:cond delay="indefinite"/>
+                      </p:stCondLst>
+                      <p:childTnLst>
+                        <p:par>
+                          <p:cTn id="17" fill="hold">
+                            <p:stCondLst>
+                              <p:cond delay="0"/>
+                            </p:stCondLst>
+                            <p:childTnLst>
+                              <p:par>
+                                <p:cTn id="18" presetID="10" presetClass="entr" presetSubtype="0" fill="hold" grpId="0" nodeType="clickEffect">
+                                  <p:stCondLst>
+                                    <p:cond delay="0"/>
+                                  </p:stCondLst>
+                                  <p:childTnLst>
+                                    <p:set>
+                                      <p:cBhvr>
+                                        <p:cTn id="19" dur="1" fill="hold">
+                                          <p:stCondLst>
+                                            <p:cond delay="0"/>
+                                          </p:stCondLst>
+                                        </p:cTn>
+                                        <p:tgtEl>
+                                          <p:spTgt spid="1036"/>
+                                        </p:tgtEl>
+                                        <p:attrNameLst>
+                                          <p:attrName>style.visibility</p:attrName>
+                                        </p:attrNameLst>
+                                      </p:cBhvr>
+                                      <p:to>
+                                        <p:strVal val="visible"/>
+                                      </p:to>
+                                    </p:set>
+                                    <p:animEffect transition="in" filter="fade">
+                                      <p:cBhvr>
+                                        <p:cTn id="20" dur="500"/>
+                                        <p:tgtEl>
+                                          <p:spTgt spid="1036"/>
+                                        </p:tgtEl>
+                                      </p:cBhvr>
+                                    </p:animEffect>
+                                  </p:childTnLst>
+                                </p:cTn>
+                              </p:par>
+                              <p:par>
+                                <p:cTn id="21" presetID="10" presetClass="entr" presetSubtype="0" fill="hold" grpId="0" nodeType="withEffect">
+                                  <p:stCondLst>
+                                    <p:cond delay="0"/>
+                                  </p:stCondLst>
+                                  <p:childTnLst>
+                                    <p:set>
+                                      <p:cBhvr>
+                                        <p:cTn id="22" dur="1" fill="hold">
+                                          <p:stCondLst>
+                                            <p:cond delay="0"/>
+                                          </p:stCondLst>
+                                        </p:cTn>
+                                        <p:tgtEl>
+                                          <p:spTgt spid="1037"/>
+                                        </p:tgtEl>
+                                        <p:attrNameLst>
+                                          <p:attrName>style.visibility</p:attrName>
+                                        </p:attrNameLst>
+                                      </p:cBhvr>
+                                      <p:to>
+                                        <p:strVal val="visible"/>
+                                      </p:to>
+                                    </p:set>
+                                    <p:animEffect transition="in" filter="fade">
+                                      <p:cBhvr>
+                                        <p:cTn id="23" dur="500"/>
+                                        <p:tgtEl>
+                                          <p:spTgt spid="1037"/>
+                                        </p:tgtEl>
+                                      </p:cBhvr>
+                                    </p:animEffect>
+                                  </p:childTnLst>
+                                </p:cTn>
+                              </p:par>
+                            </p:childTnLst>
+                          </p:cTn>
+                        </p:par>
+                      </p:childTnLst>
+                    </p:cTn>
+                  </p:par>
+                </p:childTnLst>
+              </p:cTn>
+              <p:prevCondLst>
+                <p:cond evt="onPrev" delay="0">
+                  <p:tgtEl>
+                    <p:sldTgt/>
+                  </p:tgtEl>
+                </p:cond>
+              </p:prevCondLst>
+              <p:nextCondLst>
+                <p:cond evt="onNext" delay="0">
+                  <p:tgtEl>
+                    <p:sldTgt/>
+                  </p:tgtEl>
+                </p:cond>
+              </p:nextCondLst>
+            </p:seq>
+          </p:childTnLst>
+        </p:cTn>
+      </p:par>
+    </p:tnLst>
+    <p:bldLst>
+      <p:bldP spid="1035" grpId="0"/>
+      <p:bldP spid="1036" grpId="0" animBg="1"/>
+      <p:bldP spid="1037" grpId="0"/>
+    </p:bldLst>
+  </p:timing>
 </p:sld>
 </file>
 
-<file path=ppt/slides/slide3.xml><?xml version="1.0" encoding="utf-8"?>
+<file path=ppt/slides/slide11.xml><?xml version="1.0" encoding="utf-8"?>
 <p:sld xmlns:a="http://schemas.openxmlformats.org/drawingml/2006/main" xmlns:r="http://schemas.openxmlformats.org/officeDocument/2006/relationships" xmlns:p="http://schemas.openxmlformats.org/presentationml/2006/main">
   <p:cSld>
     <p:spTree>
@@ -4205,76 +5616,1125 @@
           <a:chExt cx="0" cy="0"/>
         </a:xfrm>
       </p:grpSpPr>
-      <p:sp>
-        <p:nvSpPr>
-          <p:cNvPr id="2" name="Title 1">
-            <a:extLst>
-              <a:ext uri="{FF2B5EF4-FFF2-40B4-BE49-F238E27FC236}">
-                <a16:creationId xmlns:a16="http://schemas.microsoft.com/office/drawing/2014/main" id="{699423A6-7F3D-79A9-4D54-E751D98CE5B1}"/>
-              </a:ext>
-            </a:extLst>
-          </p:cNvPr>
-          <p:cNvSpPr>
-            <a:spLocks noGrp="1"/>
-          </p:cNvSpPr>
-          <p:nvPr>
-            <p:ph type="title"/>
-          </p:nvPr>
-        </p:nvSpPr>
-        <p:spPr/>
-        <p:txBody>
-          <a:bodyPr/>
-          <a:lstStyle/>
-          <a:p>
-            <a:r>
-              <a:rPr lang="en-US" dirty="0"/>
-              <a:t>Fisher’s debt-deflation cycle</a:t>
-            </a:r>
-          </a:p>
-        </p:txBody>
-      </p:sp>
-      <p:sp>
-        <p:nvSpPr>
-          <p:cNvPr id="3" name="Content Placeholder 2">
-            <a:extLst>
-              <a:ext uri="{FF2B5EF4-FFF2-40B4-BE49-F238E27FC236}">
-                <a16:creationId xmlns:a16="http://schemas.microsoft.com/office/drawing/2014/main" id="{904C4B6F-2B94-C207-E88C-EDB9D44C4E51}"/>
-              </a:ext>
-            </a:extLst>
-          </p:cNvPr>
-          <p:cNvSpPr>
-            <a:spLocks noGrp="1"/>
-          </p:cNvSpPr>
-          <p:nvPr>
-            <p:ph idx="1"/>
-          </p:nvPr>
-        </p:nvSpPr>
-        <p:spPr/>
-        <p:txBody>
-          <a:bodyPr/>
-          <a:lstStyle/>
-          <a:p>
-            <a:r>
-              <a:rPr lang="en-US" dirty="0"/>
-              <a:t>Original. Simplified. My interpretation/implementation.</a:t>
-            </a:r>
-          </a:p>
-        </p:txBody>
-      </p:sp>
+      <p:pic>
+        <p:nvPicPr>
+          <p:cNvPr id="10" name="Picture 9">
+            <a:extLst>
+              <a:ext uri="{FF2B5EF4-FFF2-40B4-BE49-F238E27FC236}">
+                <a16:creationId xmlns:a16="http://schemas.microsoft.com/office/drawing/2014/main" id="{0B17D49E-6A46-4609-9975-42391B093E92}"/>
+              </a:ext>
+            </a:extLst>
+          </p:cNvPr>
+          <p:cNvPicPr>
+            <a:picLocks noChangeAspect="1"/>
+          </p:cNvPicPr>
+          <p:nvPr/>
+        </p:nvPicPr>
+        <p:blipFill>
+          <a:blip r:embed="rId2"/>
+          <a:srcRect b="90247"/>
+          <a:stretch/>
+        </p:blipFill>
+        <p:spPr>
+          <a:xfrm>
+            <a:off x="3235836" y="0"/>
+            <a:ext cx="5720327" cy="668867"/>
+          </a:xfrm>
+          <a:prstGeom prst="rect">
+            <a:avLst/>
+          </a:prstGeom>
+        </p:spPr>
+      </p:pic>
+      <p:pic>
+        <p:nvPicPr>
+          <p:cNvPr id="13" name="Picture 12">
+            <a:extLst>
+              <a:ext uri="{FF2B5EF4-FFF2-40B4-BE49-F238E27FC236}">
+                <a16:creationId xmlns:a16="http://schemas.microsoft.com/office/drawing/2014/main" id="{280FAC13-3D38-29F9-6008-C61B0FA8B971}"/>
+              </a:ext>
+            </a:extLst>
+          </p:cNvPr>
+          <p:cNvPicPr>
+            <a:picLocks noChangeAspect="1"/>
+          </p:cNvPicPr>
+          <p:nvPr/>
+        </p:nvPicPr>
+        <p:blipFill>
+          <a:blip r:embed="rId2"/>
+          <a:srcRect t="9750" b="49262"/>
+          <a:stretch/>
+        </p:blipFill>
+        <p:spPr>
+          <a:xfrm>
+            <a:off x="3235836" y="668867"/>
+            <a:ext cx="5720327" cy="2810934"/>
+          </a:xfrm>
+          <a:prstGeom prst="rect">
+            <a:avLst/>
+          </a:prstGeom>
+        </p:spPr>
+      </p:pic>
+      <p:pic>
+        <p:nvPicPr>
+          <p:cNvPr id="14" name="Picture 13">
+            <a:extLst>
+              <a:ext uri="{FF2B5EF4-FFF2-40B4-BE49-F238E27FC236}">
+                <a16:creationId xmlns:a16="http://schemas.microsoft.com/office/drawing/2014/main" id="{368FBD45-19D0-B4C3-C4F6-59898C753A94}"/>
+              </a:ext>
+            </a:extLst>
+          </p:cNvPr>
+          <p:cNvPicPr>
+            <a:picLocks noChangeAspect="1"/>
+          </p:cNvPicPr>
+          <p:nvPr/>
+        </p:nvPicPr>
+        <p:blipFill>
+          <a:blip r:embed="rId2"/>
+          <a:srcRect t="52960" b="32842"/>
+          <a:stretch/>
+        </p:blipFill>
+        <p:spPr>
+          <a:xfrm>
+            <a:off x="3235836" y="3479801"/>
+            <a:ext cx="5720327" cy="973667"/>
+          </a:xfrm>
+          <a:prstGeom prst="rect">
+            <a:avLst/>
+          </a:prstGeom>
+        </p:spPr>
+      </p:pic>
+      <p:pic>
+        <p:nvPicPr>
+          <p:cNvPr id="15" name="Picture 14">
+            <a:extLst>
+              <a:ext uri="{FF2B5EF4-FFF2-40B4-BE49-F238E27FC236}">
+                <a16:creationId xmlns:a16="http://schemas.microsoft.com/office/drawing/2014/main" id="{18517896-A6E5-5855-5B58-FB0A9FBF4482}"/>
+              </a:ext>
+            </a:extLst>
+          </p:cNvPr>
+          <p:cNvPicPr>
+            <a:picLocks noChangeAspect="1"/>
+          </p:cNvPicPr>
+          <p:nvPr/>
+        </p:nvPicPr>
+        <p:blipFill>
+          <a:blip r:embed="rId2"/>
+          <a:srcRect t="67157" b="14324"/>
+          <a:stretch/>
+        </p:blipFill>
+        <p:spPr>
+          <a:xfrm>
+            <a:off x="3235836" y="4453467"/>
+            <a:ext cx="5720327" cy="1269999"/>
+          </a:xfrm>
+          <a:prstGeom prst="rect">
+            <a:avLst/>
+          </a:prstGeom>
+        </p:spPr>
+      </p:pic>
+      <p:pic>
+        <p:nvPicPr>
+          <p:cNvPr id="16" name="Picture 15">
+            <a:extLst>
+              <a:ext uri="{FF2B5EF4-FFF2-40B4-BE49-F238E27FC236}">
+                <a16:creationId xmlns:a16="http://schemas.microsoft.com/office/drawing/2014/main" id="{4058E23B-87C6-E1BF-1FB4-8DE410F23BFB}"/>
+              </a:ext>
+            </a:extLst>
+          </p:cNvPr>
+          <p:cNvPicPr>
+            <a:picLocks noChangeAspect="1"/>
+          </p:cNvPicPr>
+          <p:nvPr/>
+        </p:nvPicPr>
+        <p:blipFill>
+          <a:blip r:embed="rId2"/>
+          <a:srcRect t="85676" b="4571"/>
+          <a:stretch/>
+        </p:blipFill>
+        <p:spPr>
+          <a:xfrm>
+            <a:off x="3235835" y="5723465"/>
+            <a:ext cx="5720327" cy="668867"/>
+          </a:xfrm>
+          <a:prstGeom prst="rect">
+            <a:avLst/>
+          </a:prstGeom>
+        </p:spPr>
+      </p:pic>
+      <p:pic>
+        <p:nvPicPr>
+          <p:cNvPr id="17" name="Picture 16">
+            <a:extLst>
+              <a:ext uri="{FF2B5EF4-FFF2-40B4-BE49-F238E27FC236}">
+                <a16:creationId xmlns:a16="http://schemas.microsoft.com/office/drawing/2014/main" id="{FB131568-43D5-115B-6C08-08B7924FAA9E}"/>
+              </a:ext>
+            </a:extLst>
+          </p:cNvPr>
+          <p:cNvPicPr>
+            <a:picLocks noChangeAspect="1"/>
+          </p:cNvPicPr>
+          <p:nvPr/>
+        </p:nvPicPr>
+        <p:blipFill>
+          <a:blip r:embed="rId2"/>
+          <a:srcRect t="95430" b="126"/>
+          <a:stretch/>
+        </p:blipFill>
+        <p:spPr>
+          <a:xfrm>
+            <a:off x="3235835" y="6392332"/>
+            <a:ext cx="5720327" cy="304800"/>
+          </a:xfrm>
+          <a:prstGeom prst="rect">
+            <a:avLst/>
+          </a:prstGeom>
+        </p:spPr>
+      </p:pic>
+      <p:sp>
+        <p:nvSpPr>
+          <p:cNvPr id="19" name="TextBox 18">
+            <a:extLst>
+              <a:ext uri="{FF2B5EF4-FFF2-40B4-BE49-F238E27FC236}">
+                <a16:creationId xmlns:a16="http://schemas.microsoft.com/office/drawing/2014/main" id="{2965C10B-16E0-445E-71BC-A17A4D943659}"/>
+              </a:ext>
+            </a:extLst>
+          </p:cNvPr>
+          <p:cNvSpPr txBox="1"/>
+          <p:nvPr/>
+        </p:nvSpPr>
+        <p:spPr>
+          <a:xfrm>
+            <a:off x="1803400" y="2216907"/>
+            <a:ext cx="2650066" cy="369332"/>
+          </a:xfrm>
+          <a:prstGeom prst="rect">
+            <a:avLst/>
+          </a:prstGeom>
+          <a:noFill/>
+        </p:spPr>
+        <p:txBody>
+          <a:bodyPr wrap="square" rtlCol="0">
+            <a:spAutoFit/>
+          </a:bodyPr>
+          <a:lstStyle/>
+          <a:p>
+            <a:r>
+              <a:rPr lang="en-US" b="1" dirty="0"/>
+              <a:t>Transaction</a:t>
+            </a:r>
+          </a:p>
+        </p:txBody>
+      </p:sp>
+      <p:sp>
+        <p:nvSpPr>
+          <p:cNvPr id="20" name="Rectangle: Rounded Corners 19">
+            <a:extLst>
+              <a:ext uri="{FF2B5EF4-FFF2-40B4-BE49-F238E27FC236}">
+                <a16:creationId xmlns:a16="http://schemas.microsoft.com/office/drawing/2014/main" id="{3385D3D2-E6FD-39A3-A4D6-601F01DB4D8D}"/>
+              </a:ext>
+            </a:extLst>
+          </p:cNvPr>
+          <p:cNvSpPr/>
+          <p:nvPr/>
+        </p:nvSpPr>
+        <p:spPr>
+          <a:xfrm>
+            <a:off x="9645227" y="5088466"/>
+            <a:ext cx="2472267" cy="1686613"/>
+          </a:xfrm>
+          <a:prstGeom prst="roundRect">
+            <a:avLst/>
+          </a:prstGeom>
+          <a:solidFill>
+            <a:schemeClr val="bg2"/>
+          </a:solidFill>
+        </p:spPr>
+        <p:style>
+          <a:lnRef idx="2">
+            <a:schemeClr val="accent1">
+              <a:shade val="15000"/>
+            </a:schemeClr>
+          </a:lnRef>
+          <a:fillRef idx="1">
+            <a:schemeClr val="accent1"/>
+          </a:fillRef>
+          <a:effectRef idx="0">
+            <a:schemeClr val="accent1"/>
+          </a:effectRef>
+          <a:fontRef idx="minor">
+            <a:schemeClr val="lt1"/>
+          </a:fontRef>
+        </p:style>
+        <p:txBody>
+          <a:bodyPr rtlCol="0" anchor="t"/>
+          <a:lstStyle/>
+          <a:p>
+            <a:pPr algn="ctr"/>
+            <a:r>
+              <a:rPr lang="en-US" sz="1600" b="1" dirty="0">
+                <a:solidFill>
+                  <a:schemeClr val="tx1"/>
+                </a:solidFill>
+              </a:rPr>
+              <a:t>Variable reminder</a:t>
+            </a:r>
+          </a:p>
+          <a:p>
+            <a:pPr algn="ctr"/>
+            <a:r>
+              <a:rPr lang="en-US" sz="1600" i="1" dirty="0">
+                <a:solidFill>
+                  <a:schemeClr val="tx1"/>
+                </a:solidFill>
+              </a:rPr>
+              <a:t>p</a:t>
+            </a:r>
+            <a:r>
+              <a:rPr lang="en-US" sz="1600" dirty="0">
+                <a:solidFill>
+                  <a:schemeClr val="tx1"/>
+                </a:solidFill>
+              </a:rPr>
+              <a:t>: production capacity</a:t>
+            </a:r>
+          </a:p>
+          <a:p>
+            <a:pPr algn="ctr"/>
+            <a:r>
+              <a:rPr lang="en-US" sz="1600" i="1" dirty="0">
+                <a:solidFill>
+                  <a:schemeClr val="tx1"/>
+                </a:solidFill>
+              </a:rPr>
+              <a:t>d</a:t>
+            </a:r>
+            <a:r>
+              <a:rPr lang="en-US" sz="1600" dirty="0">
+                <a:solidFill>
+                  <a:schemeClr val="tx1"/>
+                </a:solidFill>
+              </a:rPr>
+              <a:t>: debt</a:t>
+            </a:r>
+            <a:endParaRPr lang="da-DK" sz="1600" dirty="0">
+              <a:solidFill>
+                <a:srgbClr val="202122"/>
+              </a:solidFill>
+              <a:effectLst/>
+              <a:latin typeface="SBL BibLit"/>
+            </a:endParaRPr>
+          </a:p>
+          <a:p>
+            <a:pPr algn="ctr"/>
+            <a:r>
+              <a:rPr lang="el-GR" sz="1600" i="0" dirty="0">
+                <a:solidFill>
+                  <a:srgbClr val="202122"/>
+                </a:solidFill>
+                <a:effectLst/>
+                <a:latin typeface="SBL BibLit"/>
+              </a:rPr>
+              <a:t>β</a:t>
+            </a:r>
+            <a:r>
+              <a:rPr lang="da-DK" sz="1600" i="0" dirty="0">
+                <a:solidFill>
+                  <a:srgbClr val="202122"/>
+                </a:solidFill>
+                <a:effectLst/>
+                <a:latin typeface="SBL BibLit"/>
+              </a:rPr>
+              <a:t>: </a:t>
+            </a:r>
+            <a:r>
+              <a:rPr lang="da-DK" sz="1600" i="0" dirty="0" err="1">
+                <a:solidFill>
+                  <a:srgbClr val="202122"/>
+                </a:solidFill>
+                <a:effectLst/>
+                <a:latin typeface="SBL BibLit"/>
+              </a:rPr>
+              <a:t>Confidence</a:t>
+            </a:r>
+            <a:endParaRPr lang="da-DK" sz="1600" i="0" dirty="0">
+              <a:solidFill>
+                <a:srgbClr val="202122"/>
+              </a:solidFill>
+              <a:effectLst/>
+              <a:latin typeface="SBL BibLit"/>
+            </a:endParaRPr>
+          </a:p>
+          <a:p>
+            <a:pPr algn="ctr"/>
+            <a:r>
+              <a:rPr lang="el-GR" sz="1600" i="0" dirty="0">
+                <a:solidFill>
+                  <a:srgbClr val="202122"/>
+                </a:solidFill>
+                <a:effectLst/>
+                <a:latin typeface="SBL BibLit"/>
+              </a:rPr>
+              <a:t>α</a:t>
+            </a:r>
+            <a:r>
+              <a:rPr lang="da-DK" sz="1600" i="0" dirty="0">
+                <a:solidFill>
+                  <a:srgbClr val="202122"/>
+                </a:solidFill>
+                <a:effectLst/>
+                <a:latin typeface="SBL BibLit"/>
+              </a:rPr>
+              <a:t>: </a:t>
+            </a:r>
+            <a:r>
+              <a:rPr lang="da-DK" sz="1600" i="1" dirty="0">
+                <a:solidFill>
+                  <a:srgbClr val="202122"/>
+                </a:solidFill>
+                <a:effectLst/>
+                <a:latin typeface="SBL BibLit"/>
+              </a:rPr>
+              <a:t>d</a:t>
+            </a:r>
+            <a:r>
+              <a:rPr lang="da-DK" sz="1600" i="0" dirty="0">
+                <a:solidFill>
+                  <a:srgbClr val="202122"/>
+                </a:solidFill>
+                <a:effectLst/>
+                <a:latin typeface="SBL BibLit"/>
+              </a:rPr>
+              <a:t> to </a:t>
+            </a:r>
+            <a:r>
+              <a:rPr lang="da-DK" sz="1600" i="1" dirty="0">
+                <a:solidFill>
+                  <a:srgbClr val="202122"/>
+                </a:solidFill>
+                <a:effectLst/>
+                <a:latin typeface="SBL BibLit"/>
+              </a:rPr>
+              <a:t>p</a:t>
+            </a:r>
+            <a:r>
+              <a:rPr lang="da-DK" sz="1600" i="0" dirty="0">
+                <a:solidFill>
+                  <a:srgbClr val="202122"/>
+                </a:solidFill>
+                <a:effectLst/>
+                <a:latin typeface="SBL BibLit"/>
+              </a:rPr>
+              <a:t> efficiency</a:t>
+            </a:r>
+          </a:p>
+          <a:p>
+            <a:pPr algn="ctr"/>
+            <a:r>
+              <a:rPr lang="da-DK" sz="1600" i="1" dirty="0">
+                <a:solidFill>
+                  <a:srgbClr val="202122"/>
+                </a:solidFill>
+                <a:latin typeface="SBL BibLit"/>
+              </a:rPr>
+              <a:t>r: </a:t>
+            </a:r>
+            <a:r>
+              <a:rPr lang="da-DK" sz="1600" dirty="0" err="1">
+                <a:solidFill>
+                  <a:srgbClr val="202122"/>
+                </a:solidFill>
+                <a:latin typeface="SBL BibLit"/>
+              </a:rPr>
+              <a:t>interest</a:t>
+            </a:r>
+            <a:r>
+              <a:rPr lang="da-DK" sz="1600" dirty="0">
+                <a:solidFill>
+                  <a:srgbClr val="202122"/>
+                </a:solidFill>
+                <a:latin typeface="SBL BibLit"/>
+              </a:rPr>
+              <a:t> rate</a:t>
+            </a:r>
+            <a:endParaRPr lang="en-US" sz="1600" dirty="0">
+              <a:solidFill>
+                <a:schemeClr val="tx1"/>
+              </a:solidFill>
+            </a:endParaRPr>
+          </a:p>
+        </p:txBody>
+      </p:sp>
+      <p:grpSp>
+        <p:nvGrpSpPr>
+          <p:cNvPr id="27" name="Group 26">
+            <a:extLst>
+              <a:ext uri="{FF2B5EF4-FFF2-40B4-BE49-F238E27FC236}">
+                <a16:creationId xmlns:a16="http://schemas.microsoft.com/office/drawing/2014/main" id="{D2E212F8-D420-34EC-8E17-C51AA9C79569}"/>
+              </a:ext>
+            </a:extLst>
+          </p:cNvPr>
+          <p:cNvGrpSpPr/>
+          <p:nvPr/>
+        </p:nvGrpSpPr>
+        <p:grpSpPr>
+          <a:xfrm>
+            <a:off x="3204633" y="1424940"/>
+            <a:ext cx="5634567" cy="2004060"/>
+            <a:chOff x="3204633" y="1424940"/>
+            <a:chExt cx="5634567" cy="2004060"/>
+          </a:xfrm>
+        </p:grpSpPr>
+        <p:sp>
+          <p:nvSpPr>
+            <p:cNvPr id="18" name="Left Brace 17">
+              <a:extLst>
+                <a:ext uri="{FF2B5EF4-FFF2-40B4-BE49-F238E27FC236}">
+                  <a16:creationId xmlns:a16="http://schemas.microsoft.com/office/drawing/2014/main" id="{6B8B2C61-B5C0-6A8A-EF75-92DEF0B6E932}"/>
+                </a:ext>
+              </a:extLst>
+            </p:cNvPr>
+            <p:cNvSpPr/>
+            <p:nvPr/>
+          </p:nvSpPr>
+          <p:spPr>
+            <a:xfrm>
+              <a:off x="3204633" y="1424940"/>
+              <a:ext cx="795867" cy="2004060"/>
+            </a:xfrm>
+            <a:prstGeom prst="leftBrace">
+              <a:avLst/>
+            </a:prstGeom>
+            <a:ln w="57150"/>
+          </p:spPr>
+          <p:style>
+            <a:lnRef idx="3">
+              <a:schemeClr val="accent4"/>
+            </a:lnRef>
+            <a:fillRef idx="0">
+              <a:schemeClr val="accent4"/>
+            </a:fillRef>
+            <a:effectRef idx="2">
+              <a:schemeClr val="accent4"/>
+            </a:effectRef>
+            <a:fontRef idx="minor">
+              <a:schemeClr val="tx1"/>
+            </a:fontRef>
+          </p:style>
+          <p:txBody>
+            <a:bodyPr rtlCol="0" anchor="ctr"/>
+            <a:lstStyle/>
+            <a:p>
+              <a:pPr algn="ctr"/>
+              <a:endParaRPr lang="en-US"/>
+            </a:p>
+          </p:txBody>
+        </p:sp>
+        <p:cxnSp>
+          <p:nvCxnSpPr>
+            <p:cNvPr id="22" name="Straight Connector 21">
+              <a:extLst>
+                <a:ext uri="{FF2B5EF4-FFF2-40B4-BE49-F238E27FC236}">
+                  <a16:creationId xmlns:a16="http://schemas.microsoft.com/office/drawing/2014/main" id="{8A113639-FBFE-9718-F5EA-3CEDA20206B7}"/>
+                </a:ext>
+              </a:extLst>
+            </p:cNvPr>
+            <p:cNvCxnSpPr/>
+            <p:nvPr/>
+          </p:nvCxnSpPr>
+          <p:spPr>
+            <a:xfrm>
+              <a:off x="3992880" y="1424940"/>
+              <a:ext cx="4846320" cy="0"/>
+            </a:xfrm>
+            <a:prstGeom prst="line">
+              <a:avLst/>
+            </a:prstGeom>
+            <a:ln w="57150"/>
+          </p:spPr>
+          <p:style>
+            <a:lnRef idx="3">
+              <a:schemeClr val="accent4"/>
+            </a:lnRef>
+            <a:fillRef idx="0">
+              <a:schemeClr val="accent4"/>
+            </a:fillRef>
+            <a:effectRef idx="2">
+              <a:schemeClr val="accent4"/>
+            </a:effectRef>
+            <a:fontRef idx="minor">
+              <a:schemeClr val="tx1"/>
+            </a:fontRef>
+          </p:style>
+        </p:cxnSp>
+        <p:cxnSp>
+          <p:nvCxnSpPr>
+            <p:cNvPr id="23" name="Straight Connector 22">
+              <a:extLst>
+                <a:ext uri="{FF2B5EF4-FFF2-40B4-BE49-F238E27FC236}">
+                  <a16:creationId xmlns:a16="http://schemas.microsoft.com/office/drawing/2014/main" id="{3748FAB1-851D-B7D2-6F39-1CEEA4B52E33}"/>
+                </a:ext>
+              </a:extLst>
+            </p:cNvPr>
+            <p:cNvCxnSpPr/>
+            <p:nvPr/>
+          </p:nvCxnSpPr>
+          <p:spPr>
+            <a:xfrm>
+              <a:off x="3992880" y="3429000"/>
+              <a:ext cx="4846320" cy="0"/>
+            </a:xfrm>
+            <a:prstGeom prst="line">
+              <a:avLst/>
+            </a:prstGeom>
+            <a:ln w="57150"/>
+          </p:spPr>
+          <p:style>
+            <a:lnRef idx="3">
+              <a:schemeClr val="accent4"/>
+            </a:lnRef>
+            <a:fillRef idx="0">
+              <a:schemeClr val="accent4"/>
+            </a:fillRef>
+            <a:effectRef idx="2">
+              <a:schemeClr val="accent4"/>
+            </a:effectRef>
+            <a:fontRef idx="minor">
+              <a:schemeClr val="tx1"/>
+            </a:fontRef>
+          </p:style>
+        </p:cxnSp>
+        <p:cxnSp>
+          <p:nvCxnSpPr>
+            <p:cNvPr id="24" name="Straight Connector 23">
+              <a:extLst>
+                <a:ext uri="{FF2B5EF4-FFF2-40B4-BE49-F238E27FC236}">
+                  <a16:creationId xmlns:a16="http://schemas.microsoft.com/office/drawing/2014/main" id="{74B75F55-E746-355D-FD21-C56B175B5B52}"/>
+                </a:ext>
+              </a:extLst>
+            </p:cNvPr>
+            <p:cNvCxnSpPr>
+              <a:cxnSpLocks/>
+            </p:cNvCxnSpPr>
+            <p:nvPr/>
+          </p:nvCxnSpPr>
+          <p:spPr>
+            <a:xfrm>
+              <a:off x="8816340" y="1424940"/>
+              <a:ext cx="0" cy="2004060"/>
+            </a:xfrm>
+            <a:prstGeom prst="line">
+              <a:avLst/>
+            </a:prstGeom>
+            <a:ln w="57150"/>
+          </p:spPr>
+          <p:style>
+            <a:lnRef idx="3">
+              <a:schemeClr val="accent4"/>
+            </a:lnRef>
+            <a:fillRef idx="0">
+              <a:schemeClr val="accent4"/>
+            </a:fillRef>
+            <a:effectRef idx="2">
+              <a:schemeClr val="accent4"/>
+            </a:effectRef>
+            <a:fontRef idx="minor">
+              <a:schemeClr val="tx1"/>
+            </a:fontRef>
+          </p:style>
+        </p:cxnSp>
+      </p:grpSp>
     </p:spTree>
     <p:extLst>
       <p:ext uri="{BB962C8B-B14F-4D97-AF65-F5344CB8AC3E}">
-        <p14:creationId xmlns:p14="http://schemas.microsoft.com/office/powerpoint/2010/main" val="2235274001"/>
+        <p14:creationId xmlns:p14="http://schemas.microsoft.com/office/powerpoint/2010/main" val="3910107498"/>
       </p:ext>
     </p:extLst>
   </p:cSld>
   <p:clrMapOvr>
     <a:masterClrMapping/>
   </p:clrMapOvr>
+  <mc:AlternateContent xmlns:mc="http://schemas.openxmlformats.org/markup-compatibility/2006" xmlns:p159="http://schemas.microsoft.com/office/powerpoint/2015/09/main">
+    <mc:Choice Requires="p159">
+      <p:transition xmlns:p14="http://schemas.microsoft.com/office/powerpoint/2010/main" spd="slow" p14:dur="2000">
+        <p159:morph option="byObject"/>
+      </p:transition>
+    </mc:Choice>
+    <mc:Fallback xmlns="">
+      <p:transition spd="slow">
+        <p:fade/>
+      </p:transition>
+    </mc:Fallback>
+  </mc:AlternateContent>
+  <p:timing>
+    <p:tnLst>
+      <p:par>
+        <p:cTn id="1" dur="indefinite" restart="never" nodeType="tmRoot">
+          <p:childTnLst>
+            <p:seq concurrent="1" nextAc="seek">
+              <p:cTn id="2" dur="indefinite" nodeType="mainSeq">
+                <p:childTnLst>
+                  <p:par>
+                    <p:cTn id="3" fill="hold">
+                      <p:stCondLst>
+                        <p:cond delay="indefinite"/>
+                      </p:stCondLst>
+                      <p:childTnLst>
+                        <p:par>
+                          <p:cTn id="4" fill="hold">
+                            <p:stCondLst>
+                              <p:cond delay="0"/>
+                            </p:stCondLst>
+                            <p:childTnLst>
+                              <p:par>
+                                <p:cTn id="5" presetID="10" presetClass="entr" presetSubtype="0" fill="hold" nodeType="clickEffect">
+                                  <p:stCondLst>
+                                    <p:cond delay="0"/>
+                                  </p:stCondLst>
+                                  <p:childTnLst>
+                                    <p:set>
+                                      <p:cBhvr>
+                                        <p:cTn id="6" dur="1" fill="hold">
+                                          <p:stCondLst>
+                                            <p:cond delay="0"/>
+                                          </p:stCondLst>
+                                        </p:cTn>
+                                        <p:tgtEl>
+                                          <p:spTgt spid="13"/>
+                                        </p:tgtEl>
+                                        <p:attrNameLst>
+                                          <p:attrName>style.visibility</p:attrName>
+                                        </p:attrNameLst>
+                                      </p:cBhvr>
+                                      <p:to>
+                                        <p:strVal val="visible"/>
+                                      </p:to>
+                                    </p:set>
+                                    <p:animEffect transition="in" filter="fade">
+                                      <p:cBhvr>
+                                        <p:cTn id="7" dur="500"/>
+                                        <p:tgtEl>
+                                          <p:spTgt spid="13"/>
+                                        </p:tgtEl>
+                                      </p:cBhvr>
+                                    </p:animEffect>
+                                  </p:childTnLst>
+                                </p:cTn>
+                              </p:par>
+                            </p:childTnLst>
+                          </p:cTn>
+                        </p:par>
+                      </p:childTnLst>
+                    </p:cTn>
+                  </p:par>
+                  <p:par>
+                    <p:cTn id="8" fill="hold">
+                      <p:stCondLst>
+                        <p:cond delay="indefinite"/>
+                      </p:stCondLst>
+                      <p:childTnLst>
+                        <p:par>
+                          <p:cTn id="9" fill="hold">
+                            <p:stCondLst>
+                              <p:cond delay="0"/>
+                            </p:stCondLst>
+                            <p:childTnLst>
+                              <p:par>
+                                <p:cTn id="10" presetID="10" presetClass="entr" presetSubtype="0" fill="hold" nodeType="clickEffect">
+                                  <p:stCondLst>
+                                    <p:cond delay="0"/>
+                                  </p:stCondLst>
+                                  <p:childTnLst>
+                                    <p:set>
+                                      <p:cBhvr>
+                                        <p:cTn id="11" dur="1" fill="hold">
+                                          <p:stCondLst>
+                                            <p:cond delay="0"/>
+                                          </p:stCondLst>
+                                        </p:cTn>
+                                        <p:tgtEl>
+                                          <p:spTgt spid="27"/>
+                                        </p:tgtEl>
+                                        <p:attrNameLst>
+                                          <p:attrName>style.visibility</p:attrName>
+                                        </p:attrNameLst>
+                                      </p:cBhvr>
+                                      <p:to>
+                                        <p:strVal val="visible"/>
+                                      </p:to>
+                                    </p:set>
+                                    <p:animEffect transition="in" filter="fade">
+                                      <p:cBhvr>
+                                        <p:cTn id="12" dur="500"/>
+                                        <p:tgtEl>
+                                          <p:spTgt spid="27"/>
+                                        </p:tgtEl>
+                                      </p:cBhvr>
+                                    </p:animEffect>
+                                  </p:childTnLst>
+                                </p:cTn>
+                              </p:par>
+                              <p:par>
+                                <p:cTn id="13" presetID="10" presetClass="entr" presetSubtype="0" fill="hold" grpId="1" nodeType="withEffect">
+                                  <p:stCondLst>
+                                    <p:cond delay="0"/>
+                                  </p:stCondLst>
+                                  <p:childTnLst>
+                                    <p:set>
+                                      <p:cBhvr>
+                                        <p:cTn id="14" dur="1" fill="hold">
+                                          <p:stCondLst>
+                                            <p:cond delay="0"/>
+                                          </p:stCondLst>
+                                        </p:cTn>
+                                        <p:tgtEl>
+                                          <p:spTgt spid="19"/>
+                                        </p:tgtEl>
+                                        <p:attrNameLst>
+                                          <p:attrName>style.visibility</p:attrName>
+                                        </p:attrNameLst>
+                                      </p:cBhvr>
+                                      <p:to>
+                                        <p:strVal val="visible"/>
+                                      </p:to>
+                                    </p:set>
+                                    <p:animEffect transition="in" filter="fade">
+                                      <p:cBhvr>
+                                        <p:cTn id="15" dur="500"/>
+                                        <p:tgtEl>
+                                          <p:spTgt spid="19"/>
+                                        </p:tgtEl>
+                                      </p:cBhvr>
+                                    </p:animEffect>
+                                  </p:childTnLst>
+                                </p:cTn>
+                              </p:par>
+                            </p:childTnLst>
+                          </p:cTn>
+                        </p:par>
+                      </p:childTnLst>
+                    </p:cTn>
+                  </p:par>
+                  <p:par>
+                    <p:cTn id="16" fill="hold">
+                      <p:stCondLst>
+                        <p:cond delay="indefinite"/>
+                      </p:stCondLst>
+                      <p:childTnLst>
+                        <p:par>
+                          <p:cTn id="17" fill="hold">
+                            <p:stCondLst>
+                              <p:cond delay="0"/>
+                            </p:stCondLst>
+                            <p:childTnLst>
+                              <p:par>
+                                <p:cTn id="18" presetID="10" presetClass="exit" presetSubtype="0" fill="hold" nodeType="clickEffect">
+                                  <p:stCondLst>
+                                    <p:cond delay="0"/>
+                                  </p:stCondLst>
+                                  <p:childTnLst>
+                                    <p:animEffect transition="out" filter="fade">
+                                      <p:cBhvr>
+                                        <p:cTn id="19" dur="500"/>
+                                        <p:tgtEl>
+                                          <p:spTgt spid="27"/>
+                                        </p:tgtEl>
+                                      </p:cBhvr>
+                                    </p:animEffect>
+                                    <p:set>
+                                      <p:cBhvr>
+                                        <p:cTn id="20" dur="1" fill="hold">
+                                          <p:stCondLst>
+                                            <p:cond delay="499"/>
+                                          </p:stCondLst>
+                                        </p:cTn>
+                                        <p:tgtEl>
+                                          <p:spTgt spid="27"/>
+                                        </p:tgtEl>
+                                        <p:attrNameLst>
+                                          <p:attrName>style.visibility</p:attrName>
+                                        </p:attrNameLst>
+                                      </p:cBhvr>
+                                      <p:to>
+                                        <p:strVal val="hidden"/>
+                                      </p:to>
+                                    </p:set>
+                                  </p:childTnLst>
+                                </p:cTn>
+                              </p:par>
+                              <p:par>
+                                <p:cTn id="21" presetID="10" presetClass="exit" presetSubtype="0" fill="hold" grpId="0" nodeType="withEffect">
+                                  <p:stCondLst>
+                                    <p:cond delay="0"/>
+                                  </p:stCondLst>
+                                  <p:childTnLst>
+                                    <p:animEffect transition="out" filter="fade">
+                                      <p:cBhvr>
+                                        <p:cTn id="22" dur="500"/>
+                                        <p:tgtEl>
+                                          <p:spTgt spid="19"/>
+                                        </p:tgtEl>
+                                      </p:cBhvr>
+                                    </p:animEffect>
+                                    <p:set>
+                                      <p:cBhvr>
+                                        <p:cTn id="23" dur="1" fill="hold">
+                                          <p:stCondLst>
+                                            <p:cond delay="499"/>
+                                          </p:stCondLst>
+                                        </p:cTn>
+                                        <p:tgtEl>
+                                          <p:spTgt spid="19"/>
+                                        </p:tgtEl>
+                                        <p:attrNameLst>
+                                          <p:attrName>style.visibility</p:attrName>
+                                        </p:attrNameLst>
+                                      </p:cBhvr>
+                                      <p:to>
+                                        <p:strVal val="hidden"/>
+                                      </p:to>
+                                    </p:set>
+                                  </p:childTnLst>
+                                </p:cTn>
+                              </p:par>
+                            </p:childTnLst>
+                          </p:cTn>
+                        </p:par>
+                        <p:par>
+                          <p:cTn id="24" fill="hold">
+                            <p:stCondLst>
+                              <p:cond delay="500"/>
+                            </p:stCondLst>
+                            <p:childTnLst>
+                              <p:par>
+                                <p:cTn id="25" presetID="10" presetClass="entr" presetSubtype="0" fill="hold" nodeType="afterEffect">
+                                  <p:stCondLst>
+                                    <p:cond delay="0"/>
+                                  </p:stCondLst>
+                                  <p:childTnLst>
+                                    <p:set>
+                                      <p:cBhvr>
+                                        <p:cTn id="26" dur="1" fill="hold">
+                                          <p:stCondLst>
+                                            <p:cond delay="0"/>
+                                          </p:stCondLst>
+                                        </p:cTn>
+                                        <p:tgtEl>
+                                          <p:spTgt spid="14"/>
+                                        </p:tgtEl>
+                                        <p:attrNameLst>
+                                          <p:attrName>style.visibility</p:attrName>
+                                        </p:attrNameLst>
+                                      </p:cBhvr>
+                                      <p:to>
+                                        <p:strVal val="visible"/>
+                                      </p:to>
+                                    </p:set>
+                                    <p:animEffect transition="in" filter="fade">
+                                      <p:cBhvr>
+                                        <p:cTn id="27" dur="500"/>
+                                        <p:tgtEl>
+                                          <p:spTgt spid="14"/>
+                                        </p:tgtEl>
+                                      </p:cBhvr>
+                                    </p:animEffect>
+                                  </p:childTnLst>
+                                </p:cTn>
+                              </p:par>
+                            </p:childTnLst>
+                          </p:cTn>
+                        </p:par>
+                      </p:childTnLst>
+                    </p:cTn>
+                  </p:par>
+                  <p:par>
+                    <p:cTn id="28" fill="hold">
+                      <p:stCondLst>
+                        <p:cond delay="indefinite"/>
+                      </p:stCondLst>
+                      <p:childTnLst>
+                        <p:par>
+                          <p:cTn id="29" fill="hold">
+                            <p:stCondLst>
+                              <p:cond delay="0"/>
+                            </p:stCondLst>
+                            <p:childTnLst>
+                              <p:par>
+                                <p:cTn id="30" presetID="10" presetClass="entr" presetSubtype="0" fill="hold" nodeType="clickEffect">
+                                  <p:stCondLst>
+                                    <p:cond delay="0"/>
+                                  </p:stCondLst>
+                                  <p:childTnLst>
+                                    <p:set>
+                                      <p:cBhvr>
+                                        <p:cTn id="31" dur="1" fill="hold">
+                                          <p:stCondLst>
+                                            <p:cond delay="0"/>
+                                          </p:stCondLst>
+                                        </p:cTn>
+                                        <p:tgtEl>
+                                          <p:spTgt spid="15"/>
+                                        </p:tgtEl>
+                                        <p:attrNameLst>
+                                          <p:attrName>style.visibility</p:attrName>
+                                        </p:attrNameLst>
+                                      </p:cBhvr>
+                                      <p:to>
+                                        <p:strVal val="visible"/>
+                                      </p:to>
+                                    </p:set>
+                                    <p:animEffect transition="in" filter="fade">
+                                      <p:cBhvr>
+                                        <p:cTn id="32" dur="500"/>
+                                        <p:tgtEl>
+                                          <p:spTgt spid="15"/>
+                                        </p:tgtEl>
+                                      </p:cBhvr>
+                                    </p:animEffect>
+                                  </p:childTnLst>
+                                </p:cTn>
+                              </p:par>
+                            </p:childTnLst>
+                          </p:cTn>
+                        </p:par>
+                      </p:childTnLst>
+                    </p:cTn>
+                  </p:par>
+                  <p:par>
+                    <p:cTn id="33" fill="hold">
+                      <p:stCondLst>
+                        <p:cond delay="indefinite"/>
+                      </p:stCondLst>
+                      <p:childTnLst>
+                        <p:par>
+                          <p:cTn id="34" fill="hold">
+                            <p:stCondLst>
+                              <p:cond delay="0"/>
+                            </p:stCondLst>
+                            <p:childTnLst>
+                              <p:par>
+                                <p:cTn id="35" presetID="10" presetClass="entr" presetSubtype="0" fill="hold" nodeType="clickEffect">
+                                  <p:stCondLst>
+                                    <p:cond delay="0"/>
+                                  </p:stCondLst>
+                                  <p:childTnLst>
+                                    <p:set>
+                                      <p:cBhvr>
+                                        <p:cTn id="36" dur="1" fill="hold">
+                                          <p:stCondLst>
+                                            <p:cond delay="0"/>
+                                          </p:stCondLst>
+                                        </p:cTn>
+                                        <p:tgtEl>
+                                          <p:spTgt spid="16"/>
+                                        </p:tgtEl>
+                                        <p:attrNameLst>
+                                          <p:attrName>style.visibility</p:attrName>
+                                        </p:attrNameLst>
+                                      </p:cBhvr>
+                                      <p:to>
+                                        <p:strVal val="visible"/>
+                                      </p:to>
+                                    </p:set>
+                                    <p:animEffect transition="in" filter="fade">
+                                      <p:cBhvr>
+                                        <p:cTn id="37" dur="500"/>
+                                        <p:tgtEl>
+                                          <p:spTgt spid="16"/>
+                                        </p:tgtEl>
+                                      </p:cBhvr>
+                                    </p:animEffect>
+                                  </p:childTnLst>
+                                </p:cTn>
+                              </p:par>
+                            </p:childTnLst>
+                          </p:cTn>
+                        </p:par>
+                      </p:childTnLst>
+                    </p:cTn>
+                  </p:par>
+                  <p:par>
+                    <p:cTn id="38" fill="hold">
+                      <p:stCondLst>
+                        <p:cond delay="indefinite"/>
+                      </p:stCondLst>
+                      <p:childTnLst>
+                        <p:par>
+                          <p:cTn id="39" fill="hold">
+                            <p:stCondLst>
+                              <p:cond delay="0"/>
+                            </p:stCondLst>
+                            <p:childTnLst>
+                              <p:par>
+                                <p:cTn id="40" presetID="10" presetClass="entr" presetSubtype="0" fill="hold" nodeType="clickEffect">
+                                  <p:stCondLst>
+                                    <p:cond delay="0"/>
+                                  </p:stCondLst>
+                                  <p:childTnLst>
+                                    <p:set>
+                                      <p:cBhvr>
+                                        <p:cTn id="41" dur="1" fill="hold">
+                                          <p:stCondLst>
+                                            <p:cond delay="0"/>
+                                          </p:stCondLst>
+                                        </p:cTn>
+                                        <p:tgtEl>
+                                          <p:spTgt spid="17"/>
+                                        </p:tgtEl>
+                                        <p:attrNameLst>
+                                          <p:attrName>style.visibility</p:attrName>
+                                        </p:attrNameLst>
+                                      </p:cBhvr>
+                                      <p:to>
+                                        <p:strVal val="visible"/>
+                                      </p:to>
+                                    </p:set>
+                                    <p:animEffect transition="in" filter="fade">
+                                      <p:cBhvr>
+                                        <p:cTn id="42" dur="500"/>
+                                        <p:tgtEl>
+                                          <p:spTgt spid="17"/>
+                                        </p:tgtEl>
+                                      </p:cBhvr>
+                                    </p:animEffect>
+                                  </p:childTnLst>
+                                </p:cTn>
+                              </p:par>
+                            </p:childTnLst>
+                          </p:cTn>
+                        </p:par>
+                      </p:childTnLst>
+                    </p:cTn>
+                  </p:par>
+                </p:childTnLst>
+              </p:cTn>
+              <p:prevCondLst>
+                <p:cond evt="onPrev" delay="0">
+                  <p:tgtEl>
+                    <p:sldTgt/>
+                  </p:tgtEl>
+                </p:cond>
+              </p:prevCondLst>
+              <p:nextCondLst>
+                <p:cond evt="onNext" delay="0">
+                  <p:tgtEl>
+                    <p:sldTgt/>
+                  </p:tgtEl>
+                </p:cond>
+              </p:nextCondLst>
+            </p:seq>
+          </p:childTnLst>
+        </p:cTn>
+      </p:par>
+    </p:tnLst>
+    <p:bldLst>
+      <p:bldP spid="19" grpId="0"/>
+      <p:bldP spid="19" grpId="1"/>
+    </p:bldLst>
+  </p:timing>
 </p:sld>
 </file>
 
-<file path=ppt/slides/slide4.xml><?xml version="1.0" encoding="utf-8"?>
+<file path=ppt/slides/slide12.xml><?xml version="1.0" encoding="utf-8"?>
 <p:sld xmlns:a="http://schemas.openxmlformats.org/drawingml/2006/main" xmlns:r="http://schemas.openxmlformats.org/officeDocument/2006/relationships" xmlns:p="http://schemas.openxmlformats.org/presentationml/2006/main">
   <p:cSld>
     <p:spTree>
@@ -4296,7 +6756,7 @@
           <p:cNvPr id="2" name="Title 1">
             <a:extLst>
               <a:ext uri="{FF2B5EF4-FFF2-40B4-BE49-F238E27FC236}">
-                <a16:creationId xmlns:a16="http://schemas.microsoft.com/office/drawing/2014/main" id="{AA36A8A3-FBE8-0BF7-99A8-E19D29B5251F}"/>
+                <a16:creationId xmlns:a16="http://schemas.microsoft.com/office/drawing/2014/main" id="{B4CB1EEE-7FB2-A61F-317D-B7387F7BD10A}"/>
               </a:ext>
             </a:extLst>
           </p:cNvPr>
@@ -4314,73 +6774,131 @@
           <a:p>
             <a:r>
               <a:rPr lang="en-US" dirty="0"/>
-              <a:t>Introduction to model</a:t>
-            </a:r>
-          </a:p>
-        </p:txBody>
-      </p:sp>
-      <p:sp>
-        <p:nvSpPr>
-          <p:cNvPr id="3" name="Content Placeholder 2">
-            <a:extLst>
-              <a:ext uri="{FF2B5EF4-FFF2-40B4-BE49-F238E27FC236}">
-                <a16:creationId xmlns:a16="http://schemas.microsoft.com/office/drawing/2014/main" id="{47222C94-837F-5D8B-BFD5-BD90D08AFA2C}"/>
-              </a:ext>
-            </a:extLst>
-          </p:cNvPr>
-          <p:cNvSpPr>
-            <a:spLocks noGrp="1"/>
-          </p:cNvSpPr>
-          <p:nvPr>
-            <p:ph idx="1"/>
-          </p:nvPr>
-        </p:nvSpPr>
-        <p:spPr/>
-        <p:txBody>
-          <a:bodyPr/>
-          <a:lstStyle/>
-          <a:p>
-            <a:r>
-              <a:rPr lang="en-US" dirty="0"/>
-              <a:t>Variables: Production, debt (and money), beta</a:t>
-            </a:r>
-          </a:p>
-          <a:p>
-            <a:r>
-              <a:rPr lang="en-US" dirty="0"/>
-              <a:t>Transaction, buyer j(</a:t>
-            </a:r>
-            <a:r>
-              <a:rPr lang="en-US" dirty="0" err="1"/>
-              <a:t>asmine</a:t>
-            </a:r>
-            <a:r>
-              <a:rPr lang="en-US" dirty="0"/>
-              <a:t>) and seller </a:t>
-            </a:r>
-            <a:r>
-              <a:rPr lang="en-US" dirty="0" err="1"/>
-              <a:t>i</a:t>
-            </a:r>
-            <a:r>
-              <a:rPr lang="en-US" dirty="0"/>
-              <a:t>(</a:t>
-            </a:r>
-            <a:r>
-              <a:rPr lang="en-US" dirty="0" err="1"/>
-              <a:t>saac</a:t>
-            </a:r>
-            <a:r>
-              <a:rPr lang="en-US" dirty="0"/>
-              <a:t>)</a:t>
-            </a:r>
-          </a:p>
-        </p:txBody>
-      </p:sp>
+              <a:t>Interest update</a:t>
+            </a:r>
+          </a:p>
+        </p:txBody>
+      </p:sp>
+      <p:pic>
+        <p:nvPicPr>
+          <p:cNvPr id="8" name="Picture 7">
+            <a:extLst>
+              <a:ext uri="{FF2B5EF4-FFF2-40B4-BE49-F238E27FC236}">
+                <a16:creationId xmlns:a16="http://schemas.microsoft.com/office/drawing/2014/main" id="{6CC026B5-E7F6-AF0A-8EA7-1222344E7129}"/>
+              </a:ext>
+            </a:extLst>
+          </p:cNvPr>
+          <p:cNvPicPr>
+            <a:picLocks noChangeAspect="1"/>
+          </p:cNvPicPr>
+          <p:nvPr/>
+        </p:nvPicPr>
+        <p:blipFill>
+          <a:blip r:embed="rId2"/>
+          <a:srcRect b="73795"/>
+          <a:stretch/>
+        </p:blipFill>
+        <p:spPr>
+          <a:xfrm>
+            <a:off x="838200" y="1241355"/>
+            <a:ext cx="5668166" cy="1325564"/>
+          </a:xfrm>
+          <a:prstGeom prst="rect">
+            <a:avLst/>
+          </a:prstGeom>
+        </p:spPr>
+      </p:pic>
+      <p:pic>
+        <p:nvPicPr>
+          <p:cNvPr id="10" name="Picture 9">
+            <a:extLst>
+              <a:ext uri="{FF2B5EF4-FFF2-40B4-BE49-F238E27FC236}">
+                <a16:creationId xmlns:a16="http://schemas.microsoft.com/office/drawing/2014/main" id="{B0C922E0-DF20-FDDF-A855-6F911CDED021}"/>
+              </a:ext>
+            </a:extLst>
+          </p:cNvPr>
+          <p:cNvPicPr>
+            <a:picLocks noChangeAspect="1"/>
+          </p:cNvPicPr>
+          <p:nvPr/>
+        </p:nvPicPr>
+        <p:blipFill>
+          <a:blip r:embed="rId2"/>
+          <a:srcRect t="24065" b="53038"/>
+          <a:stretch/>
+        </p:blipFill>
+        <p:spPr>
+          <a:xfrm>
+            <a:off x="838200" y="2641600"/>
+            <a:ext cx="5668166" cy="1158240"/>
+          </a:xfrm>
+          <a:prstGeom prst="rect">
+            <a:avLst/>
+          </a:prstGeom>
+        </p:spPr>
+      </p:pic>
+      <p:pic>
+        <p:nvPicPr>
+          <p:cNvPr id="11" name="Picture 10">
+            <a:extLst>
+              <a:ext uri="{FF2B5EF4-FFF2-40B4-BE49-F238E27FC236}">
+                <a16:creationId xmlns:a16="http://schemas.microsoft.com/office/drawing/2014/main" id="{7CCA6396-755B-5A6D-F8A0-11FBCAD7834B}"/>
+              </a:ext>
+            </a:extLst>
+          </p:cNvPr>
+          <p:cNvPicPr>
+            <a:picLocks noChangeAspect="1"/>
+          </p:cNvPicPr>
+          <p:nvPr/>
+        </p:nvPicPr>
+        <p:blipFill>
+          <a:blip r:embed="rId2"/>
+          <a:srcRect t="47365" b="25722"/>
+          <a:stretch/>
+        </p:blipFill>
+        <p:spPr>
+          <a:xfrm>
+            <a:off x="838200" y="4033520"/>
+            <a:ext cx="5668166" cy="1361440"/>
+          </a:xfrm>
+          <a:prstGeom prst="rect">
+            <a:avLst/>
+          </a:prstGeom>
+        </p:spPr>
+      </p:pic>
+      <p:pic>
+        <p:nvPicPr>
+          <p:cNvPr id="12" name="Picture 11">
+            <a:extLst>
+              <a:ext uri="{FF2B5EF4-FFF2-40B4-BE49-F238E27FC236}">
+                <a16:creationId xmlns:a16="http://schemas.microsoft.com/office/drawing/2014/main" id="{94B0538D-C7B1-B6FD-BA77-99DE06DF58C8}"/>
+              </a:ext>
+            </a:extLst>
+          </p:cNvPr>
+          <p:cNvPicPr>
+            <a:picLocks noChangeAspect="1"/>
+          </p:cNvPicPr>
+          <p:nvPr/>
+        </p:nvPicPr>
+        <p:blipFill>
+          <a:blip r:embed="rId2"/>
+          <a:srcRect l="32534" t="74076" b="-989"/>
+          <a:stretch/>
+        </p:blipFill>
+        <p:spPr>
+          <a:xfrm>
+            <a:off x="1381760" y="5394960"/>
+            <a:ext cx="3824126" cy="1361440"/>
+          </a:xfrm>
+          <a:prstGeom prst="rect">
+            <a:avLst/>
+          </a:prstGeom>
+        </p:spPr>
+      </p:pic>
     </p:spTree>
     <p:extLst>
       <p:ext uri="{BB962C8B-B14F-4D97-AF65-F5344CB8AC3E}">
-        <p14:creationId xmlns:p14="http://schemas.microsoft.com/office/powerpoint/2010/main" val="42966360"/>
+        <p14:creationId xmlns:p14="http://schemas.microsoft.com/office/powerpoint/2010/main" val="2686590536"/>
       </p:ext>
     </p:extLst>
   </p:cSld>
@@ -4390,7 +6908,7 @@
 </p:sld>
 </file>
 
-<file path=ppt/slides/slide5.xml><?xml version="1.0" encoding="utf-8"?>
+<file path=ppt/slides/slide13.xml><?xml version="1.0" encoding="utf-8"?>
 <p:sld xmlns:a="http://schemas.openxmlformats.org/drawingml/2006/main" xmlns:r="http://schemas.openxmlformats.org/officeDocument/2006/relationships" xmlns:p="http://schemas.openxmlformats.org/presentationml/2006/main">
   <p:cSld>
     <p:spTree>
@@ -4412,7 +6930,7 @@
           <p:cNvPr id="2" name="Title 1">
             <a:extLst>
               <a:ext uri="{FF2B5EF4-FFF2-40B4-BE49-F238E27FC236}">
-                <a16:creationId xmlns:a16="http://schemas.microsoft.com/office/drawing/2014/main" id="{D608CBA6-D9A0-DDCC-C72A-3B71D2A2B3E6}"/>
+                <a16:creationId xmlns:a16="http://schemas.microsoft.com/office/drawing/2014/main" id="{B197EDD4-5DF2-1205-E486-ADF76B09AC81}"/>
               </a:ext>
             </a:extLst>
           </p:cNvPr>
@@ -4430,7 +6948,7 @@
           <a:p>
             <a:r>
               <a:rPr lang="en-US" dirty="0"/>
-              <a:t>Algorithm</a:t>
+              <a:t>Results</a:t>
             </a:r>
           </a:p>
         </p:txBody>
@@ -4440,7 +6958,7 @@
           <p:cNvPr id="3" name="Content Placeholder 2">
             <a:extLst>
               <a:ext uri="{FF2B5EF4-FFF2-40B4-BE49-F238E27FC236}">
-                <a16:creationId xmlns:a16="http://schemas.microsoft.com/office/drawing/2014/main" id="{E58F6E51-A293-49A6-3141-21DF65710DF1}"/>
+                <a16:creationId xmlns:a16="http://schemas.microsoft.com/office/drawing/2014/main" id="{87EF7258-D790-CAC8-B3A2-725073F9A2C6}"/>
               </a:ext>
             </a:extLst>
           </p:cNvPr>
@@ -4458,13 +6976,269 @@
           <a:p>
             <a:r>
               <a:rPr lang="en-US" dirty="0"/>
-              <a:t>Simplified i.e. “update free interest rate, adjust interest rate for PD” </a:t>
-            </a:r>
-            <a:r>
-              <a:rPr lang="en-US" dirty="0" err="1"/>
-              <a:t>etc</a:t>
-            </a:r>
+              <a:t>mean and interest rate</a:t>
+            </a:r>
+          </a:p>
+          <a:p>
+            <a:r>
+              <a:rPr lang="en-US" dirty="0"/>
+              <a:t>beta</a:t>
+            </a:r>
+          </a:p>
+          <a:p>
+            <a:r>
+              <a:rPr lang="en-US" dirty="0"/>
+              <a:t>Animation values</a:t>
+            </a:r>
+          </a:p>
+        </p:txBody>
+      </p:sp>
+    </p:spTree>
+    <p:extLst>
+      <p:ext uri="{BB962C8B-B14F-4D97-AF65-F5344CB8AC3E}">
+        <p14:creationId xmlns:p14="http://schemas.microsoft.com/office/powerpoint/2010/main" val="584722859"/>
+      </p:ext>
+    </p:extLst>
+  </p:cSld>
+  <p:clrMapOvr>
+    <a:masterClrMapping/>
+  </p:clrMapOvr>
+  <mc:AlternateContent xmlns:mc="http://schemas.openxmlformats.org/markup-compatibility/2006" xmlns:p159="http://schemas.microsoft.com/office/powerpoint/2015/09/main">
+    <mc:Choice Requires="p159">
+      <p:transition xmlns:p14="http://schemas.microsoft.com/office/powerpoint/2010/main" spd="slow" p14:dur="2000">
+        <p159:morph option="byObject"/>
+      </p:transition>
+    </mc:Choice>
+    <mc:Fallback xmlns="">
+      <p:transition spd="slow">
+        <p:fade/>
+      </p:transition>
+    </mc:Fallback>
+  </mc:AlternateContent>
+</p:sld>
+</file>
+
+<file path=ppt/slides/slide14.xml><?xml version="1.0" encoding="utf-8"?>
+<p:sld xmlns:a="http://schemas.openxmlformats.org/drawingml/2006/main" xmlns:r="http://schemas.openxmlformats.org/officeDocument/2006/relationships" xmlns:p="http://schemas.openxmlformats.org/presentationml/2006/main">
+  <p:cSld>
+    <p:spTree>
+      <p:nvGrpSpPr>
+        <p:cNvPr id="1" name=""/>
+        <p:cNvGrpSpPr/>
+        <p:nvPr/>
+      </p:nvGrpSpPr>
+      <p:grpSpPr>
+        <a:xfrm>
+          <a:off x="0" y="0"/>
+          <a:ext cx="0" cy="0"/>
+          <a:chOff x="0" y="0"/>
+          <a:chExt cx="0" cy="0"/>
+        </a:xfrm>
+      </p:grpSpPr>
+      <p:sp>
+        <p:nvSpPr>
+          <p:cNvPr id="2" name="Title 1">
+            <a:extLst>
+              <a:ext uri="{FF2B5EF4-FFF2-40B4-BE49-F238E27FC236}">
+                <a16:creationId xmlns:a16="http://schemas.microsoft.com/office/drawing/2014/main" id="{226AAA81-6AF3-7C28-1AF9-4BFF89F8F9C3}"/>
+              </a:ext>
+            </a:extLst>
+          </p:cNvPr>
+          <p:cNvSpPr>
+            <a:spLocks noGrp="1"/>
+          </p:cNvSpPr>
+          <p:nvPr>
+            <p:ph type="title"/>
+          </p:nvPr>
+        </p:nvSpPr>
+        <p:spPr/>
+        <p:txBody>
+          <a:bodyPr/>
+          <a:lstStyle/>
+          <a:p>
+            <a:r>
+              <a:rPr lang="en-US" dirty="0"/>
+              <a:t>Insecurities</a:t>
+            </a:r>
+          </a:p>
+        </p:txBody>
+      </p:sp>
+      <p:sp>
+        <p:nvSpPr>
+          <p:cNvPr id="3" name="Content Placeholder 2">
+            <a:extLst>
+              <a:ext uri="{FF2B5EF4-FFF2-40B4-BE49-F238E27FC236}">
+                <a16:creationId xmlns:a16="http://schemas.microsoft.com/office/drawing/2014/main" id="{FACB1F8F-8493-1889-D7B2-AB3D48212E96}"/>
+              </a:ext>
+            </a:extLst>
+          </p:cNvPr>
+          <p:cNvSpPr>
+            <a:spLocks noGrp="1"/>
+          </p:cNvSpPr>
+          <p:nvPr>
+            <p:ph idx="1"/>
+          </p:nvPr>
+        </p:nvSpPr>
+        <p:spPr/>
+        <p:txBody>
+          <a:bodyPr/>
+          <a:lstStyle/>
+          <a:p>
+            <a:r>
+              <a:rPr lang="en-US" dirty="0"/>
+              <a:t>Bankruptcy criteria</a:t>
+            </a:r>
+          </a:p>
+          <a:p>
+            <a:r>
+              <a:rPr lang="en-US" dirty="0"/>
+              <a:t>Interest update</a:t>
+            </a:r>
+          </a:p>
+          <a:p>
             <a:endParaRPr lang="en-US" dirty="0"/>
+          </a:p>
+          <a:p>
+            <a:endParaRPr lang="en-US" dirty="0"/>
+          </a:p>
+          <a:p>
+            <a:endParaRPr lang="en-US" dirty="0"/>
+          </a:p>
+          <a:p>
+            <a:endParaRPr lang="en-US" dirty="0"/>
+          </a:p>
+          <a:p>
+            <a:endParaRPr lang="en-US" dirty="0"/>
+          </a:p>
+          <a:p>
+            <a:endParaRPr lang="en-US" dirty="0"/>
+          </a:p>
+        </p:txBody>
+      </p:sp>
+      <p:pic>
+        <p:nvPicPr>
+          <p:cNvPr id="4" name="Picture 3">
+            <a:extLst>
+              <a:ext uri="{FF2B5EF4-FFF2-40B4-BE49-F238E27FC236}">
+                <a16:creationId xmlns:a16="http://schemas.microsoft.com/office/drawing/2014/main" id="{0891E11A-122B-EAE6-0F18-D44ADAF14ACD}"/>
+              </a:ext>
+            </a:extLst>
+          </p:cNvPr>
+          <p:cNvPicPr>
+            <a:picLocks noChangeAspect="1"/>
+          </p:cNvPicPr>
+          <p:nvPr/>
+        </p:nvPicPr>
+        <p:blipFill>
+          <a:blip r:embed="rId2"/>
+          <a:srcRect l="32594" t="74886" r="29397" b="19929"/>
+          <a:stretch/>
+        </p:blipFill>
+        <p:spPr>
+          <a:xfrm>
+            <a:off x="4450079" y="1690688"/>
+            <a:ext cx="4261121" cy="696912"/>
+          </a:xfrm>
+          <a:prstGeom prst="rect">
+            <a:avLst/>
+          </a:prstGeom>
+        </p:spPr>
+      </p:pic>
+    </p:spTree>
+    <p:extLst>
+      <p:ext uri="{BB962C8B-B14F-4D97-AF65-F5344CB8AC3E}">
+        <p14:creationId xmlns:p14="http://schemas.microsoft.com/office/powerpoint/2010/main" val="1030454256"/>
+      </p:ext>
+    </p:extLst>
+  </p:cSld>
+  <p:clrMapOvr>
+    <a:masterClrMapping/>
+  </p:clrMapOvr>
+</p:sld>
+</file>
+
+<file path=ppt/slides/slide15.xml><?xml version="1.0" encoding="utf-8"?>
+<p:sld xmlns:a="http://schemas.openxmlformats.org/drawingml/2006/main" xmlns:r="http://schemas.openxmlformats.org/officeDocument/2006/relationships" xmlns:p="http://schemas.openxmlformats.org/presentationml/2006/main">
+  <p:cSld>
+    <p:spTree>
+      <p:nvGrpSpPr>
+        <p:cNvPr id="1" name=""/>
+        <p:cNvGrpSpPr/>
+        <p:nvPr/>
+      </p:nvGrpSpPr>
+      <p:grpSpPr>
+        <a:xfrm>
+          <a:off x="0" y="0"/>
+          <a:ext cx="0" cy="0"/>
+          <a:chOff x="0" y="0"/>
+          <a:chExt cx="0" cy="0"/>
+        </a:xfrm>
+      </p:grpSpPr>
+      <p:sp>
+        <p:nvSpPr>
+          <p:cNvPr id="2" name="Title 1">
+            <a:extLst>
+              <a:ext uri="{FF2B5EF4-FFF2-40B4-BE49-F238E27FC236}">
+                <a16:creationId xmlns:a16="http://schemas.microsoft.com/office/drawing/2014/main" id="{41F7D717-E83F-605F-7EFC-F19594BCE4F3}"/>
+              </a:ext>
+            </a:extLst>
+          </p:cNvPr>
+          <p:cNvSpPr>
+            <a:spLocks noGrp="1"/>
+          </p:cNvSpPr>
+          <p:nvPr>
+            <p:ph type="title"/>
+          </p:nvPr>
+        </p:nvSpPr>
+        <p:spPr/>
+        <p:txBody>
+          <a:bodyPr/>
+          <a:lstStyle/>
+          <a:p>
+            <a:r>
+              <a:rPr lang="en-US" dirty="0"/>
+              <a:t>Difficulties</a:t>
+            </a:r>
+          </a:p>
+        </p:txBody>
+      </p:sp>
+      <p:sp>
+        <p:nvSpPr>
+          <p:cNvPr id="3" name="Content Placeholder 2">
+            <a:extLst>
+              <a:ext uri="{FF2B5EF4-FFF2-40B4-BE49-F238E27FC236}">
+                <a16:creationId xmlns:a16="http://schemas.microsoft.com/office/drawing/2014/main" id="{E54F0311-5634-C5A8-16FD-3CB350D0B553}"/>
+              </a:ext>
+            </a:extLst>
+          </p:cNvPr>
+          <p:cNvSpPr>
+            <a:spLocks noGrp="1"/>
+          </p:cNvSpPr>
+          <p:nvPr>
+            <p:ph idx="1"/>
+          </p:nvPr>
+        </p:nvSpPr>
+        <p:spPr/>
+        <p:txBody>
+          <a:bodyPr/>
+          <a:lstStyle/>
+          <a:p>
+            <a:r>
+              <a:rPr lang="en-US" dirty="0"/>
+              <a:t>Too extreme boom-busts</a:t>
+            </a:r>
+          </a:p>
+          <a:p>
+            <a:r>
+              <a:rPr lang="en-US" dirty="0"/>
+              <a:t>Companies hate debt (beta small)</a:t>
+            </a:r>
+          </a:p>
+          <a:p>
+            <a:r>
+              <a:rPr lang="en-US" dirty="0"/>
+              <a:t>Greedy bank</a:t>
+            </a:r>
           </a:p>
         </p:txBody>
       </p:sp>
@@ -4597,18 +7371,15 @@
                 <a:effectLst/>
                 <a:latin typeface="SBL BibLit"/>
               </a:rPr>
-              <a:t>risk</a:t>
-            </a:r>
-            <a:r>
-              <a:rPr lang="da-DK" sz="1600" i="0" dirty="0">
-                <a:solidFill>
-                  <a:srgbClr val="202122"/>
-                </a:solidFill>
-                <a:effectLst/>
-                <a:latin typeface="SBL BibLit"/>
-              </a:rPr>
-              <a:t> factor</a:t>
-            </a:r>
+              <a:t>Confidence</a:t>
+            </a:r>
+            <a:endParaRPr lang="da-DK" sz="1600" i="0" dirty="0">
+              <a:solidFill>
+                <a:srgbClr val="202122"/>
+              </a:solidFill>
+              <a:effectLst/>
+              <a:latin typeface="SBL BibLit"/>
+            </a:endParaRPr>
           </a:p>
           <a:p>
             <a:pPr algn="ctr"/>
@@ -4713,13 +7484,2324 @@
     </p:spTree>
     <p:extLst>
       <p:ext uri="{BB962C8B-B14F-4D97-AF65-F5344CB8AC3E}">
-        <p14:creationId xmlns:p14="http://schemas.microsoft.com/office/powerpoint/2010/main" val="3910107498"/>
+        <p14:creationId xmlns:p14="http://schemas.microsoft.com/office/powerpoint/2010/main" val="3187477386"/>
       </p:ext>
     </p:extLst>
   </p:cSld>
   <p:clrMapOvr>
     <a:masterClrMapping/>
   </p:clrMapOvr>
+  <mc:AlternateContent xmlns:mc="http://schemas.openxmlformats.org/markup-compatibility/2006" xmlns:p159="http://schemas.microsoft.com/office/powerpoint/2015/09/main">
+    <mc:Choice Requires="p159">
+      <p:transition xmlns:p14="http://schemas.microsoft.com/office/powerpoint/2010/main" spd="slow" p14:dur="2000">
+        <p159:morph option="byObject"/>
+      </p:transition>
+    </mc:Choice>
+    <mc:Fallback xmlns="">
+      <p:transition spd="slow">
+        <p:fade/>
+      </p:transition>
+    </mc:Fallback>
+  </mc:AlternateContent>
+</p:sld>
+</file>
+
+<file path=ppt/slides/slide16.xml><?xml version="1.0" encoding="utf-8"?>
+<p:sld xmlns:a="http://schemas.openxmlformats.org/drawingml/2006/main" xmlns:r="http://schemas.openxmlformats.org/officeDocument/2006/relationships" xmlns:p="http://schemas.openxmlformats.org/presentationml/2006/main">
+  <p:cSld>
+    <p:spTree>
+      <p:nvGrpSpPr>
+        <p:cNvPr id="1" name=""/>
+        <p:cNvGrpSpPr/>
+        <p:nvPr/>
+      </p:nvGrpSpPr>
+      <p:grpSpPr>
+        <a:xfrm>
+          <a:off x="0" y="0"/>
+          <a:ext cx="0" cy="0"/>
+          <a:chOff x="0" y="0"/>
+          <a:chExt cx="0" cy="0"/>
+        </a:xfrm>
+      </p:grpSpPr>
+      <p:sp>
+        <p:nvSpPr>
+          <p:cNvPr id="2" name="Title 1">
+            <a:extLst>
+              <a:ext uri="{FF2B5EF4-FFF2-40B4-BE49-F238E27FC236}">
+                <a16:creationId xmlns:a16="http://schemas.microsoft.com/office/drawing/2014/main" id="{7E02B3FC-88DC-04C3-67BB-21954268D7FB}"/>
+              </a:ext>
+            </a:extLst>
+          </p:cNvPr>
+          <p:cNvSpPr>
+            <a:spLocks noGrp="1"/>
+          </p:cNvSpPr>
+          <p:nvPr>
+            <p:ph type="title"/>
+          </p:nvPr>
+        </p:nvSpPr>
+        <p:spPr/>
+        <p:txBody>
+          <a:bodyPr/>
+          <a:lstStyle/>
+          <a:p>
+            <a:r>
+              <a:rPr lang="en-US" dirty="0"/>
+              <a:t>References</a:t>
+            </a:r>
+          </a:p>
+        </p:txBody>
+      </p:sp>
+      <p:sp>
+        <p:nvSpPr>
+          <p:cNvPr id="3" name="Content Placeholder 2">
+            <a:extLst>
+              <a:ext uri="{FF2B5EF4-FFF2-40B4-BE49-F238E27FC236}">
+                <a16:creationId xmlns:a16="http://schemas.microsoft.com/office/drawing/2014/main" id="{AC643A9A-5831-8408-7B06-1088B43BEBF9}"/>
+              </a:ext>
+            </a:extLst>
+          </p:cNvPr>
+          <p:cNvSpPr>
+            <a:spLocks noGrp="1"/>
+          </p:cNvSpPr>
+          <p:nvPr>
+            <p:ph idx="1"/>
+          </p:nvPr>
+        </p:nvSpPr>
+        <p:spPr/>
+        <p:txBody>
+          <a:bodyPr/>
+          <a:lstStyle/>
+          <a:p>
+            <a:pPr marL="0" indent="0">
+              <a:buNone/>
+            </a:pPr>
+            <a:r>
+              <a:rPr lang="en-US" sz="2800" b="1" dirty="0"/>
+              <a:t>[Stiglitz18]</a:t>
+            </a:r>
+            <a:r>
+              <a:rPr lang="en-US" b="0" i="0" dirty="0">
+                <a:solidFill>
+                  <a:srgbClr val="222222"/>
+                </a:solidFill>
+                <a:effectLst/>
+                <a:latin typeface="Arial" panose="020B0604020202020204" pitchFamily="34" charset="0"/>
+              </a:rPr>
+              <a:t> Stiglitz, J. E. (2018). Where modern macroeconomics went wrong. </a:t>
+            </a:r>
+            <a:r>
+              <a:rPr lang="en-US" b="0" i="1" dirty="0">
+                <a:solidFill>
+                  <a:srgbClr val="222222"/>
+                </a:solidFill>
+                <a:effectLst/>
+                <a:latin typeface="Arial" panose="020B0604020202020204" pitchFamily="34" charset="0"/>
+              </a:rPr>
+              <a:t>Oxford Review of Economic Policy</a:t>
+            </a:r>
+            <a:r>
+              <a:rPr lang="en-US" b="0" i="0" dirty="0">
+                <a:solidFill>
+                  <a:srgbClr val="222222"/>
+                </a:solidFill>
+                <a:effectLst/>
+                <a:latin typeface="Arial" panose="020B0604020202020204" pitchFamily="34" charset="0"/>
+              </a:rPr>
+              <a:t>, </a:t>
+            </a:r>
+            <a:r>
+              <a:rPr lang="en-US" b="0" i="1" dirty="0">
+                <a:solidFill>
+                  <a:srgbClr val="222222"/>
+                </a:solidFill>
+                <a:effectLst/>
+                <a:latin typeface="Arial" panose="020B0604020202020204" pitchFamily="34" charset="0"/>
+              </a:rPr>
+              <a:t>34</a:t>
+            </a:r>
+            <a:r>
+              <a:rPr lang="en-US" b="0" i="0" dirty="0">
+                <a:solidFill>
+                  <a:srgbClr val="222222"/>
+                </a:solidFill>
+                <a:effectLst/>
+                <a:latin typeface="Arial" panose="020B0604020202020204" pitchFamily="34" charset="0"/>
+              </a:rPr>
+              <a:t>(1-2), 70-106.</a:t>
+            </a:r>
+          </a:p>
+          <a:p>
+            <a:pPr marL="0" indent="0">
+              <a:buNone/>
+            </a:pPr>
+            <a:endParaRPr lang="en-US" dirty="0"/>
+          </a:p>
+        </p:txBody>
+      </p:sp>
+    </p:spTree>
+    <p:extLst>
+      <p:ext uri="{BB962C8B-B14F-4D97-AF65-F5344CB8AC3E}">
+        <p14:creationId xmlns:p14="http://schemas.microsoft.com/office/powerpoint/2010/main" val="1461202454"/>
+      </p:ext>
+    </p:extLst>
+  </p:cSld>
+  <p:clrMapOvr>
+    <a:masterClrMapping/>
+  </p:clrMapOvr>
+  <mc:AlternateContent xmlns:mc="http://schemas.openxmlformats.org/markup-compatibility/2006" xmlns:p159="http://schemas.microsoft.com/office/powerpoint/2015/09/main">
+    <mc:Choice Requires="p159">
+      <p:transition xmlns:p14="http://schemas.microsoft.com/office/powerpoint/2010/main" spd="slow" p14:dur="2000">
+        <p159:morph option="byObject"/>
+      </p:transition>
+    </mc:Choice>
+    <mc:Fallback xmlns="">
+      <p:transition spd="slow">
+        <p:fade/>
+      </p:transition>
+    </mc:Fallback>
+  </mc:AlternateContent>
+</p:sld>
+</file>
+
+<file path=ppt/slides/slide2.xml><?xml version="1.0" encoding="utf-8"?>
+<p:sld xmlns:a="http://schemas.openxmlformats.org/drawingml/2006/main" xmlns:r="http://schemas.openxmlformats.org/officeDocument/2006/relationships" xmlns:p="http://schemas.openxmlformats.org/presentationml/2006/main">
+  <p:cSld>
+    <p:spTree>
+      <p:nvGrpSpPr>
+        <p:cNvPr id="1" name=""/>
+        <p:cNvGrpSpPr/>
+        <p:nvPr/>
+      </p:nvGrpSpPr>
+      <p:grpSpPr>
+        <a:xfrm>
+          <a:off x="0" y="0"/>
+          <a:ext cx="0" cy="0"/>
+          <a:chOff x="0" y="0"/>
+          <a:chExt cx="0" cy="0"/>
+        </a:xfrm>
+      </p:grpSpPr>
+      <p:sp>
+        <p:nvSpPr>
+          <p:cNvPr id="2" name="Title 1">
+            <a:extLst>
+              <a:ext uri="{FF2B5EF4-FFF2-40B4-BE49-F238E27FC236}">
+                <a16:creationId xmlns:a16="http://schemas.microsoft.com/office/drawing/2014/main" id="{928F9E67-2A39-02B6-EB51-3F3391B434FB}"/>
+              </a:ext>
+            </a:extLst>
+          </p:cNvPr>
+          <p:cNvSpPr>
+            <a:spLocks noGrp="1"/>
+          </p:cNvSpPr>
+          <p:nvPr>
+            <p:ph type="title"/>
+          </p:nvPr>
+        </p:nvSpPr>
+        <p:spPr>
+          <a:xfrm>
+            <a:off x="2747313" y="749380"/>
+            <a:ext cx="6483773" cy="1325563"/>
+          </a:xfrm>
+        </p:spPr>
+        <p:txBody>
+          <a:bodyPr>
+            <a:normAutofit/>
+          </a:bodyPr>
+          <a:lstStyle/>
+          <a:p>
+            <a:pPr algn="ctr"/>
+            <a:r>
+              <a:rPr lang="en-US" sz="4800" dirty="0"/>
+              <a:t>Why </a:t>
+            </a:r>
+            <a:r>
+              <a:rPr lang="en-US" sz="4800" dirty="0" err="1"/>
+              <a:t>econophysics</a:t>
+            </a:r>
+            <a:r>
+              <a:rPr lang="en-US" sz="4800" dirty="0"/>
+              <a:t>?</a:t>
+            </a:r>
+          </a:p>
+        </p:txBody>
+      </p:sp>
+      <p:sp>
+        <p:nvSpPr>
+          <p:cNvPr id="4" name="TextBox 3">
+            <a:extLst>
+              <a:ext uri="{FF2B5EF4-FFF2-40B4-BE49-F238E27FC236}">
+                <a16:creationId xmlns:a16="http://schemas.microsoft.com/office/drawing/2014/main" id="{195958C6-0078-3C59-C75B-98C95C3EB8FD}"/>
+              </a:ext>
+            </a:extLst>
+          </p:cNvPr>
+          <p:cNvSpPr txBox="1"/>
+          <p:nvPr/>
+        </p:nvSpPr>
+        <p:spPr>
+          <a:xfrm>
+            <a:off x="2825690" y="1813333"/>
+            <a:ext cx="7992533" cy="523220"/>
+          </a:xfrm>
+          <a:prstGeom prst="rect">
+            <a:avLst/>
+          </a:prstGeom>
+          <a:noFill/>
+        </p:spPr>
+        <p:txBody>
+          <a:bodyPr wrap="square" rtlCol="0">
+            <a:spAutoFit/>
+          </a:bodyPr>
+          <a:lstStyle/>
+          <a:p>
+            <a:r>
+              <a:rPr lang="en-US" sz="2800" dirty="0">
+                <a:solidFill>
+                  <a:schemeClr val="bg1">
+                    <a:lumMod val="50000"/>
+                  </a:schemeClr>
+                </a:solidFill>
+              </a:rPr>
+              <a:t>Or: </a:t>
+            </a:r>
+            <a:r>
+              <a:rPr lang="en-US" sz="2800" i="1" dirty="0">
+                <a:solidFill>
+                  <a:schemeClr val="bg1">
+                    <a:lumMod val="50000"/>
+                  </a:schemeClr>
+                </a:solidFill>
+              </a:rPr>
+              <a:t>Are physicist the most arrogant scientists?</a:t>
+            </a:r>
+          </a:p>
+        </p:txBody>
+      </p:sp>
+      <p:sp>
+        <p:nvSpPr>
+          <p:cNvPr id="6" name="Content Placeholder 2">
+            <a:extLst>
+              <a:ext uri="{FF2B5EF4-FFF2-40B4-BE49-F238E27FC236}">
+                <a16:creationId xmlns:a16="http://schemas.microsoft.com/office/drawing/2014/main" id="{D7119FEE-C483-5B21-5BF6-CD7E2EFC73B8}"/>
+              </a:ext>
+            </a:extLst>
+          </p:cNvPr>
+          <p:cNvSpPr>
+            <a:spLocks noGrp="1"/>
+          </p:cNvSpPr>
+          <p:nvPr>
+            <p:ph idx="1"/>
+          </p:nvPr>
+        </p:nvSpPr>
+        <p:spPr>
+          <a:xfrm>
+            <a:off x="667173" y="2814129"/>
+            <a:ext cx="10497216" cy="1968929"/>
+          </a:xfrm>
+        </p:spPr>
+        <p:txBody>
+          <a:bodyPr>
+            <a:normAutofit/>
+          </a:bodyPr>
+          <a:lstStyle/>
+          <a:p>
+            <a:r>
+              <a:rPr lang="en-US" dirty="0"/>
+              <a:t>Presumptuous I can do better than economists?</a:t>
+            </a:r>
+          </a:p>
+          <a:p>
+            <a:r>
+              <a:rPr lang="en-US" dirty="0"/>
+              <a:t>… So, what are the economists doing?</a:t>
+            </a:r>
+          </a:p>
+          <a:p>
+            <a:endParaRPr lang="en-US" dirty="0"/>
+          </a:p>
+        </p:txBody>
+      </p:sp>
+    </p:spTree>
+    <p:extLst>
+      <p:ext uri="{BB962C8B-B14F-4D97-AF65-F5344CB8AC3E}">
+        <p14:creationId xmlns:p14="http://schemas.microsoft.com/office/powerpoint/2010/main" val="3541149718"/>
+      </p:ext>
+    </p:extLst>
+  </p:cSld>
+  <p:clrMapOvr>
+    <a:masterClrMapping/>
+  </p:clrMapOvr>
+  <mc:AlternateContent xmlns:mc="http://schemas.openxmlformats.org/markup-compatibility/2006">
+    <mc:Choice xmlns:p159="http://schemas.microsoft.com/office/powerpoint/2015/09/main" Requires="p159">
+      <p:transition xmlns:p14="http://schemas.microsoft.com/office/powerpoint/2010/main" spd="slow" p14:dur="2000">
+        <p159:morph option="byObject"/>
+      </p:transition>
+    </mc:Choice>
+    <mc:Fallback>
+      <p:transition spd="slow">
+        <p:fade/>
+      </p:transition>
+    </mc:Fallback>
+  </mc:AlternateContent>
+  <p:timing>
+    <p:tnLst>
+      <p:par>
+        <p:cTn id="1" dur="indefinite" restart="never" nodeType="tmRoot">
+          <p:childTnLst>
+            <p:seq concurrent="1" nextAc="seek">
+              <p:cTn id="2" dur="indefinite" nodeType="mainSeq">
+                <p:childTnLst>
+                  <p:par>
+                    <p:cTn id="3" fill="hold">
+                      <p:stCondLst>
+                        <p:cond delay="indefinite"/>
+                      </p:stCondLst>
+                      <p:childTnLst>
+                        <p:par>
+                          <p:cTn id="4" fill="hold">
+                            <p:stCondLst>
+                              <p:cond delay="0"/>
+                            </p:stCondLst>
+                            <p:childTnLst>
+                              <p:par>
+                                <p:cTn id="5" presetID="10" presetClass="entr" presetSubtype="0" fill="hold" nodeType="clickEffect">
+                                  <p:stCondLst>
+                                    <p:cond delay="0"/>
+                                  </p:stCondLst>
+                                  <p:childTnLst>
+                                    <p:set>
+                                      <p:cBhvr>
+                                        <p:cTn id="6" dur="1" fill="hold">
+                                          <p:stCondLst>
+                                            <p:cond delay="0"/>
+                                          </p:stCondLst>
+                                        </p:cTn>
+                                        <p:tgtEl>
+                                          <p:spTgt spid="6">
+                                            <p:txEl>
+                                              <p:pRg st="0" end="0"/>
+                                            </p:txEl>
+                                          </p:spTgt>
+                                        </p:tgtEl>
+                                        <p:attrNameLst>
+                                          <p:attrName>style.visibility</p:attrName>
+                                        </p:attrNameLst>
+                                      </p:cBhvr>
+                                      <p:to>
+                                        <p:strVal val="visible"/>
+                                      </p:to>
+                                    </p:set>
+                                    <p:animEffect transition="in" filter="fade">
+                                      <p:cBhvr>
+                                        <p:cTn id="7" dur="500"/>
+                                        <p:tgtEl>
+                                          <p:spTgt spid="6">
+                                            <p:txEl>
+                                              <p:pRg st="0" end="0"/>
+                                            </p:txEl>
+                                          </p:spTgt>
+                                        </p:tgtEl>
+                                      </p:cBhvr>
+                                    </p:animEffect>
+                                  </p:childTnLst>
+                                </p:cTn>
+                              </p:par>
+                            </p:childTnLst>
+                          </p:cTn>
+                        </p:par>
+                      </p:childTnLst>
+                    </p:cTn>
+                  </p:par>
+                  <p:par>
+                    <p:cTn id="8" fill="hold">
+                      <p:stCondLst>
+                        <p:cond delay="indefinite"/>
+                      </p:stCondLst>
+                      <p:childTnLst>
+                        <p:par>
+                          <p:cTn id="9" fill="hold">
+                            <p:stCondLst>
+                              <p:cond delay="0"/>
+                            </p:stCondLst>
+                            <p:childTnLst>
+                              <p:par>
+                                <p:cTn id="10" presetID="10" presetClass="entr" presetSubtype="0" fill="hold" nodeType="clickEffect">
+                                  <p:stCondLst>
+                                    <p:cond delay="0"/>
+                                  </p:stCondLst>
+                                  <p:childTnLst>
+                                    <p:set>
+                                      <p:cBhvr>
+                                        <p:cTn id="11" dur="1" fill="hold">
+                                          <p:stCondLst>
+                                            <p:cond delay="0"/>
+                                          </p:stCondLst>
+                                        </p:cTn>
+                                        <p:tgtEl>
+                                          <p:spTgt spid="6">
+                                            <p:txEl>
+                                              <p:pRg st="1" end="1"/>
+                                            </p:txEl>
+                                          </p:spTgt>
+                                        </p:tgtEl>
+                                        <p:attrNameLst>
+                                          <p:attrName>style.visibility</p:attrName>
+                                        </p:attrNameLst>
+                                      </p:cBhvr>
+                                      <p:to>
+                                        <p:strVal val="visible"/>
+                                      </p:to>
+                                    </p:set>
+                                    <p:animEffect transition="in" filter="fade">
+                                      <p:cBhvr>
+                                        <p:cTn id="12" dur="500"/>
+                                        <p:tgtEl>
+                                          <p:spTgt spid="6">
+                                            <p:txEl>
+                                              <p:pRg st="1" end="1"/>
+                                            </p:txEl>
+                                          </p:spTgt>
+                                        </p:tgtEl>
+                                      </p:cBhvr>
+                                    </p:animEffect>
+                                  </p:childTnLst>
+                                </p:cTn>
+                              </p:par>
+                            </p:childTnLst>
+                          </p:cTn>
+                        </p:par>
+                      </p:childTnLst>
+                    </p:cTn>
+                  </p:par>
+                </p:childTnLst>
+              </p:cTn>
+              <p:prevCondLst>
+                <p:cond evt="onPrev" delay="0">
+                  <p:tgtEl>
+                    <p:sldTgt/>
+                  </p:tgtEl>
+                </p:cond>
+              </p:prevCondLst>
+              <p:nextCondLst>
+                <p:cond evt="onNext" delay="0">
+                  <p:tgtEl>
+                    <p:sldTgt/>
+                  </p:tgtEl>
+                </p:cond>
+              </p:nextCondLst>
+            </p:seq>
+          </p:childTnLst>
+        </p:cTn>
+      </p:par>
+    </p:tnLst>
+  </p:timing>
+</p:sld>
+</file>
+
+<file path=ppt/slides/slide3.xml><?xml version="1.0" encoding="utf-8"?>
+<p:sld xmlns:a="http://schemas.openxmlformats.org/drawingml/2006/main" xmlns:r="http://schemas.openxmlformats.org/officeDocument/2006/relationships" xmlns:p="http://schemas.openxmlformats.org/presentationml/2006/main">
+  <p:cSld>
+    <p:spTree>
+      <p:nvGrpSpPr>
+        <p:cNvPr id="1" name=""/>
+        <p:cNvGrpSpPr/>
+        <p:nvPr/>
+      </p:nvGrpSpPr>
+      <p:grpSpPr>
+        <a:xfrm>
+          <a:off x="0" y="0"/>
+          <a:ext cx="0" cy="0"/>
+          <a:chOff x="0" y="0"/>
+          <a:chExt cx="0" cy="0"/>
+        </a:xfrm>
+      </p:grpSpPr>
+      <p:sp>
+        <p:nvSpPr>
+          <p:cNvPr id="2" name="Title 1">
+            <a:extLst>
+              <a:ext uri="{FF2B5EF4-FFF2-40B4-BE49-F238E27FC236}">
+                <a16:creationId xmlns:a16="http://schemas.microsoft.com/office/drawing/2014/main" id="{928F9E67-2A39-02B6-EB51-3F3391B434FB}"/>
+              </a:ext>
+            </a:extLst>
+          </p:cNvPr>
+          <p:cNvSpPr>
+            <a:spLocks noGrp="1"/>
+          </p:cNvSpPr>
+          <p:nvPr>
+            <p:ph type="title"/>
+          </p:nvPr>
+        </p:nvSpPr>
+        <p:spPr/>
+        <p:txBody>
+          <a:bodyPr/>
+          <a:lstStyle/>
+          <a:p>
+            <a:r>
+              <a:rPr lang="en-US" dirty="0"/>
+              <a:t>Why </a:t>
+            </a:r>
+            <a:r>
+              <a:rPr lang="en-US" dirty="0" err="1"/>
+              <a:t>econophysics</a:t>
+            </a:r>
+            <a:r>
+              <a:rPr lang="en-US" dirty="0"/>
+              <a:t>?</a:t>
+            </a:r>
+          </a:p>
+        </p:txBody>
+      </p:sp>
+      <p:sp>
+        <p:nvSpPr>
+          <p:cNvPr id="4" name="TextBox 3">
+            <a:extLst>
+              <a:ext uri="{FF2B5EF4-FFF2-40B4-BE49-F238E27FC236}">
+                <a16:creationId xmlns:a16="http://schemas.microsoft.com/office/drawing/2014/main" id="{195958C6-0078-3C59-C75B-98C95C3EB8FD}"/>
+              </a:ext>
+            </a:extLst>
+          </p:cNvPr>
+          <p:cNvSpPr txBox="1"/>
+          <p:nvPr/>
+        </p:nvSpPr>
+        <p:spPr>
+          <a:xfrm>
+            <a:off x="1346200" y="1304155"/>
+            <a:ext cx="7992533" cy="369332"/>
+          </a:xfrm>
+          <a:prstGeom prst="rect">
+            <a:avLst/>
+          </a:prstGeom>
+          <a:noFill/>
+        </p:spPr>
+        <p:txBody>
+          <a:bodyPr wrap="square" rtlCol="0">
+            <a:spAutoFit/>
+          </a:bodyPr>
+          <a:lstStyle/>
+          <a:p>
+            <a:r>
+              <a:rPr lang="en-US" dirty="0">
+                <a:solidFill>
+                  <a:schemeClr val="bg1">
+                    <a:lumMod val="50000"/>
+                  </a:schemeClr>
+                </a:solidFill>
+              </a:rPr>
+              <a:t>Or: </a:t>
+            </a:r>
+            <a:r>
+              <a:rPr lang="en-US" i="1" dirty="0">
+                <a:solidFill>
+                  <a:schemeClr val="bg1">
+                    <a:lumMod val="50000"/>
+                  </a:schemeClr>
+                </a:solidFill>
+              </a:rPr>
+              <a:t>Are physicist the most arrogant scientists?</a:t>
+            </a:r>
+          </a:p>
+        </p:txBody>
+      </p:sp>
+      <p:pic>
+        <p:nvPicPr>
+          <p:cNvPr id="1026" name="Picture 2" descr="undefined">
+            <a:extLst>
+              <a:ext uri="{FF2B5EF4-FFF2-40B4-BE49-F238E27FC236}">
+                <a16:creationId xmlns:a16="http://schemas.microsoft.com/office/drawing/2014/main" id="{5449D2D3-7486-3CE6-D64D-8DA6A04904DF}"/>
+              </a:ext>
+            </a:extLst>
+          </p:cNvPr>
+          <p:cNvPicPr>
+            <a:picLocks noChangeAspect="1" noChangeArrowheads="1"/>
+          </p:cNvPicPr>
+          <p:nvPr/>
+        </p:nvPicPr>
+        <p:blipFill>
+          <a:blip r:embed="rId3">
+            <a:extLst>
+              <a:ext uri="{28A0092B-C50C-407E-A947-70E740481C1C}">
+                <a14:useLocalDpi xmlns:a14="http://schemas.microsoft.com/office/drawing/2010/main" val="0"/>
+              </a:ext>
+            </a:extLst>
+          </a:blip>
+          <a:srcRect/>
+          <a:stretch>
+            <a:fillRect/>
+          </a:stretch>
+        </p:blipFill>
+        <p:spPr bwMode="auto">
+          <a:xfrm>
+            <a:off x="8952432" y="971707"/>
+            <a:ext cx="2852934" cy="4036907"/>
+          </a:xfrm>
+          <a:prstGeom prst="rect">
+            <a:avLst/>
+          </a:prstGeom>
+          <a:noFill/>
+          <a:extLst>
+            <a:ext uri="{909E8E84-426E-40DD-AFC4-6F175D3DCCD1}">
+              <a14:hiddenFill xmlns:a14="http://schemas.microsoft.com/office/drawing/2010/main">
+                <a:solidFill>
+                  <a:srgbClr val="FFFFFF"/>
+                </a:solidFill>
+              </a14:hiddenFill>
+            </a:ext>
+          </a:extLst>
+        </p:spPr>
+      </p:pic>
+      <p:sp>
+        <p:nvSpPr>
+          <p:cNvPr id="8" name="TextBox 7">
+            <a:extLst>
+              <a:ext uri="{FF2B5EF4-FFF2-40B4-BE49-F238E27FC236}">
+                <a16:creationId xmlns:a16="http://schemas.microsoft.com/office/drawing/2014/main" id="{B65F6159-3A88-FE0D-E632-FD2355C7DD43}"/>
+              </a:ext>
+            </a:extLst>
+          </p:cNvPr>
+          <p:cNvSpPr txBox="1"/>
+          <p:nvPr/>
+        </p:nvSpPr>
+        <p:spPr>
+          <a:xfrm>
+            <a:off x="838200" y="6128722"/>
+            <a:ext cx="5147733" cy="276999"/>
+          </a:xfrm>
+          <a:prstGeom prst="rect">
+            <a:avLst/>
+          </a:prstGeom>
+          <a:noFill/>
+        </p:spPr>
+        <p:txBody>
+          <a:bodyPr wrap="square" rtlCol="0">
+            <a:spAutoFit/>
+          </a:bodyPr>
+          <a:lstStyle/>
+          <a:p>
+            <a:r>
+              <a:rPr lang="en-US" sz="1200" dirty="0"/>
+              <a:t>All quotes and equations from [Stiglitz18].</a:t>
+            </a:r>
+          </a:p>
+        </p:txBody>
+      </p:sp>
+      <p:sp>
+        <p:nvSpPr>
+          <p:cNvPr id="12" name="TextBox 11">
+            <a:extLst>
+              <a:ext uri="{FF2B5EF4-FFF2-40B4-BE49-F238E27FC236}">
+                <a16:creationId xmlns:a16="http://schemas.microsoft.com/office/drawing/2014/main" id="{8EBB30D8-349A-EBFB-6396-C0795C348823}"/>
+              </a:ext>
+            </a:extLst>
+          </p:cNvPr>
+          <p:cNvSpPr txBox="1"/>
+          <p:nvPr/>
+        </p:nvSpPr>
+        <p:spPr>
+          <a:xfrm>
+            <a:off x="8952432" y="5125618"/>
+            <a:ext cx="2615867" cy="584775"/>
+          </a:xfrm>
+          <a:prstGeom prst="rect">
+            <a:avLst/>
+          </a:prstGeom>
+          <a:noFill/>
+        </p:spPr>
+        <p:txBody>
+          <a:bodyPr wrap="square" rtlCol="0">
+            <a:spAutoFit/>
+          </a:bodyPr>
+          <a:lstStyle/>
+          <a:p>
+            <a:r>
+              <a:rPr lang="en-US" sz="1600" i="1" dirty="0"/>
+              <a:t>J. E. Stiglitz</a:t>
+            </a:r>
+          </a:p>
+          <a:p>
+            <a:r>
+              <a:rPr lang="en-US" sz="1600" i="1" dirty="0"/>
+              <a:t>Photo by </a:t>
+            </a:r>
+            <a:r>
+              <a:rPr lang="en-GB" sz="1600" i="1" dirty="0" err="1"/>
+              <a:t>Jérémy</a:t>
+            </a:r>
+            <a:r>
+              <a:rPr lang="en-GB" sz="1600" i="1" dirty="0"/>
+              <a:t> </a:t>
+            </a:r>
+            <a:r>
+              <a:rPr lang="en-GB" sz="1600" i="1" dirty="0" err="1"/>
+              <a:t>Barande</a:t>
+            </a:r>
+            <a:endParaRPr lang="en-US" sz="1600" i="1" dirty="0"/>
+          </a:p>
+        </p:txBody>
+      </p:sp>
+      <p:sp>
+        <p:nvSpPr>
+          <p:cNvPr id="10" name="Content Placeholder 2">
+            <a:extLst>
+              <a:ext uri="{FF2B5EF4-FFF2-40B4-BE49-F238E27FC236}">
+                <a16:creationId xmlns:a16="http://schemas.microsoft.com/office/drawing/2014/main" id="{BEBDCE33-C28A-2304-7976-C85210ED326C}"/>
+              </a:ext>
+            </a:extLst>
+          </p:cNvPr>
+          <p:cNvSpPr>
+            <a:spLocks noGrp="1"/>
+          </p:cNvSpPr>
+          <p:nvPr>
+            <p:ph idx="1"/>
+          </p:nvPr>
+        </p:nvSpPr>
+        <p:spPr>
+          <a:xfrm>
+            <a:off x="728132" y="1940776"/>
+            <a:ext cx="9228667" cy="3937857"/>
+          </a:xfrm>
+        </p:spPr>
+        <p:txBody>
+          <a:bodyPr>
+            <a:normAutofit/>
+          </a:bodyPr>
+          <a:lstStyle/>
+          <a:p>
+            <a:r>
+              <a:rPr lang="en-US" dirty="0"/>
+              <a:t>… So, what are the economists doing?</a:t>
+            </a:r>
+          </a:p>
+          <a:p>
+            <a:endParaRPr lang="en-US" dirty="0"/>
+          </a:p>
+        </p:txBody>
+      </p:sp>
+      <p:grpSp>
+        <p:nvGrpSpPr>
+          <p:cNvPr id="18" name="Group 17">
+            <a:extLst>
+              <a:ext uri="{FF2B5EF4-FFF2-40B4-BE49-F238E27FC236}">
+                <a16:creationId xmlns:a16="http://schemas.microsoft.com/office/drawing/2014/main" id="{091AE099-B4BE-B8E7-EE0F-78609E1F56AC}"/>
+              </a:ext>
+            </a:extLst>
+          </p:cNvPr>
+          <p:cNvGrpSpPr/>
+          <p:nvPr/>
+        </p:nvGrpSpPr>
+        <p:grpSpPr>
+          <a:xfrm>
+            <a:off x="897467" y="2715904"/>
+            <a:ext cx="7562732" cy="2387600"/>
+            <a:chOff x="1510195" y="5272158"/>
+            <a:chExt cx="6995751" cy="2593539"/>
+          </a:xfrm>
+        </p:grpSpPr>
+        <p:pic>
+          <p:nvPicPr>
+            <p:cNvPr id="16" name="Picture 15">
+              <a:extLst>
+                <a:ext uri="{FF2B5EF4-FFF2-40B4-BE49-F238E27FC236}">
+                  <a16:creationId xmlns:a16="http://schemas.microsoft.com/office/drawing/2014/main" id="{D4E9CC16-1C79-C6C8-67E5-959F1E17D826}"/>
+                </a:ext>
+              </a:extLst>
+            </p:cNvPr>
+            <p:cNvPicPr>
+              <a:picLocks noChangeAspect="1"/>
+            </p:cNvPicPr>
+            <p:nvPr/>
+          </p:nvPicPr>
+          <p:blipFill>
+            <a:blip r:embed="rId4"/>
+            <a:srcRect b="89036"/>
+            <a:stretch/>
+          </p:blipFill>
+          <p:spPr>
+            <a:xfrm>
+              <a:off x="1561252" y="5272158"/>
+              <a:ext cx="6944694" cy="448069"/>
+            </a:xfrm>
+            <a:prstGeom prst="rect">
+              <a:avLst/>
+            </a:prstGeom>
+          </p:spPr>
+        </p:pic>
+        <p:pic>
+          <p:nvPicPr>
+            <p:cNvPr id="17" name="Picture 16">
+              <a:extLst>
+                <a:ext uri="{FF2B5EF4-FFF2-40B4-BE49-F238E27FC236}">
+                  <a16:creationId xmlns:a16="http://schemas.microsoft.com/office/drawing/2014/main" id="{F020E5C4-EA58-E71A-2672-BD2D34A35BF8}"/>
+                </a:ext>
+              </a:extLst>
+            </p:cNvPr>
+            <p:cNvPicPr>
+              <a:picLocks noChangeAspect="1"/>
+            </p:cNvPicPr>
+            <p:nvPr/>
+          </p:nvPicPr>
+          <p:blipFill>
+            <a:blip r:embed="rId4"/>
+            <a:srcRect t="44919" b="3641"/>
+            <a:stretch/>
+          </p:blipFill>
+          <p:spPr>
+            <a:xfrm>
+              <a:off x="1510195" y="5763482"/>
+              <a:ext cx="6944694" cy="2102215"/>
+            </a:xfrm>
+            <a:prstGeom prst="rect">
+              <a:avLst/>
+            </a:prstGeom>
+          </p:spPr>
+        </p:pic>
+      </p:grpSp>
+    </p:spTree>
+    <p:extLst>
+      <p:ext uri="{BB962C8B-B14F-4D97-AF65-F5344CB8AC3E}">
+        <p14:creationId xmlns:p14="http://schemas.microsoft.com/office/powerpoint/2010/main" val="431335112"/>
+      </p:ext>
+    </p:extLst>
+  </p:cSld>
+  <p:clrMapOvr>
+    <a:masterClrMapping/>
+  </p:clrMapOvr>
+  <mc:AlternateContent xmlns:mc="http://schemas.openxmlformats.org/markup-compatibility/2006" xmlns:p159="http://schemas.microsoft.com/office/powerpoint/2015/09/main">
+    <mc:Choice Requires="p159">
+      <p:transition xmlns:p14="http://schemas.microsoft.com/office/powerpoint/2010/main" spd="slow" p14:dur="2000">
+        <p159:morph option="byObject"/>
+      </p:transition>
+    </mc:Choice>
+    <mc:Fallback xmlns="">
+      <p:transition spd="slow">
+        <p:fade/>
+      </p:transition>
+    </mc:Fallback>
+  </mc:AlternateContent>
+  <p:timing>
+    <p:tnLst>
+      <p:par>
+        <p:cTn id="1" dur="indefinite" restart="never" nodeType="tmRoot">
+          <p:childTnLst>
+            <p:seq concurrent="1" nextAc="seek">
+              <p:cTn id="2" dur="indefinite" nodeType="mainSeq">
+                <p:childTnLst>
+                  <p:par>
+                    <p:cTn id="3" fill="hold">
+                      <p:stCondLst>
+                        <p:cond delay="indefinite"/>
+                      </p:stCondLst>
+                      <p:childTnLst>
+                        <p:par>
+                          <p:cTn id="4" fill="hold">
+                            <p:stCondLst>
+                              <p:cond delay="0"/>
+                            </p:stCondLst>
+                            <p:childTnLst>
+                              <p:par>
+                                <p:cTn id="5" presetID="10" presetClass="entr" presetSubtype="0" fill="hold" nodeType="clickEffect">
+                                  <p:stCondLst>
+                                    <p:cond delay="0"/>
+                                  </p:stCondLst>
+                                  <p:childTnLst>
+                                    <p:set>
+                                      <p:cBhvr>
+                                        <p:cTn id="6" dur="1" fill="hold">
+                                          <p:stCondLst>
+                                            <p:cond delay="0"/>
+                                          </p:stCondLst>
+                                        </p:cTn>
+                                        <p:tgtEl>
+                                          <p:spTgt spid="1026"/>
+                                        </p:tgtEl>
+                                        <p:attrNameLst>
+                                          <p:attrName>style.visibility</p:attrName>
+                                        </p:attrNameLst>
+                                      </p:cBhvr>
+                                      <p:to>
+                                        <p:strVal val="visible"/>
+                                      </p:to>
+                                    </p:set>
+                                    <p:animEffect transition="in" filter="fade">
+                                      <p:cBhvr>
+                                        <p:cTn id="7" dur="500"/>
+                                        <p:tgtEl>
+                                          <p:spTgt spid="1026"/>
+                                        </p:tgtEl>
+                                      </p:cBhvr>
+                                    </p:animEffect>
+                                  </p:childTnLst>
+                                </p:cTn>
+                              </p:par>
+                              <p:par>
+                                <p:cTn id="8" presetID="10" presetClass="entr" presetSubtype="0" fill="hold" grpId="0" nodeType="withEffect">
+                                  <p:stCondLst>
+                                    <p:cond delay="0"/>
+                                  </p:stCondLst>
+                                  <p:childTnLst>
+                                    <p:set>
+                                      <p:cBhvr>
+                                        <p:cTn id="9" dur="1" fill="hold">
+                                          <p:stCondLst>
+                                            <p:cond delay="0"/>
+                                          </p:stCondLst>
+                                        </p:cTn>
+                                        <p:tgtEl>
+                                          <p:spTgt spid="12"/>
+                                        </p:tgtEl>
+                                        <p:attrNameLst>
+                                          <p:attrName>style.visibility</p:attrName>
+                                        </p:attrNameLst>
+                                      </p:cBhvr>
+                                      <p:to>
+                                        <p:strVal val="visible"/>
+                                      </p:to>
+                                    </p:set>
+                                    <p:animEffect transition="in" filter="fade">
+                                      <p:cBhvr>
+                                        <p:cTn id="10" dur="500"/>
+                                        <p:tgtEl>
+                                          <p:spTgt spid="12"/>
+                                        </p:tgtEl>
+                                      </p:cBhvr>
+                                    </p:animEffect>
+                                  </p:childTnLst>
+                                </p:cTn>
+                              </p:par>
+                            </p:childTnLst>
+                          </p:cTn>
+                        </p:par>
+                      </p:childTnLst>
+                    </p:cTn>
+                  </p:par>
+                  <p:par>
+                    <p:cTn id="11" fill="hold">
+                      <p:stCondLst>
+                        <p:cond delay="indefinite"/>
+                      </p:stCondLst>
+                      <p:childTnLst>
+                        <p:par>
+                          <p:cTn id="12" fill="hold">
+                            <p:stCondLst>
+                              <p:cond delay="0"/>
+                            </p:stCondLst>
+                            <p:childTnLst>
+                              <p:par>
+                                <p:cTn id="13" presetID="10" presetClass="entr" presetSubtype="0" fill="hold" nodeType="clickEffect">
+                                  <p:stCondLst>
+                                    <p:cond delay="0"/>
+                                  </p:stCondLst>
+                                  <p:childTnLst>
+                                    <p:set>
+                                      <p:cBhvr>
+                                        <p:cTn id="14" dur="1" fill="hold">
+                                          <p:stCondLst>
+                                            <p:cond delay="0"/>
+                                          </p:stCondLst>
+                                        </p:cTn>
+                                        <p:tgtEl>
+                                          <p:spTgt spid="18"/>
+                                        </p:tgtEl>
+                                        <p:attrNameLst>
+                                          <p:attrName>style.visibility</p:attrName>
+                                        </p:attrNameLst>
+                                      </p:cBhvr>
+                                      <p:to>
+                                        <p:strVal val="visible"/>
+                                      </p:to>
+                                    </p:set>
+                                    <p:animEffect transition="in" filter="fade">
+                                      <p:cBhvr>
+                                        <p:cTn id="15" dur="500"/>
+                                        <p:tgtEl>
+                                          <p:spTgt spid="18"/>
+                                        </p:tgtEl>
+                                      </p:cBhvr>
+                                    </p:animEffect>
+                                  </p:childTnLst>
+                                </p:cTn>
+                              </p:par>
+                              <p:par>
+                                <p:cTn id="16" presetID="10" presetClass="entr" presetSubtype="0" fill="hold" grpId="0" nodeType="withEffect">
+                                  <p:stCondLst>
+                                    <p:cond delay="0"/>
+                                  </p:stCondLst>
+                                  <p:childTnLst>
+                                    <p:set>
+                                      <p:cBhvr>
+                                        <p:cTn id="17" dur="1" fill="hold">
+                                          <p:stCondLst>
+                                            <p:cond delay="0"/>
+                                          </p:stCondLst>
+                                        </p:cTn>
+                                        <p:tgtEl>
+                                          <p:spTgt spid="8"/>
+                                        </p:tgtEl>
+                                        <p:attrNameLst>
+                                          <p:attrName>style.visibility</p:attrName>
+                                        </p:attrNameLst>
+                                      </p:cBhvr>
+                                      <p:to>
+                                        <p:strVal val="visible"/>
+                                      </p:to>
+                                    </p:set>
+                                    <p:animEffect transition="in" filter="fade">
+                                      <p:cBhvr>
+                                        <p:cTn id="18" dur="500"/>
+                                        <p:tgtEl>
+                                          <p:spTgt spid="8"/>
+                                        </p:tgtEl>
+                                      </p:cBhvr>
+                                    </p:animEffect>
+                                  </p:childTnLst>
+                                </p:cTn>
+                              </p:par>
+                            </p:childTnLst>
+                          </p:cTn>
+                        </p:par>
+                      </p:childTnLst>
+                    </p:cTn>
+                  </p:par>
+                </p:childTnLst>
+              </p:cTn>
+              <p:prevCondLst>
+                <p:cond evt="onPrev" delay="0">
+                  <p:tgtEl>
+                    <p:sldTgt/>
+                  </p:tgtEl>
+                </p:cond>
+              </p:prevCondLst>
+              <p:nextCondLst>
+                <p:cond evt="onNext" delay="0">
+                  <p:tgtEl>
+                    <p:sldTgt/>
+                  </p:tgtEl>
+                </p:cond>
+              </p:nextCondLst>
+            </p:seq>
+          </p:childTnLst>
+        </p:cTn>
+      </p:par>
+    </p:tnLst>
+    <p:bldLst>
+      <p:bldP spid="8" grpId="0"/>
+      <p:bldP spid="12" grpId="0"/>
+    </p:bldLst>
+  </p:timing>
+</p:sld>
+</file>
+
+<file path=ppt/slides/slide4.xml><?xml version="1.0" encoding="utf-8"?>
+<p:sld xmlns:a="http://schemas.openxmlformats.org/drawingml/2006/main" xmlns:r="http://schemas.openxmlformats.org/officeDocument/2006/relationships" xmlns:p="http://schemas.openxmlformats.org/presentationml/2006/main">
+  <p:cSld>
+    <p:spTree>
+      <p:nvGrpSpPr>
+        <p:cNvPr id="1" name=""/>
+        <p:cNvGrpSpPr/>
+        <p:nvPr/>
+      </p:nvGrpSpPr>
+      <p:grpSpPr>
+        <a:xfrm>
+          <a:off x="0" y="0"/>
+          <a:ext cx="0" cy="0"/>
+          <a:chOff x="0" y="0"/>
+          <a:chExt cx="0" cy="0"/>
+        </a:xfrm>
+      </p:grpSpPr>
+      <p:sp>
+        <p:nvSpPr>
+          <p:cNvPr id="2" name="Title 1">
+            <a:extLst>
+              <a:ext uri="{FF2B5EF4-FFF2-40B4-BE49-F238E27FC236}">
+                <a16:creationId xmlns:a16="http://schemas.microsoft.com/office/drawing/2014/main" id="{928F9E67-2A39-02B6-EB51-3F3391B434FB}"/>
+              </a:ext>
+            </a:extLst>
+          </p:cNvPr>
+          <p:cNvSpPr>
+            <a:spLocks noGrp="1"/>
+          </p:cNvSpPr>
+          <p:nvPr>
+            <p:ph type="title"/>
+          </p:nvPr>
+        </p:nvSpPr>
+        <p:spPr/>
+        <p:txBody>
+          <a:bodyPr/>
+          <a:lstStyle/>
+          <a:p>
+            <a:r>
+              <a:rPr lang="en-US" dirty="0"/>
+              <a:t>Why </a:t>
+            </a:r>
+            <a:r>
+              <a:rPr lang="en-US" dirty="0" err="1"/>
+              <a:t>econophysics</a:t>
+            </a:r>
+            <a:r>
+              <a:rPr lang="en-US" dirty="0"/>
+              <a:t>?</a:t>
+            </a:r>
+          </a:p>
+        </p:txBody>
+      </p:sp>
+      <p:sp>
+        <p:nvSpPr>
+          <p:cNvPr id="3" name="Content Placeholder 2">
+            <a:extLst>
+              <a:ext uri="{FF2B5EF4-FFF2-40B4-BE49-F238E27FC236}">
+                <a16:creationId xmlns:a16="http://schemas.microsoft.com/office/drawing/2014/main" id="{F9B36BB3-F810-DFAC-DEF9-BE0D50A58A72}"/>
+              </a:ext>
+            </a:extLst>
+          </p:cNvPr>
+          <p:cNvSpPr>
+            <a:spLocks noGrp="1"/>
+          </p:cNvSpPr>
+          <p:nvPr>
+            <p:ph idx="1"/>
+          </p:nvPr>
+        </p:nvSpPr>
+        <p:spPr>
+          <a:xfrm>
+            <a:off x="838200" y="2647440"/>
+            <a:ext cx="9228667" cy="830262"/>
+          </a:xfrm>
+        </p:spPr>
+        <p:txBody>
+          <a:bodyPr>
+            <a:normAutofit lnSpcReduction="10000"/>
+          </a:bodyPr>
+          <a:lstStyle/>
+          <a:p>
+            <a:pPr marL="0" indent="0" algn="l">
+              <a:buNone/>
+            </a:pPr>
+            <a:r>
+              <a:rPr lang="en-US" sz="1800" b="0" i="0" u="none" strike="noStrike" baseline="0" dirty="0">
+                <a:latin typeface="TimesNewRomanMTStd"/>
+              </a:rPr>
+              <a:t>“What we seek from a ‘benchmark model’ in macroeconomics is not always clear. [He] suggests that we should be looking ‘for a </a:t>
+            </a:r>
+            <a:r>
+              <a:rPr lang="en-US" sz="1800" b="1" i="1" u="none" strike="noStrike" baseline="0" dirty="0">
+                <a:latin typeface="TimesNewRomanMTStd-Italic"/>
+              </a:rPr>
+              <a:t>simple </a:t>
+            </a:r>
+            <a:r>
+              <a:rPr lang="en-US" sz="1800" b="1" i="0" u="none" strike="noStrike" baseline="0" dirty="0">
+                <a:latin typeface="TimesNewRomanMTStd"/>
+              </a:rPr>
+              <a:t>model </a:t>
+            </a:r>
+            <a:r>
+              <a:rPr lang="en-US" sz="1800" b="0" i="0" u="none" strike="noStrike" baseline="0" dirty="0">
+                <a:latin typeface="TimesNewRomanMTStd"/>
+              </a:rPr>
+              <a:t>which we </a:t>
+            </a:r>
+            <a:r>
+              <a:rPr lang="en-US" sz="1800" b="1" i="0" u="none" strike="noStrike" baseline="0" dirty="0">
+                <a:latin typeface="TimesNewRomanMTStd"/>
+              </a:rPr>
+              <a:t>could teach to graduate students </a:t>
+            </a:r>
+            <a:r>
+              <a:rPr lang="en-US" sz="1800" b="0" i="0" u="none" strike="noStrike" baseline="0" dirty="0">
+                <a:latin typeface="TimesNewRomanMTStd"/>
+              </a:rPr>
+              <a:t>to provide them with a less misleading framework […]” </a:t>
+            </a:r>
+            <a:r>
+              <a:rPr lang="en-US" sz="1800" b="0" i="0" u="none" strike="noStrike" baseline="0" dirty="0">
+                <a:latin typeface="Arial" panose="020B0604020202020204" pitchFamily="34" charset="0"/>
+                <a:cs typeface="Arial" panose="020B0604020202020204" pitchFamily="34" charset="0"/>
+              </a:rPr>
+              <a:t>(Bold by me)</a:t>
+            </a:r>
+            <a:endParaRPr lang="en-US" sz="1800" i="1" dirty="0">
+              <a:latin typeface="TimesNewRomanMTStd"/>
+            </a:endParaRPr>
+          </a:p>
+        </p:txBody>
+      </p:sp>
+      <p:sp>
+        <p:nvSpPr>
+          <p:cNvPr id="4" name="TextBox 3">
+            <a:extLst>
+              <a:ext uri="{FF2B5EF4-FFF2-40B4-BE49-F238E27FC236}">
+                <a16:creationId xmlns:a16="http://schemas.microsoft.com/office/drawing/2014/main" id="{195958C6-0078-3C59-C75B-98C95C3EB8FD}"/>
+              </a:ext>
+            </a:extLst>
+          </p:cNvPr>
+          <p:cNvSpPr txBox="1"/>
+          <p:nvPr/>
+        </p:nvSpPr>
+        <p:spPr>
+          <a:xfrm>
+            <a:off x="1346200" y="1304155"/>
+            <a:ext cx="7992533" cy="369332"/>
+          </a:xfrm>
+          <a:prstGeom prst="rect">
+            <a:avLst/>
+          </a:prstGeom>
+          <a:noFill/>
+        </p:spPr>
+        <p:txBody>
+          <a:bodyPr wrap="square" rtlCol="0">
+            <a:spAutoFit/>
+          </a:bodyPr>
+          <a:lstStyle/>
+          <a:p>
+            <a:r>
+              <a:rPr lang="en-US" dirty="0">
+                <a:solidFill>
+                  <a:schemeClr val="bg1">
+                    <a:lumMod val="50000"/>
+                  </a:schemeClr>
+                </a:solidFill>
+              </a:rPr>
+              <a:t>Or: </a:t>
+            </a:r>
+            <a:r>
+              <a:rPr lang="en-US" i="1" dirty="0">
+                <a:solidFill>
+                  <a:schemeClr val="bg1">
+                    <a:lumMod val="50000"/>
+                  </a:schemeClr>
+                </a:solidFill>
+              </a:rPr>
+              <a:t>Are physicist the most arrogant scientists?</a:t>
+            </a:r>
+          </a:p>
+        </p:txBody>
+      </p:sp>
+      <p:pic>
+        <p:nvPicPr>
+          <p:cNvPr id="1026" name="Picture 2" descr="undefined">
+            <a:extLst>
+              <a:ext uri="{FF2B5EF4-FFF2-40B4-BE49-F238E27FC236}">
+                <a16:creationId xmlns:a16="http://schemas.microsoft.com/office/drawing/2014/main" id="{5449D2D3-7486-3CE6-D64D-8DA6A04904DF}"/>
+              </a:ext>
+            </a:extLst>
+          </p:cNvPr>
+          <p:cNvPicPr>
+            <a:picLocks noChangeAspect="1" noChangeArrowheads="1"/>
+          </p:cNvPicPr>
+          <p:nvPr/>
+        </p:nvPicPr>
+        <p:blipFill>
+          <a:blip r:embed="rId3">
+            <a:extLst>
+              <a:ext uri="{28A0092B-C50C-407E-A947-70E740481C1C}">
+                <a14:useLocalDpi xmlns:a14="http://schemas.microsoft.com/office/drawing/2010/main" val="0"/>
+              </a:ext>
+            </a:extLst>
+          </a:blip>
+          <a:srcRect/>
+          <a:stretch>
+            <a:fillRect/>
+          </a:stretch>
+        </p:blipFill>
+        <p:spPr bwMode="auto">
+          <a:xfrm>
+            <a:off x="10312732" y="82493"/>
+            <a:ext cx="1789067" cy="2531533"/>
+          </a:xfrm>
+          <a:prstGeom prst="rect">
+            <a:avLst/>
+          </a:prstGeom>
+          <a:noFill/>
+          <a:extLst>
+            <a:ext uri="{909E8E84-426E-40DD-AFC4-6F175D3DCCD1}">
+              <a14:hiddenFill xmlns:a14="http://schemas.microsoft.com/office/drawing/2010/main">
+                <a:solidFill>
+                  <a:srgbClr val="FFFFFF"/>
+                </a:solidFill>
+              </a14:hiddenFill>
+            </a:ext>
+          </a:extLst>
+        </p:spPr>
+      </p:pic>
+      <p:sp>
+        <p:nvSpPr>
+          <p:cNvPr id="8" name="TextBox 7">
+            <a:extLst>
+              <a:ext uri="{FF2B5EF4-FFF2-40B4-BE49-F238E27FC236}">
+                <a16:creationId xmlns:a16="http://schemas.microsoft.com/office/drawing/2014/main" id="{B65F6159-3A88-FE0D-E632-FD2355C7DD43}"/>
+              </a:ext>
+            </a:extLst>
+          </p:cNvPr>
+          <p:cNvSpPr txBox="1"/>
+          <p:nvPr/>
+        </p:nvSpPr>
+        <p:spPr>
+          <a:xfrm>
+            <a:off x="838200" y="6128722"/>
+            <a:ext cx="5147733" cy="276999"/>
+          </a:xfrm>
+          <a:prstGeom prst="rect">
+            <a:avLst/>
+          </a:prstGeom>
+          <a:noFill/>
+        </p:spPr>
+        <p:txBody>
+          <a:bodyPr wrap="square" rtlCol="0">
+            <a:spAutoFit/>
+          </a:bodyPr>
+          <a:lstStyle/>
+          <a:p>
+            <a:r>
+              <a:rPr lang="en-US" sz="1200" dirty="0"/>
+              <a:t>All quotes and equations from [Stiglitz18].</a:t>
+            </a:r>
+          </a:p>
+        </p:txBody>
+      </p:sp>
+      <p:sp>
+        <p:nvSpPr>
+          <p:cNvPr id="9" name="TextBox 8">
+            <a:extLst>
+              <a:ext uri="{FF2B5EF4-FFF2-40B4-BE49-F238E27FC236}">
+                <a16:creationId xmlns:a16="http://schemas.microsoft.com/office/drawing/2014/main" id="{6BC9A682-8614-6BDC-7941-74168950BA54}"/>
+              </a:ext>
+            </a:extLst>
+          </p:cNvPr>
+          <p:cNvSpPr txBox="1"/>
+          <p:nvPr/>
+        </p:nvSpPr>
+        <p:spPr>
+          <a:xfrm>
+            <a:off x="838200" y="3516854"/>
+            <a:ext cx="9228667" cy="1200329"/>
+          </a:xfrm>
+          <a:prstGeom prst="rect">
+            <a:avLst/>
+          </a:prstGeom>
+          <a:noFill/>
+        </p:spPr>
+        <p:txBody>
+          <a:bodyPr wrap="square">
+            <a:spAutoFit/>
+          </a:bodyPr>
+          <a:lstStyle/>
+          <a:p>
+            <a:pPr marL="0" indent="0" algn="l">
+              <a:buNone/>
+            </a:pPr>
+            <a:r>
+              <a:rPr lang="en-US" sz="1800" b="0" i="0" u="none" strike="noStrike" baseline="0" dirty="0">
+                <a:latin typeface="TimesNewRomanMTStd"/>
+              </a:rPr>
+              <a:t>“The models should capture what we believe are the macro-essential characteristics of the behavior of firms and people, and </a:t>
+            </a:r>
+            <a:r>
+              <a:rPr lang="en-US" sz="1800" b="1" i="0" u="none" strike="noStrike" baseline="0" dirty="0">
+                <a:latin typeface="TimesNewRomanMTStd"/>
+              </a:rPr>
+              <a:t>not try to capture all relevant dynamics</a:t>
+            </a:r>
+            <a:r>
+              <a:rPr lang="en-US" sz="1800" b="0" i="0" u="none" strike="noStrike" baseline="0" dirty="0">
+                <a:latin typeface="TimesNewRomanMTStd"/>
+              </a:rPr>
+              <a:t>. Only then can they serve their purpose, remain simple enough, </a:t>
+            </a:r>
+            <a:r>
+              <a:rPr lang="en-US" sz="1800" b="1" i="0" u="none" strike="noStrike" baseline="0" dirty="0">
+                <a:latin typeface="TimesNewRomanMTStd"/>
+              </a:rPr>
+              <a:t>and provide a platform for theoretical discussions</a:t>
+            </a:r>
+            <a:r>
+              <a:rPr lang="en-US" sz="1800" b="0" i="0" u="none" strike="noStrike" baseline="0" dirty="0">
+                <a:latin typeface="TimesNewRomanMTStd"/>
+              </a:rPr>
+              <a:t>.”</a:t>
+            </a:r>
+            <a:r>
+              <a:rPr lang="en-US" sz="1800" b="0" i="0" u="none" strike="noStrike" baseline="0" dirty="0">
+                <a:latin typeface="Arial" panose="020B0604020202020204" pitchFamily="34" charset="0"/>
+                <a:cs typeface="Arial" panose="020B0604020202020204" pitchFamily="34" charset="0"/>
+              </a:rPr>
+              <a:t> (Bold by me)</a:t>
+            </a:r>
+            <a:endParaRPr lang="en-US" sz="1800" b="0" i="0" u="none" strike="noStrike" baseline="0" dirty="0">
+              <a:latin typeface="TimesNewRomanMTStd"/>
+            </a:endParaRPr>
+          </a:p>
+        </p:txBody>
+      </p:sp>
+      <p:sp>
+        <p:nvSpPr>
+          <p:cNvPr id="11" name="TextBox 10">
+            <a:extLst>
+              <a:ext uri="{FF2B5EF4-FFF2-40B4-BE49-F238E27FC236}">
+                <a16:creationId xmlns:a16="http://schemas.microsoft.com/office/drawing/2014/main" id="{1B8AA645-7D77-36D2-FDE9-3D9BA8D0F18C}"/>
+              </a:ext>
+            </a:extLst>
+          </p:cNvPr>
+          <p:cNvSpPr txBox="1"/>
+          <p:nvPr/>
+        </p:nvSpPr>
+        <p:spPr>
+          <a:xfrm>
+            <a:off x="838200" y="4917549"/>
+            <a:ext cx="9228667" cy="646331"/>
+          </a:xfrm>
+          <a:prstGeom prst="rect">
+            <a:avLst/>
+          </a:prstGeom>
+          <a:noFill/>
+        </p:spPr>
+        <p:txBody>
+          <a:bodyPr wrap="square">
+            <a:spAutoFit/>
+          </a:bodyPr>
+          <a:lstStyle/>
+          <a:p>
+            <a:pPr marL="0" indent="0" algn="l">
+              <a:buNone/>
+            </a:pPr>
+            <a:r>
+              <a:rPr lang="en-US" sz="1800" b="0" i="0" u="none" strike="noStrike" baseline="0" dirty="0">
+                <a:latin typeface="TimesNewRomanMTStd"/>
+              </a:rPr>
+              <a:t>“And with so many parameters, macro-econometrics becomes little more than an </a:t>
+            </a:r>
+            <a:r>
+              <a:rPr lang="en-US" sz="1800" b="1" i="0" u="none" strike="noStrike" baseline="0" dirty="0">
+                <a:latin typeface="TimesNewRomanMTStd"/>
+              </a:rPr>
+              <a:t>exercise in curve fitting </a:t>
+            </a:r>
+            <a:r>
+              <a:rPr lang="en-US" sz="1800" b="0" i="0" u="none" strike="noStrike" baseline="0" dirty="0">
+                <a:latin typeface="TimesNewRomanMTStd"/>
+              </a:rPr>
+              <a:t>[…]” </a:t>
+            </a:r>
+            <a:r>
+              <a:rPr lang="en-US" sz="1800" b="0" i="0" u="none" strike="noStrike" baseline="0" dirty="0">
+                <a:latin typeface="Arial" panose="020B0604020202020204" pitchFamily="34" charset="0"/>
+                <a:cs typeface="Arial" panose="020B0604020202020204" pitchFamily="34" charset="0"/>
+              </a:rPr>
+              <a:t>(Bold by me)</a:t>
+            </a:r>
+            <a:endParaRPr lang="en-US" sz="1800" b="0" i="0" u="none" strike="noStrike" baseline="0" dirty="0">
+              <a:latin typeface="TimesNewRomanMTStd"/>
+            </a:endParaRPr>
+          </a:p>
+        </p:txBody>
+      </p:sp>
+      <p:sp>
+        <p:nvSpPr>
+          <p:cNvPr id="12" name="TextBox 11">
+            <a:extLst>
+              <a:ext uri="{FF2B5EF4-FFF2-40B4-BE49-F238E27FC236}">
+                <a16:creationId xmlns:a16="http://schemas.microsoft.com/office/drawing/2014/main" id="{8EBB30D8-349A-EBFB-6396-C0795C348823}"/>
+              </a:ext>
+            </a:extLst>
+          </p:cNvPr>
+          <p:cNvSpPr txBox="1"/>
+          <p:nvPr/>
+        </p:nvSpPr>
+        <p:spPr>
+          <a:xfrm>
+            <a:off x="10236366" y="2664792"/>
+            <a:ext cx="2234868" cy="430887"/>
+          </a:xfrm>
+          <a:prstGeom prst="rect">
+            <a:avLst/>
+          </a:prstGeom>
+          <a:noFill/>
+        </p:spPr>
+        <p:txBody>
+          <a:bodyPr wrap="square" rtlCol="0">
+            <a:spAutoFit/>
+          </a:bodyPr>
+          <a:lstStyle/>
+          <a:p>
+            <a:r>
+              <a:rPr lang="en-US" sz="1100" i="1" dirty="0"/>
+              <a:t>J. E. Stiglitz</a:t>
+            </a:r>
+          </a:p>
+          <a:p>
+            <a:r>
+              <a:rPr lang="en-US" sz="1100" i="1" dirty="0"/>
+              <a:t>Photo by </a:t>
+            </a:r>
+            <a:r>
+              <a:rPr lang="en-GB" sz="1100" i="1" dirty="0" err="1"/>
+              <a:t>Jérémy</a:t>
+            </a:r>
+            <a:r>
+              <a:rPr lang="en-GB" sz="1100" i="1" dirty="0"/>
+              <a:t> </a:t>
+            </a:r>
+            <a:r>
+              <a:rPr lang="en-GB" sz="1100" i="1" dirty="0" err="1"/>
+              <a:t>Barande</a:t>
+            </a:r>
+            <a:endParaRPr lang="en-US" sz="1100" i="1" dirty="0"/>
+          </a:p>
+        </p:txBody>
+      </p:sp>
+      <p:sp>
+        <p:nvSpPr>
+          <p:cNvPr id="5" name="TextBox 4">
+            <a:extLst>
+              <a:ext uri="{FF2B5EF4-FFF2-40B4-BE49-F238E27FC236}">
+                <a16:creationId xmlns:a16="http://schemas.microsoft.com/office/drawing/2014/main" id="{B7B957E8-269B-0EA9-BB4E-11151A1EE157}"/>
+              </a:ext>
+            </a:extLst>
+          </p:cNvPr>
+          <p:cNvSpPr txBox="1"/>
+          <p:nvPr/>
+        </p:nvSpPr>
+        <p:spPr>
+          <a:xfrm>
+            <a:off x="2561166" y="2018744"/>
+            <a:ext cx="7069667" cy="400110"/>
+          </a:xfrm>
+          <a:prstGeom prst="rect">
+            <a:avLst/>
+          </a:prstGeom>
+          <a:noFill/>
+        </p:spPr>
+        <p:txBody>
+          <a:bodyPr wrap="square" rtlCol="0">
+            <a:spAutoFit/>
+          </a:bodyPr>
+          <a:lstStyle/>
+          <a:p>
+            <a:r>
+              <a:rPr lang="en-US" sz="2000" dirty="0"/>
+              <a:t>In short: Critiques complexity of existing models</a:t>
+            </a:r>
+          </a:p>
+        </p:txBody>
+      </p:sp>
+    </p:spTree>
+    <p:extLst>
+      <p:ext uri="{BB962C8B-B14F-4D97-AF65-F5344CB8AC3E}">
+        <p14:creationId xmlns:p14="http://schemas.microsoft.com/office/powerpoint/2010/main" val="2028389713"/>
+      </p:ext>
+    </p:extLst>
+  </p:cSld>
+  <p:clrMapOvr>
+    <a:masterClrMapping/>
+  </p:clrMapOvr>
+  <mc:AlternateContent xmlns:mc="http://schemas.openxmlformats.org/markup-compatibility/2006" xmlns:p159="http://schemas.microsoft.com/office/powerpoint/2015/09/main">
+    <mc:Choice Requires="p159">
+      <p:transition xmlns:p14="http://schemas.microsoft.com/office/powerpoint/2010/main" spd="slow" p14:dur="2000">
+        <p159:morph option="byObject"/>
+      </p:transition>
+    </mc:Choice>
+    <mc:Fallback xmlns="">
+      <p:transition spd="slow">
+        <p:fade/>
+      </p:transition>
+    </mc:Fallback>
+  </mc:AlternateContent>
+  <p:timing>
+    <p:tnLst>
+      <p:par>
+        <p:cTn id="1" dur="indefinite" restart="never" nodeType="tmRoot">
+          <p:childTnLst>
+            <p:seq concurrent="1" nextAc="seek">
+              <p:cTn id="2" dur="indefinite" nodeType="mainSeq">
+                <p:childTnLst>
+                  <p:par>
+                    <p:cTn id="3" fill="hold">
+                      <p:stCondLst>
+                        <p:cond delay="indefinite"/>
+                      </p:stCondLst>
+                      <p:childTnLst>
+                        <p:par>
+                          <p:cTn id="4" fill="hold">
+                            <p:stCondLst>
+                              <p:cond delay="0"/>
+                            </p:stCondLst>
+                            <p:childTnLst>
+                              <p:par>
+                                <p:cTn id="5" presetID="10" presetClass="entr" presetSubtype="0" fill="hold" grpId="0" nodeType="clickEffect">
+                                  <p:stCondLst>
+                                    <p:cond delay="0"/>
+                                  </p:stCondLst>
+                                  <p:childTnLst>
+                                    <p:set>
+                                      <p:cBhvr>
+                                        <p:cTn id="6" dur="1" fill="hold">
+                                          <p:stCondLst>
+                                            <p:cond delay="0"/>
+                                          </p:stCondLst>
+                                        </p:cTn>
+                                        <p:tgtEl>
+                                          <p:spTgt spid="3">
+                                            <p:txEl>
+                                              <p:pRg st="0" end="0"/>
+                                            </p:txEl>
+                                          </p:spTgt>
+                                        </p:tgtEl>
+                                        <p:attrNameLst>
+                                          <p:attrName>style.visibility</p:attrName>
+                                        </p:attrNameLst>
+                                      </p:cBhvr>
+                                      <p:to>
+                                        <p:strVal val="visible"/>
+                                      </p:to>
+                                    </p:set>
+                                    <p:animEffect transition="in" filter="fade">
+                                      <p:cBhvr>
+                                        <p:cTn id="7" dur="500"/>
+                                        <p:tgtEl>
+                                          <p:spTgt spid="3">
+                                            <p:txEl>
+                                              <p:pRg st="0" end="0"/>
+                                            </p:txEl>
+                                          </p:spTgt>
+                                        </p:tgtEl>
+                                      </p:cBhvr>
+                                    </p:animEffect>
+                                  </p:childTnLst>
+                                </p:cTn>
+                              </p:par>
+                            </p:childTnLst>
+                          </p:cTn>
+                        </p:par>
+                      </p:childTnLst>
+                    </p:cTn>
+                  </p:par>
+                  <p:par>
+                    <p:cTn id="8" fill="hold">
+                      <p:stCondLst>
+                        <p:cond delay="indefinite"/>
+                      </p:stCondLst>
+                      <p:childTnLst>
+                        <p:par>
+                          <p:cTn id="9" fill="hold">
+                            <p:stCondLst>
+                              <p:cond delay="0"/>
+                            </p:stCondLst>
+                            <p:childTnLst>
+                              <p:par>
+                                <p:cTn id="10" presetID="10" presetClass="entr" presetSubtype="0" fill="hold" grpId="0" nodeType="clickEffect">
+                                  <p:stCondLst>
+                                    <p:cond delay="0"/>
+                                  </p:stCondLst>
+                                  <p:childTnLst>
+                                    <p:set>
+                                      <p:cBhvr>
+                                        <p:cTn id="11" dur="1" fill="hold">
+                                          <p:stCondLst>
+                                            <p:cond delay="0"/>
+                                          </p:stCondLst>
+                                        </p:cTn>
+                                        <p:tgtEl>
+                                          <p:spTgt spid="9"/>
+                                        </p:tgtEl>
+                                        <p:attrNameLst>
+                                          <p:attrName>style.visibility</p:attrName>
+                                        </p:attrNameLst>
+                                      </p:cBhvr>
+                                      <p:to>
+                                        <p:strVal val="visible"/>
+                                      </p:to>
+                                    </p:set>
+                                    <p:animEffect transition="in" filter="fade">
+                                      <p:cBhvr>
+                                        <p:cTn id="12" dur="500"/>
+                                        <p:tgtEl>
+                                          <p:spTgt spid="9"/>
+                                        </p:tgtEl>
+                                      </p:cBhvr>
+                                    </p:animEffect>
+                                  </p:childTnLst>
+                                </p:cTn>
+                              </p:par>
+                            </p:childTnLst>
+                          </p:cTn>
+                        </p:par>
+                      </p:childTnLst>
+                    </p:cTn>
+                  </p:par>
+                  <p:par>
+                    <p:cTn id="13" fill="hold">
+                      <p:stCondLst>
+                        <p:cond delay="indefinite"/>
+                      </p:stCondLst>
+                      <p:childTnLst>
+                        <p:par>
+                          <p:cTn id="14" fill="hold">
+                            <p:stCondLst>
+                              <p:cond delay="0"/>
+                            </p:stCondLst>
+                            <p:childTnLst>
+                              <p:par>
+                                <p:cTn id="15" presetID="10" presetClass="entr" presetSubtype="0" fill="hold" grpId="0" nodeType="clickEffect">
+                                  <p:stCondLst>
+                                    <p:cond delay="0"/>
+                                  </p:stCondLst>
+                                  <p:childTnLst>
+                                    <p:set>
+                                      <p:cBhvr>
+                                        <p:cTn id="16" dur="1" fill="hold">
+                                          <p:stCondLst>
+                                            <p:cond delay="0"/>
+                                          </p:stCondLst>
+                                        </p:cTn>
+                                        <p:tgtEl>
+                                          <p:spTgt spid="11"/>
+                                        </p:tgtEl>
+                                        <p:attrNameLst>
+                                          <p:attrName>style.visibility</p:attrName>
+                                        </p:attrNameLst>
+                                      </p:cBhvr>
+                                      <p:to>
+                                        <p:strVal val="visible"/>
+                                      </p:to>
+                                    </p:set>
+                                    <p:animEffect transition="in" filter="fade">
+                                      <p:cBhvr>
+                                        <p:cTn id="17" dur="500"/>
+                                        <p:tgtEl>
+                                          <p:spTgt spid="11"/>
+                                        </p:tgtEl>
+                                      </p:cBhvr>
+                                    </p:animEffect>
+                                  </p:childTnLst>
+                                </p:cTn>
+                              </p:par>
+                            </p:childTnLst>
+                          </p:cTn>
+                        </p:par>
+                      </p:childTnLst>
+                    </p:cTn>
+                  </p:par>
+                </p:childTnLst>
+              </p:cTn>
+              <p:prevCondLst>
+                <p:cond evt="onPrev" delay="0">
+                  <p:tgtEl>
+                    <p:sldTgt/>
+                  </p:tgtEl>
+                </p:cond>
+              </p:prevCondLst>
+              <p:nextCondLst>
+                <p:cond evt="onNext" delay="0">
+                  <p:tgtEl>
+                    <p:sldTgt/>
+                  </p:tgtEl>
+                </p:cond>
+              </p:nextCondLst>
+            </p:seq>
+          </p:childTnLst>
+        </p:cTn>
+      </p:par>
+    </p:tnLst>
+    <p:bldLst>
+      <p:bldP spid="3" grpId="0" build="p"/>
+      <p:bldP spid="9" grpId="0"/>
+      <p:bldP spid="11" grpId="0"/>
+    </p:bldLst>
+  </p:timing>
+</p:sld>
+</file>
+
+<file path=ppt/slides/slide5.xml><?xml version="1.0" encoding="utf-8"?>
+<p:sld xmlns:a="http://schemas.openxmlformats.org/drawingml/2006/main" xmlns:r="http://schemas.openxmlformats.org/officeDocument/2006/relationships" xmlns:p="http://schemas.openxmlformats.org/presentationml/2006/main">
+  <p:cSld>
+    <p:spTree>
+      <p:nvGrpSpPr>
+        <p:cNvPr id="1" name=""/>
+        <p:cNvGrpSpPr/>
+        <p:nvPr/>
+      </p:nvGrpSpPr>
+      <p:grpSpPr>
+        <a:xfrm>
+          <a:off x="0" y="0"/>
+          <a:ext cx="0" cy="0"/>
+          <a:chOff x="0" y="0"/>
+          <a:chExt cx="0" cy="0"/>
+        </a:xfrm>
+      </p:grpSpPr>
+      <p:sp>
+        <p:nvSpPr>
+          <p:cNvPr id="2" name="Title 1">
+            <a:extLst>
+              <a:ext uri="{FF2B5EF4-FFF2-40B4-BE49-F238E27FC236}">
+                <a16:creationId xmlns:a16="http://schemas.microsoft.com/office/drawing/2014/main" id="{928F9E67-2A39-02B6-EB51-3F3391B434FB}"/>
+              </a:ext>
+            </a:extLst>
+          </p:cNvPr>
+          <p:cNvSpPr>
+            <a:spLocks noGrp="1"/>
+          </p:cNvSpPr>
+          <p:nvPr>
+            <p:ph type="title"/>
+          </p:nvPr>
+        </p:nvSpPr>
+        <p:spPr/>
+        <p:txBody>
+          <a:bodyPr/>
+          <a:lstStyle/>
+          <a:p>
+            <a:r>
+              <a:rPr lang="en-US" dirty="0"/>
+              <a:t>Why </a:t>
+            </a:r>
+            <a:r>
+              <a:rPr lang="en-US" dirty="0" err="1"/>
+              <a:t>econophysics</a:t>
+            </a:r>
+            <a:r>
+              <a:rPr lang="en-US" dirty="0"/>
+              <a:t>?</a:t>
+            </a:r>
+          </a:p>
+        </p:txBody>
+      </p:sp>
+      <p:sp>
+        <p:nvSpPr>
+          <p:cNvPr id="4" name="TextBox 3">
+            <a:extLst>
+              <a:ext uri="{FF2B5EF4-FFF2-40B4-BE49-F238E27FC236}">
+                <a16:creationId xmlns:a16="http://schemas.microsoft.com/office/drawing/2014/main" id="{195958C6-0078-3C59-C75B-98C95C3EB8FD}"/>
+              </a:ext>
+            </a:extLst>
+          </p:cNvPr>
+          <p:cNvSpPr txBox="1"/>
+          <p:nvPr/>
+        </p:nvSpPr>
+        <p:spPr>
+          <a:xfrm>
+            <a:off x="1346200" y="1304155"/>
+            <a:ext cx="7992533" cy="369332"/>
+          </a:xfrm>
+          <a:prstGeom prst="rect">
+            <a:avLst/>
+          </a:prstGeom>
+          <a:noFill/>
+        </p:spPr>
+        <p:txBody>
+          <a:bodyPr wrap="square" rtlCol="0">
+            <a:spAutoFit/>
+          </a:bodyPr>
+          <a:lstStyle/>
+          <a:p>
+            <a:r>
+              <a:rPr lang="en-US" dirty="0">
+                <a:solidFill>
+                  <a:schemeClr val="bg1">
+                    <a:lumMod val="50000"/>
+                  </a:schemeClr>
+                </a:solidFill>
+              </a:rPr>
+              <a:t>Or: </a:t>
+            </a:r>
+            <a:r>
+              <a:rPr lang="en-US" i="1" dirty="0">
+                <a:solidFill>
+                  <a:schemeClr val="bg1">
+                    <a:lumMod val="50000"/>
+                  </a:schemeClr>
+                </a:solidFill>
+              </a:rPr>
+              <a:t>Are physicist the most arrogant scientists?</a:t>
+            </a:r>
+          </a:p>
+        </p:txBody>
+      </p:sp>
+      <p:pic>
+        <p:nvPicPr>
+          <p:cNvPr id="1026" name="Picture 2" descr="undefined">
+            <a:extLst>
+              <a:ext uri="{FF2B5EF4-FFF2-40B4-BE49-F238E27FC236}">
+                <a16:creationId xmlns:a16="http://schemas.microsoft.com/office/drawing/2014/main" id="{5449D2D3-7486-3CE6-D64D-8DA6A04904DF}"/>
+              </a:ext>
+            </a:extLst>
+          </p:cNvPr>
+          <p:cNvPicPr>
+            <a:picLocks noChangeAspect="1" noChangeArrowheads="1"/>
+          </p:cNvPicPr>
+          <p:nvPr/>
+        </p:nvPicPr>
+        <p:blipFill>
+          <a:blip r:embed="rId3">
+            <a:extLst>
+              <a:ext uri="{28A0092B-C50C-407E-A947-70E740481C1C}">
+                <a14:useLocalDpi xmlns:a14="http://schemas.microsoft.com/office/drawing/2010/main" val="0"/>
+              </a:ext>
+            </a:extLst>
+          </a:blip>
+          <a:srcRect/>
+          <a:stretch>
+            <a:fillRect/>
+          </a:stretch>
+        </p:blipFill>
+        <p:spPr bwMode="auto">
+          <a:xfrm>
+            <a:off x="10312732" y="82493"/>
+            <a:ext cx="1789067" cy="2531533"/>
+          </a:xfrm>
+          <a:prstGeom prst="rect">
+            <a:avLst/>
+          </a:prstGeom>
+          <a:noFill/>
+          <a:extLst>
+            <a:ext uri="{909E8E84-426E-40DD-AFC4-6F175D3DCCD1}">
+              <a14:hiddenFill xmlns:a14="http://schemas.microsoft.com/office/drawing/2010/main">
+                <a:solidFill>
+                  <a:srgbClr val="FFFFFF"/>
+                </a:solidFill>
+              </a14:hiddenFill>
+            </a:ext>
+          </a:extLst>
+        </p:spPr>
+      </p:pic>
+      <p:pic>
+        <p:nvPicPr>
+          <p:cNvPr id="7" name="Picture 6">
+            <a:extLst>
+              <a:ext uri="{FF2B5EF4-FFF2-40B4-BE49-F238E27FC236}">
+                <a16:creationId xmlns:a16="http://schemas.microsoft.com/office/drawing/2014/main" id="{9F21CC19-CCA7-83D5-7247-74F5FFFF295E}"/>
+              </a:ext>
+            </a:extLst>
+          </p:cNvPr>
+          <p:cNvPicPr>
+            <a:picLocks noChangeAspect="1"/>
+          </p:cNvPicPr>
+          <p:nvPr/>
+        </p:nvPicPr>
+        <p:blipFill>
+          <a:blip r:embed="rId4"/>
+          <a:stretch>
+            <a:fillRect/>
+          </a:stretch>
+        </p:blipFill>
+        <p:spPr>
+          <a:xfrm>
+            <a:off x="988622" y="3354246"/>
+            <a:ext cx="9598724" cy="713510"/>
+          </a:xfrm>
+          <a:prstGeom prst="rect">
+            <a:avLst/>
+          </a:prstGeom>
+        </p:spPr>
+      </p:pic>
+      <p:sp>
+        <p:nvSpPr>
+          <p:cNvPr id="8" name="TextBox 7">
+            <a:extLst>
+              <a:ext uri="{FF2B5EF4-FFF2-40B4-BE49-F238E27FC236}">
+                <a16:creationId xmlns:a16="http://schemas.microsoft.com/office/drawing/2014/main" id="{B65F6159-3A88-FE0D-E632-FD2355C7DD43}"/>
+              </a:ext>
+            </a:extLst>
+          </p:cNvPr>
+          <p:cNvSpPr txBox="1"/>
+          <p:nvPr/>
+        </p:nvSpPr>
+        <p:spPr>
+          <a:xfrm>
+            <a:off x="838200" y="6128722"/>
+            <a:ext cx="5147733" cy="276999"/>
+          </a:xfrm>
+          <a:prstGeom prst="rect">
+            <a:avLst/>
+          </a:prstGeom>
+          <a:noFill/>
+        </p:spPr>
+        <p:txBody>
+          <a:bodyPr wrap="square" rtlCol="0">
+            <a:spAutoFit/>
+          </a:bodyPr>
+          <a:lstStyle/>
+          <a:p>
+            <a:r>
+              <a:rPr lang="en-US" sz="1200" dirty="0"/>
+              <a:t>All quotes and equations from [Stiglitz18].</a:t>
+            </a:r>
+          </a:p>
+        </p:txBody>
+      </p:sp>
+      <p:sp>
+        <p:nvSpPr>
+          <p:cNvPr id="12" name="TextBox 11">
+            <a:extLst>
+              <a:ext uri="{FF2B5EF4-FFF2-40B4-BE49-F238E27FC236}">
+                <a16:creationId xmlns:a16="http://schemas.microsoft.com/office/drawing/2014/main" id="{8EBB30D8-349A-EBFB-6396-C0795C348823}"/>
+              </a:ext>
+            </a:extLst>
+          </p:cNvPr>
+          <p:cNvSpPr txBox="1"/>
+          <p:nvPr/>
+        </p:nvSpPr>
+        <p:spPr>
+          <a:xfrm>
+            <a:off x="10236366" y="2664792"/>
+            <a:ext cx="2234868" cy="430887"/>
+          </a:xfrm>
+          <a:prstGeom prst="rect">
+            <a:avLst/>
+          </a:prstGeom>
+          <a:noFill/>
+        </p:spPr>
+        <p:txBody>
+          <a:bodyPr wrap="square" rtlCol="0">
+            <a:spAutoFit/>
+          </a:bodyPr>
+          <a:lstStyle/>
+          <a:p>
+            <a:r>
+              <a:rPr lang="en-US" sz="1100" i="1" dirty="0"/>
+              <a:t>J. E. Stiglitz</a:t>
+            </a:r>
+          </a:p>
+          <a:p>
+            <a:r>
+              <a:rPr lang="en-US" sz="1100" i="1" dirty="0"/>
+              <a:t>Photo by </a:t>
+            </a:r>
+            <a:r>
+              <a:rPr lang="en-GB" sz="1100" i="1" dirty="0" err="1"/>
+              <a:t>Jérémy</a:t>
+            </a:r>
+            <a:r>
+              <a:rPr lang="en-GB" sz="1100" i="1" dirty="0"/>
+              <a:t> </a:t>
+            </a:r>
+            <a:r>
+              <a:rPr lang="en-GB" sz="1100" i="1" dirty="0" err="1"/>
+              <a:t>Barande</a:t>
+            </a:r>
+            <a:endParaRPr lang="en-US" sz="1100" i="1" dirty="0"/>
+          </a:p>
+        </p:txBody>
+      </p:sp>
+      <p:pic>
+        <p:nvPicPr>
+          <p:cNvPr id="13" name="Picture 12">
+            <a:extLst>
+              <a:ext uri="{FF2B5EF4-FFF2-40B4-BE49-F238E27FC236}">
+                <a16:creationId xmlns:a16="http://schemas.microsoft.com/office/drawing/2014/main" id="{EF87D84F-21AB-DFD4-2AD2-D05335832BBE}"/>
+              </a:ext>
+            </a:extLst>
+          </p:cNvPr>
+          <p:cNvPicPr>
+            <a:picLocks noChangeAspect="1"/>
+          </p:cNvPicPr>
+          <p:nvPr/>
+        </p:nvPicPr>
+        <p:blipFill>
+          <a:blip r:embed="rId5"/>
+          <a:stretch>
+            <a:fillRect/>
+          </a:stretch>
+        </p:blipFill>
+        <p:spPr>
+          <a:xfrm>
+            <a:off x="988622" y="2612517"/>
+            <a:ext cx="5591955" cy="581106"/>
+          </a:xfrm>
+          <a:prstGeom prst="rect">
+            <a:avLst/>
+          </a:prstGeom>
+        </p:spPr>
+      </p:pic>
+      <p:sp>
+        <p:nvSpPr>
+          <p:cNvPr id="3" name="TextBox 2">
+            <a:extLst>
+              <a:ext uri="{FF2B5EF4-FFF2-40B4-BE49-F238E27FC236}">
+                <a16:creationId xmlns:a16="http://schemas.microsoft.com/office/drawing/2014/main" id="{4C5473B4-9719-3B6C-4287-979673BD7568}"/>
+              </a:ext>
+            </a:extLst>
+          </p:cNvPr>
+          <p:cNvSpPr txBox="1"/>
+          <p:nvPr/>
+        </p:nvSpPr>
+        <p:spPr>
+          <a:xfrm>
+            <a:off x="1528067" y="4528404"/>
+            <a:ext cx="9135865" cy="461665"/>
+          </a:xfrm>
+          <a:prstGeom prst="rect">
+            <a:avLst/>
+          </a:prstGeom>
+          <a:noFill/>
+        </p:spPr>
+        <p:txBody>
+          <a:bodyPr wrap="square" rtlCol="0">
+            <a:spAutoFit/>
+          </a:bodyPr>
+          <a:lstStyle/>
+          <a:p>
+            <a:r>
+              <a:rPr lang="en-US" sz="2400" dirty="0"/>
+              <a:t>… I may be presumptuous, but at least I don’t have &gt;15 parameters</a:t>
+            </a:r>
+          </a:p>
+        </p:txBody>
+      </p:sp>
+    </p:spTree>
+    <p:extLst>
+      <p:ext uri="{BB962C8B-B14F-4D97-AF65-F5344CB8AC3E}">
+        <p14:creationId xmlns:p14="http://schemas.microsoft.com/office/powerpoint/2010/main" val="3676166580"/>
+      </p:ext>
+    </p:extLst>
+  </p:cSld>
+  <p:clrMapOvr>
+    <a:masterClrMapping/>
+  </p:clrMapOvr>
+  <mc:AlternateContent xmlns:mc="http://schemas.openxmlformats.org/markup-compatibility/2006" xmlns:p159="http://schemas.microsoft.com/office/powerpoint/2015/09/main">
+    <mc:Choice Requires="p159">
+      <p:transition xmlns:p14="http://schemas.microsoft.com/office/powerpoint/2010/main" spd="slow" p14:dur="2000">
+        <p159:morph option="byObject"/>
+      </p:transition>
+    </mc:Choice>
+    <mc:Fallback xmlns="">
+      <p:transition spd="slow">
+        <p:fade/>
+      </p:transition>
+    </mc:Fallback>
+  </mc:AlternateContent>
+  <p:timing>
+    <p:tnLst>
+      <p:par>
+        <p:cTn id="1" dur="indefinite" restart="never" nodeType="tmRoot">
+          <p:childTnLst>
+            <p:seq concurrent="1" nextAc="seek">
+              <p:cTn id="2" dur="indefinite" nodeType="mainSeq">
+                <p:childTnLst>
+                  <p:par>
+                    <p:cTn id="3" fill="hold">
+                      <p:stCondLst>
+                        <p:cond delay="indefinite"/>
+                      </p:stCondLst>
+                      <p:childTnLst>
+                        <p:par>
+                          <p:cTn id="4" fill="hold">
+                            <p:stCondLst>
+                              <p:cond delay="0"/>
+                            </p:stCondLst>
+                            <p:childTnLst>
+                              <p:par>
+                                <p:cTn id="5" presetID="10" presetClass="entr" presetSubtype="0" fill="hold" nodeType="clickEffect">
+                                  <p:stCondLst>
+                                    <p:cond delay="0"/>
+                                  </p:stCondLst>
+                                  <p:childTnLst>
+                                    <p:set>
+                                      <p:cBhvr>
+                                        <p:cTn id="6" dur="1" fill="hold">
+                                          <p:stCondLst>
+                                            <p:cond delay="0"/>
+                                          </p:stCondLst>
+                                        </p:cTn>
+                                        <p:tgtEl>
+                                          <p:spTgt spid="7"/>
+                                        </p:tgtEl>
+                                        <p:attrNameLst>
+                                          <p:attrName>style.visibility</p:attrName>
+                                        </p:attrNameLst>
+                                      </p:cBhvr>
+                                      <p:to>
+                                        <p:strVal val="visible"/>
+                                      </p:to>
+                                    </p:set>
+                                    <p:animEffect transition="in" filter="fade">
+                                      <p:cBhvr>
+                                        <p:cTn id="7" dur="500"/>
+                                        <p:tgtEl>
+                                          <p:spTgt spid="7"/>
+                                        </p:tgtEl>
+                                      </p:cBhvr>
+                                    </p:animEffect>
+                                  </p:childTnLst>
+                                </p:cTn>
+                              </p:par>
+                            </p:childTnLst>
+                          </p:cTn>
+                        </p:par>
+                      </p:childTnLst>
+                    </p:cTn>
+                  </p:par>
+                  <p:par>
+                    <p:cTn id="8" fill="hold">
+                      <p:stCondLst>
+                        <p:cond delay="indefinite"/>
+                      </p:stCondLst>
+                      <p:childTnLst>
+                        <p:par>
+                          <p:cTn id="9" fill="hold">
+                            <p:stCondLst>
+                              <p:cond delay="0"/>
+                            </p:stCondLst>
+                            <p:childTnLst>
+                              <p:par>
+                                <p:cTn id="10" presetID="10" presetClass="entr" presetSubtype="0" fill="hold" grpId="0" nodeType="clickEffect">
+                                  <p:stCondLst>
+                                    <p:cond delay="0"/>
+                                  </p:stCondLst>
+                                  <p:childTnLst>
+                                    <p:set>
+                                      <p:cBhvr>
+                                        <p:cTn id="11" dur="1" fill="hold">
+                                          <p:stCondLst>
+                                            <p:cond delay="0"/>
+                                          </p:stCondLst>
+                                        </p:cTn>
+                                        <p:tgtEl>
+                                          <p:spTgt spid="3"/>
+                                        </p:tgtEl>
+                                        <p:attrNameLst>
+                                          <p:attrName>style.visibility</p:attrName>
+                                        </p:attrNameLst>
+                                      </p:cBhvr>
+                                      <p:to>
+                                        <p:strVal val="visible"/>
+                                      </p:to>
+                                    </p:set>
+                                    <p:animEffect transition="in" filter="fade">
+                                      <p:cBhvr>
+                                        <p:cTn id="12" dur="500"/>
+                                        <p:tgtEl>
+                                          <p:spTgt spid="3"/>
+                                        </p:tgtEl>
+                                      </p:cBhvr>
+                                    </p:animEffect>
+                                  </p:childTnLst>
+                                </p:cTn>
+                              </p:par>
+                            </p:childTnLst>
+                          </p:cTn>
+                        </p:par>
+                      </p:childTnLst>
+                    </p:cTn>
+                  </p:par>
+                </p:childTnLst>
+              </p:cTn>
+              <p:prevCondLst>
+                <p:cond evt="onPrev" delay="0">
+                  <p:tgtEl>
+                    <p:sldTgt/>
+                  </p:tgtEl>
+                </p:cond>
+              </p:prevCondLst>
+              <p:nextCondLst>
+                <p:cond evt="onNext" delay="0">
+                  <p:tgtEl>
+                    <p:sldTgt/>
+                  </p:tgtEl>
+                </p:cond>
+              </p:nextCondLst>
+            </p:seq>
+          </p:childTnLst>
+        </p:cTn>
+      </p:par>
+    </p:tnLst>
+    <p:bldLst>
+      <p:bldP spid="3" grpId="0"/>
+    </p:bldLst>
+  </p:timing>
 </p:sld>
 </file>
 
@@ -4745,7 +9827,7 @@
           <p:cNvPr id="2" name="Title 1">
             <a:extLst>
               <a:ext uri="{FF2B5EF4-FFF2-40B4-BE49-F238E27FC236}">
-                <a16:creationId xmlns:a16="http://schemas.microsoft.com/office/drawing/2014/main" id="{5E0441AB-1EFD-9F43-8C3B-4832686F8FC9}"/>
+                <a16:creationId xmlns:a16="http://schemas.microsoft.com/office/drawing/2014/main" id="{699423A6-7F3D-79A9-4D54-E751D98CE5B1}"/>
               </a:ext>
             </a:extLst>
           </p:cNvPr>
@@ -4763,71 +9845,794 @@
           <a:p>
             <a:r>
               <a:rPr lang="en-US" dirty="0"/>
-              <a:t>Parts of algorithm</a:t>
-            </a:r>
-          </a:p>
-        </p:txBody>
-      </p:sp>
-      <p:sp>
-        <p:nvSpPr>
-          <p:cNvPr id="3" name="Content Placeholder 2">
-            <a:extLst>
-              <a:ext uri="{FF2B5EF4-FFF2-40B4-BE49-F238E27FC236}">
-                <a16:creationId xmlns:a16="http://schemas.microsoft.com/office/drawing/2014/main" id="{A11F76C8-943B-B05B-D412-E252B7BC2CC7}"/>
-              </a:ext>
-            </a:extLst>
-          </p:cNvPr>
-          <p:cNvSpPr>
-            <a:spLocks noGrp="1"/>
-          </p:cNvSpPr>
-          <p:nvPr>
-            <p:ph idx="1"/>
-          </p:nvPr>
-        </p:nvSpPr>
-        <p:spPr/>
-        <p:txBody>
-          <a:bodyPr/>
+              <a:t>Fisher’s debt-deflation cycle</a:t>
+            </a:r>
+          </a:p>
+        </p:txBody>
+      </p:sp>
+      <p:sp>
+        <p:nvSpPr>
+          <p:cNvPr id="9" name="TextBox 8">
+            <a:extLst>
+              <a:ext uri="{FF2B5EF4-FFF2-40B4-BE49-F238E27FC236}">
+                <a16:creationId xmlns:a16="http://schemas.microsoft.com/office/drawing/2014/main" id="{B83908B2-A720-B514-49F6-6AB94E18B908}"/>
+              </a:ext>
+            </a:extLst>
+          </p:cNvPr>
+          <p:cNvSpPr txBox="1"/>
+          <p:nvPr/>
+        </p:nvSpPr>
+        <p:spPr>
+          <a:xfrm>
+            <a:off x="7749115" y="1174507"/>
+            <a:ext cx="2694214" cy="369332"/>
+          </a:xfrm>
+          <a:prstGeom prst="rect">
+            <a:avLst/>
+          </a:prstGeom>
+          <a:noFill/>
+        </p:spPr>
+        <p:txBody>
+          <a:bodyPr wrap="square" rtlCol="0">
+            <a:spAutoFit/>
+          </a:bodyPr>
           <a:lstStyle/>
           <a:p>
             <a:r>
               <a:rPr lang="en-US" dirty="0"/>
-              <a:t>Updating Interest rate free, buying power</a:t>
-            </a:r>
-          </a:p>
+              <a:t>Shock</a:t>
+            </a:r>
+          </a:p>
+        </p:txBody>
+      </p:sp>
+      <p:sp>
+        <p:nvSpPr>
+          <p:cNvPr id="10" name="TextBox 9">
+            <a:extLst>
+              <a:ext uri="{FF2B5EF4-FFF2-40B4-BE49-F238E27FC236}">
+                <a16:creationId xmlns:a16="http://schemas.microsoft.com/office/drawing/2014/main" id="{BA37924E-709E-09FE-20BF-2BA502826276}"/>
+              </a:ext>
+            </a:extLst>
+          </p:cNvPr>
+          <p:cNvSpPr txBox="1"/>
+          <p:nvPr/>
+        </p:nvSpPr>
+        <p:spPr>
+          <a:xfrm>
+            <a:off x="7063273" y="2408019"/>
+            <a:ext cx="2694214" cy="369332"/>
+          </a:xfrm>
+          <a:prstGeom prst="rect">
+            <a:avLst/>
+          </a:prstGeom>
+          <a:noFill/>
+        </p:spPr>
+        <p:txBody>
+          <a:bodyPr wrap="square" rtlCol="0">
+            <a:spAutoFit/>
+          </a:bodyPr>
+          <a:lstStyle/>
           <a:p>
             <a:r>
               <a:rPr lang="en-US" dirty="0"/>
-              <a:t>Updating interest rate adjusted</a:t>
-            </a:r>
-          </a:p>
-          <a:p>
-            <a:pPr lvl="1"/>
+              <a:t>Distress Selling</a:t>
+            </a:r>
+          </a:p>
+        </p:txBody>
+      </p:sp>
+      <p:sp>
+        <p:nvSpPr>
+          <p:cNvPr id="11" name="TextBox 10">
+            <a:extLst>
+              <a:ext uri="{FF2B5EF4-FFF2-40B4-BE49-F238E27FC236}">
+                <a16:creationId xmlns:a16="http://schemas.microsoft.com/office/drawing/2014/main" id="{64B98848-A4F0-6AFB-6C34-64654D94C59D}"/>
+              </a:ext>
+            </a:extLst>
+          </p:cNvPr>
+          <p:cNvSpPr txBox="1"/>
+          <p:nvPr/>
+        </p:nvSpPr>
+        <p:spPr>
+          <a:xfrm>
+            <a:off x="7995556" y="3593635"/>
+            <a:ext cx="4005943" cy="369332"/>
+          </a:xfrm>
+          <a:prstGeom prst="rect">
+            <a:avLst/>
+          </a:prstGeom>
+          <a:noFill/>
+        </p:spPr>
+        <p:txBody>
+          <a:bodyPr wrap="square" rtlCol="0">
+            <a:spAutoFit/>
+          </a:bodyPr>
+          <a:lstStyle/>
+          <a:p>
             <a:r>
               <a:rPr lang="en-US" dirty="0"/>
-              <a:t>Bank colleague: “Ehm, shouldn’t we take into account they may not pay back the loan?”</a:t>
-            </a:r>
-          </a:p>
-          <a:p>
-            <a:endParaRPr lang="en-US" dirty="0"/>
-          </a:p>
+              <a:t>Loans paid off (lower money supply)</a:t>
+            </a:r>
+          </a:p>
+        </p:txBody>
+      </p:sp>
+      <p:sp>
+        <p:nvSpPr>
+          <p:cNvPr id="12" name="TextBox 11">
+            <a:extLst>
+              <a:ext uri="{FF2B5EF4-FFF2-40B4-BE49-F238E27FC236}">
+                <a16:creationId xmlns:a16="http://schemas.microsoft.com/office/drawing/2014/main" id="{93499053-3463-2723-9940-768B434B0016}"/>
+              </a:ext>
+            </a:extLst>
+          </p:cNvPr>
+          <p:cNvSpPr txBox="1"/>
+          <p:nvPr/>
+        </p:nvSpPr>
+        <p:spPr>
+          <a:xfrm>
+            <a:off x="7162799" y="5113450"/>
+            <a:ext cx="2694214" cy="369332"/>
+          </a:xfrm>
+          <a:prstGeom prst="rect">
+            <a:avLst/>
+          </a:prstGeom>
+          <a:noFill/>
+        </p:spPr>
+        <p:txBody>
+          <a:bodyPr wrap="square" rtlCol="0">
+            <a:spAutoFit/>
+          </a:bodyPr>
+          <a:lstStyle/>
+          <a:p>
+            <a:r>
+              <a:rPr lang="en-US" b="1" dirty="0"/>
+              <a:t>Deflation (fall in prices)</a:t>
+            </a:r>
+          </a:p>
+        </p:txBody>
+      </p:sp>
+      <p:sp>
+        <p:nvSpPr>
+          <p:cNvPr id="13" name="TextBox 12">
+            <a:extLst>
+              <a:ext uri="{FF2B5EF4-FFF2-40B4-BE49-F238E27FC236}">
+                <a16:creationId xmlns:a16="http://schemas.microsoft.com/office/drawing/2014/main" id="{F7681962-6965-9238-5001-954907C0E9D8}"/>
+              </a:ext>
+            </a:extLst>
+          </p:cNvPr>
+          <p:cNvSpPr txBox="1"/>
+          <p:nvPr/>
+        </p:nvSpPr>
+        <p:spPr>
+          <a:xfrm>
+            <a:off x="5935434" y="6126213"/>
+            <a:ext cx="2694214" cy="369332"/>
+          </a:xfrm>
+          <a:prstGeom prst="rect">
+            <a:avLst/>
+          </a:prstGeom>
+          <a:noFill/>
+        </p:spPr>
+        <p:txBody>
+          <a:bodyPr wrap="square" rtlCol="0">
+            <a:spAutoFit/>
+          </a:bodyPr>
+          <a:lstStyle/>
           <a:p>
             <a:r>
               <a:rPr lang="en-US" dirty="0"/>
-              <a:t>Adjusted interest rate outline of derivation, plot of values</a:t>
-            </a:r>
-          </a:p>
-        </p:txBody>
-      </p:sp>
+              <a:t>Fall in business worth</a:t>
+            </a:r>
+          </a:p>
+        </p:txBody>
+      </p:sp>
+      <p:sp>
+        <p:nvSpPr>
+          <p:cNvPr id="14" name="TextBox 13">
+            <a:extLst>
+              <a:ext uri="{FF2B5EF4-FFF2-40B4-BE49-F238E27FC236}">
+                <a16:creationId xmlns:a16="http://schemas.microsoft.com/office/drawing/2014/main" id="{B286B9AD-795E-4E49-9C27-C49DD00E0ED6}"/>
+              </a:ext>
+            </a:extLst>
+          </p:cNvPr>
+          <p:cNvSpPr txBox="1"/>
+          <p:nvPr/>
+        </p:nvSpPr>
+        <p:spPr>
+          <a:xfrm>
+            <a:off x="1277025" y="3570645"/>
+            <a:ext cx="3203123" cy="369332"/>
+          </a:xfrm>
+          <a:prstGeom prst="rect">
+            <a:avLst/>
+          </a:prstGeom>
+          <a:noFill/>
+        </p:spPr>
+        <p:txBody>
+          <a:bodyPr wrap="square" rtlCol="0">
+            <a:spAutoFit/>
+          </a:bodyPr>
+          <a:lstStyle/>
+          <a:p>
+            <a:r>
+              <a:rPr lang="en-US" dirty="0"/>
+              <a:t>Hoarding, slower circulation</a:t>
+            </a:r>
+          </a:p>
+        </p:txBody>
+      </p:sp>
+      <p:sp>
+        <p:nvSpPr>
+          <p:cNvPr id="15" name="TextBox 14">
+            <a:extLst>
+              <a:ext uri="{FF2B5EF4-FFF2-40B4-BE49-F238E27FC236}">
+                <a16:creationId xmlns:a16="http://schemas.microsoft.com/office/drawing/2014/main" id="{978D395A-1F62-B8FF-B90E-7E5301ACA4AD}"/>
+              </a:ext>
+            </a:extLst>
+          </p:cNvPr>
+          <p:cNvSpPr txBox="1"/>
+          <p:nvPr/>
+        </p:nvSpPr>
+        <p:spPr>
+          <a:xfrm>
+            <a:off x="2410428" y="4891380"/>
+            <a:ext cx="2694214" cy="369332"/>
+          </a:xfrm>
+          <a:prstGeom prst="rect">
+            <a:avLst/>
+          </a:prstGeom>
+          <a:noFill/>
+        </p:spPr>
+        <p:txBody>
+          <a:bodyPr wrap="square" rtlCol="0">
+            <a:spAutoFit/>
+          </a:bodyPr>
+          <a:lstStyle/>
+          <a:p>
+            <a:r>
+              <a:rPr lang="en-US" dirty="0"/>
+              <a:t>Pessimism</a:t>
+            </a:r>
+          </a:p>
+        </p:txBody>
+      </p:sp>
+      <p:sp>
+        <p:nvSpPr>
+          <p:cNvPr id="16" name="TextBox 15">
+            <a:extLst>
+              <a:ext uri="{FF2B5EF4-FFF2-40B4-BE49-F238E27FC236}">
+                <a16:creationId xmlns:a16="http://schemas.microsoft.com/office/drawing/2014/main" id="{B14D53B3-B8CD-95FB-BE68-A1C6BF9B2646}"/>
+              </a:ext>
+            </a:extLst>
+          </p:cNvPr>
+          <p:cNvSpPr txBox="1"/>
+          <p:nvPr/>
+        </p:nvSpPr>
+        <p:spPr>
+          <a:xfrm>
+            <a:off x="2885469" y="5947955"/>
+            <a:ext cx="2694214" cy="369332"/>
+          </a:xfrm>
+          <a:prstGeom prst="rect">
+            <a:avLst/>
+          </a:prstGeom>
+          <a:noFill/>
+        </p:spPr>
+        <p:txBody>
+          <a:bodyPr wrap="square" rtlCol="0">
+            <a:spAutoFit/>
+          </a:bodyPr>
+          <a:lstStyle/>
+          <a:p>
+            <a:r>
+              <a:rPr lang="en-US" dirty="0"/>
+              <a:t>Fall in business output</a:t>
+            </a:r>
+          </a:p>
+        </p:txBody>
+      </p:sp>
+      <p:sp>
+        <p:nvSpPr>
+          <p:cNvPr id="17" name="TextBox 16">
+            <a:extLst>
+              <a:ext uri="{FF2B5EF4-FFF2-40B4-BE49-F238E27FC236}">
+                <a16:creationId xmlns:a16="http://schemas.microsoft.com/office/drawing/2014/main" id="{418483CA-4587-58DC-4DB3-531B323E2D78}"/>
+              </a:ext>
+            </a:extLst>
+          </p:cNvPr>
+          <p:cNvSpPr txBox="1"/>
+          <p:nvPr/>
+        </p:nvSpPr>
+        <p:spPr>
+          <a:xfrm>
+            <a:off x="1981196" y="2533535"/>
+            <a:ext cx="3203123" cy="369332"/>
+          </a:xfrm>
+          <a:prstGeom prst="rect">
+            <a:avLst/>
+          </a:prstGeom>
+          <a:noFill/>
+        </p:spPr>
+        <p:txBody>
+          <a:bodyPr wrap="square" rtlCol="0">
+            <a:spAutoFit/>
+          </a:bodyPr>
+          <a:lstStyle/>
+          <a:p>
+            <a:r>
+              <a:rPr lang="en-US" dirty="0"/>
+              <a:t>Disturbed interest rates</a:t>
+            </a:r>
+          </a:p>
+        </p:txBody>
+      </p:sp>
+      <p:cxnSp>
+        <p:nvCxnSpPr>
+          <p:cNvPr id="24" name="Straight Arrow Connector 23">
+            <a:extLst>
+              <a:ext uri="{FF2B5EF4-FFF2-40B4-BE49-F238E27FC236}">
+                <a16:creationId xmlns:a16="http://schemas.microsoft.com/office/drawing/2014/main" id="{FF8EAF1E-845B-F1EA-CFF5-C0DD77F4E75D}"/>
+              </a:ext>
+            </a:extLst>
+          </p:cNvPr>
+          <p:cNvCxnSpPr>
+            <a:cxnSpLocks/>
+          </p:cNvCxnSpPr>
+          <p:nvPr/>
+        </p:nvCxnSpPr>
+        <p:spPr>
+          <a:xfrm>
+            <a:off x="6570133" y="1989667"/>
+            <a:ext cx="1046612" cy="285884"/>
+          </a:xfrm>
+          <a:prstGeom prst="straightConnector1">
+            <a:avLst/>
+          </a:prstGeom>
+          <a:ln>
+            <a:tailEnd type="triangle"/>
+          </a:ln>
+        </p:spPr>
+        <p:style>
+          <a:lnRef idx="2">
+            <a:schemeClr val="accent1"/>
+          </a:lnRef>
+          <a:fillRef idx="0">
+            <a:schemeClr val="accent1"/>
+          </a:fillRef>
+          <a:effectRef idx="1">
+            <a:schemeClr val="accent1"/>
+          </a:effectRef>
+          <a:fontRef idx="minor">
+            <a:schemeClr val="tx1"/>
+          </a:fontRef>
+        </p:style>
+      </p:cxnSp>
+      <p:cxnSp>
+        <p:nvCxnSpPr>
+          <p:cNvPr id="25" name="Straight Arrow Connector 24">
+            <a:extLst>
+              <a:ext uri="{FF2B5EF4-FFF2-40B4-BE49-F238E27FC236}">
+                <a16:creationId xmlns:a16="http://schemas.microsoft.com/office/drawing/2014/main" id="{8CC0431E-F387-D169-3730-27895C7E0F94}"/>
+              </a:ext>
+            </a:extLst>
+          </p:cNvPr>
+          <p:cNvCxnSpPr>
+            <a:cxnSpLocks/>
+          </p:cNvCxnSpPr>
+          <p:nvPr/>
+        </p:nvCxnSpPr>
+        <p:spPr>
+          <a:xfrm>
+            <a:off x="8269438" y="2848592"/>
+            <a:ext cx="274859" cy="745043"/>
+          </a:xfrm>
+          <a:prstGeom prst="straightConnector1">
+            <a:avLst/>
+          </a:prstGeom>
+          <a:ln>
+            <a:tailEnd type="triangle"/>
+          </a:ln>
+        </p:spPr>
+        <p:style>
+          <a:lnRef idx="2">
+            <a:schemeClr val="accent1"/>
+          </a:lnRef>
+          <a:fillRef idx="0">
+            <a:schemeClr val="accent1"/>
+          </a:fillRef>
+          <a:effectRef idx="1">
+            <a:schemeClr val="accent1"/>
+          </a:effectRef>
+          <a:fontRef idx="minor">
+            <a:schemeClr val="tx1"/>
+          </a:fontRef>
+        </p:style>
+      </p:cxnSp>
+      <p:cxnSp>
+        <p:nvCxnSpPr>
+          <p:cNvPr id="29" name="Straight Arrow Connector 28">
+            <a:extLst>
+              <a:ext uri="{FF2B5EF4-FFF2-40B4-BE49-F238E27FC236}">
+                <a16:creationId xmlns:a16="http://schemas.microsoft.com/office/drawing/2014/main" id="{F6001676-666F-28AB-0D36-9C6F6B3BCC7F}"/>
+              </a:ext>
+            </a:extLst>
+          </p:cNvPr>
+          <p:cNvCxnSpPr/>
+          <p:nvPr/>
+        </p:nvCxnSpPr>
+        <p:spPr>
+          <a:xfrm flipH="1">
+            <a:off x="8200116" y="4038600"/>
+            <a:ext cx="413505" cy="999067"/>
+          </a:xfrm>
+          <a:prstGeom prst="straightConnector1">
+            <a:avLst/>
+          </a:prstGeom>
+          <a:ln>
+            <a:tailEnd type="triangle"/>
+          </a:ln>
+        </p:spPr>
+        <p:style>
+          <a:lnRef idx="2">
+            <a:schemeClr val="accent1"/>
+          </a:lnRef>
+          <a:fillRef idx="0">
+            <a:schemeClr val="accent1"/>
+          </a:fillRef>
+          <a:effectRef idx="1">
+            <a:schemeClr val="accent1"/>
+          </a:effectRef>
+          <a:fontRef idx="minor">
+            <a:schemeClr val="tx1"/>
+          </a:fontRef>
+        </p:style>
+      </p:cxnSp>
+      <p:cxnSp>
+        <p:nvCxnSpPr>
+          <p:cNvPr id="31" name="Straight Arrow Connector 30">
+            <a:extLst>
+              <a:ext uri="{FF2B5EF4-FFF2-40B4-BE49-F238E27FC236}">
+                <a16:creationId xmlns:a16="http://schemas.microsoft.com/office/drawing/2014/main" id="{9421FCAE-CC8F-0073-1C0A-E6BFA5BBFC0F}"/>
+              </a:ext>
+            </a:extLst>
+          </p:cNvPr>
+          <p:cNvCxnSpPr>
+            <a:cxnSpLocks/>
+          </p:cNvCxnSpPr>
+          <p:nvPr/>
+        </p:nvCxnSpPr>
+        <p:spPr>
+          <a:xfrm flipH="1">
+            <a:off x="7006620" y="5564733"/>
+            <a:ext cx="900489" cy="563816"/>
+          </a:xfrm>
+          <a:prstGeom prst="straightConnector1">
+            <a:avLst/>
+          </a:prstGeom>
+          <a:ln>
+            <a:tailEnd type="triangle"/>
+          </a:ln>
+        </p:spPr>
+        <p:style>
+          <a:lnRef idx="2">
+            <a:schemeClr val="accent1"/>
+          </a:lnRef>
+          <a:fillRef idx="0">
+            <a:schemeClr val="accent1"/>
+          </a:fillRef>
+          <a:effectRef idx="1">
+            <a:schemeClr val="accent1"/>
+          </a:effectRef>
+          <a:fontRef idx="minor">
+            <a:schemeClr val="tx1"/>
+          </a:fontRef>
+        </p:style>
+      </p:cxnSp>
+      <p:cxnSp>
+        <p:nvCxnSpPr>
+          <p:cNvPr id="32" name="Straight Arrow Connector 31">
+            <a:extLst>
+              <a:ext uri="{FF2B5EF4-FFF2-40B4-BE49-F238E27FC236}">
+                <a16:creationId xmlns:a16="http://schemas.microsoft.com/office/drawing/2014/main" id="{73C40D01-B674-92FC-1D79-FB3DCFAF1621}"/>
+              </a:ext>
+            </a:extLst>
+          </p:cNvPr>
+          <p:cNvCxnSpPr>
+            <a:cxnSpLocks/>
+          </p:cNvCxnSpPr>
+          <p:nvPr/>
+        </p:nvCxnSpPr>
+        <p:spPr>
+          <a:xfrm flipH="1">
+            <a:off x="5223933" y="6322761"/>
+            <a:ext cx="711501" cy="0"/>
+          </a:xfrm>
+          <a:prstGeom prst="straightConnector1">
+            <a:avLst/>
+          </a:prstGeom>
+          <a:ln>
+            <a:tailEnd type="triangle"/>
+          </a:ln>
+        </p:spPr>
+        <p:style>
+          <a:lnRef idx="2">
+            <a:schemeClr val="accent1"/>
+          </a:lnRef>
+          <a:fillRef idx="0">
+            <a:schemeClr val="accent1"/>
+          </a:fillRef>
+          <a:effectRef idx="1">
+            <a:schemeClr val="accent1"/>
+          </a:effectRef>
+          <a:fontRef idx="minor">
+            <a:schemeClr val="tx1"/>
+          </a:fontRef>
+        </p:style>
+      </p:cxnSp>
+      <p:cxnSp>
+        <p:nvCxnSpPr>
+          <p:cNvPr id="37" name="Straight Arrow Connector 36">
+            <a:extLst>
+              <a:ext uri="{FF2B5EF4-FFF2-40B4-BE49-F238E27FC236}">
+                <a16:creationId xmlns:a16="http://schemas.microsoft.com/office/drawing/2014/main" id="{CBF665FD-63AA-EF8E-738C-81C80D411D99}"/>
+              </a:ext>
+            </a:extLst>
+          </p:cNvPr>
+          <p:cNvCxnSpPr>
+            <a:cxnSpLocks/>
+          </p:cNvCxnSpPr>
+          <p:nvPr/>
+        </p:nvCxnSpPr>
+        <p:spPr>
+          <a:xfrm flipH="1" flipV="1">
+            <a:off x="3473902" y="5394069"/>
+            <a:ext cx="567266" cy="452572"/>
+          </a:xfrm>
+          <a:prstGeom prst="straightConnector1">
+            <a:avLst/>
+          </a:prstGeom>
+          <a:ln>
+            <a:tailEnd type="triangle"/>
+          </a:ln>
+        </p:spPr>
+        <p:style>
+          <a:lnRef idx="2">
+            <a:schemeClr val="accent1"/>
+          </a:lnRef>
+          <a:fillRef idx="0">
+            <a:schemeClr val="accent1"/>
+          </a:fillRef>
+          <a:effectRef idx="1">
+            <a:schemeClr val="accent1"/>
+          </a:effectRef>
+          <a:fontRef idx="minor">
+            <a:schemeClr val="tx1"/>
+          </a:fontRef>
+        </p:style>
+      </p:cxnSp>
+      <p:cxnSp>
+        <p:nvCxnSpPr>
+          <p:cNvPr id="41" name="Straight Arrow Connector 40">
+            <a:extLst>
+              <a:ext uri="{FF2B5EF4-FFF2-40B4-BE49-F238E27FC236}">
+                <a16:creationId xmlns:a16="http://schemas.microsoft.com/office/drawing/2014/main" id="{B66BA59A-75D0-ADDC-B78C-8F980C89F99D}"/>
+              </a:ext>
+            </a:extLst>
+          </p:cNvPr>
+          <p:cNvCxnSpPr>
+            <a:cxnSpLocks/>
+          </p:cNvCxnSpPr>
+          <p:nvPr/>
+        </p:nvCxnSpPr>
+        <p:spPr>
+          <a:xfrm flipH="1" flipV="1">
+            <a:off x="2764666" y="4092741"/>
+            <a:ext cx="321733" cy="665282"/>
+          </a:xfrm>
+          <a:prstGeom prst="straightConnector1">
+            <a:avLst/>
+          </a:prstGeom>
+          <a:ln>
+            <a:tailEnd type="triangle"/>
+          </a:ln>
+        </p:spPr>
+        <p:style>
+          <a:lnRef idx="2">
+            <a:schemeClr val="accent1"/>
+          </a:lnRef>
+          <a:fillRef idx="0">
+            <a:schemeClr val="accent1"/>
+          </a:fillRef>
+          <a:effectRef idx="1">
+            <a:schemeClr val="accent1"/>
+          </a:effectRef>
+          <a:fontRef idx="minor">
+            <a:schemeClr val="tx1"/>
+          </a:fontRef>
+        </p:style>
+      </p:cxnSp>
+      <p:cxnSp>
+        <p:nvCxnSpPr>
+          <p:cNvPr id="47" name="Straight Arrow Connector 46">
+            <a:extLst>
+              <a:ext uri="{FF2B5EF4-FFF2-40B4-BE49-F238E27FC236}">
+                <a16:creationId xmlns:a16="http://schemas.microsoft.com/office/drawing/2014/main" id="{710539FF-E8DE-4CEE-7A32-E3C893D16D55}"/>
+              </a:ext>
+            </a:extLst>
+          </p:cNvPr>
+          <p:cNvCxnSpPr>
+            <a:cxnSpLocks/>
+          </p:cNvCxnSpPr>
+          <p:nvPr/>
+        </p:nvCxnSpPr>
+        <p:spPr>
+          <a:xfrm flipV="1">
+            <a:off x="2850244" y="2903831"/>
+            <a:ext cx="321734" cy="592786"/>
+          </a:xfrm>
+          <a:prstGeom prst="straightConnector1">
+            <a:avLst/>
+          </a:prstGeom>
+          <a:ln>
+            <a:tailEnd type="triangle"/>
+          </a:ln>
+        </p:spPr>
+        <p:style>
+          <a:lnRef idx="2">
+            <a:schemeClr val="accent1"/>
+          </a:lnRef>
+          <a:fillRef idx="0">
+            <a:schemeClr val="accent1"/>
+          </a:fillRef>
+          <a:effectRef idx="1">
+            <a:schemeClr val="accent1"/>
+          </a:effectRef>
+          <a:fontRef idx="minor">
+            <a:schemeClr val="tx1"/>
+          </a:fontRef>
+        </p:style>
+      </p:cxnSp>
+      <p:cxnSp>
+        <p:nvCxnSpPr>
+          <p:cNvPr id="50" name="Straight Arrow Connector 49">
+            <a:extLst>
+              <a:ext uri="{FF2B5EF4-FFF2-40B4-BE49-F238E27FC236}">
+                <a16:creationId xmlns:a16="http://schemas.microsoft.com/office/drawing/2014/main" id="{7B877DA3-F5F6-B36E-B946-D8E7AF5FD2A8}"/>
+              </a:ext>
+            </a:extLst>
+          </p:cNvPr>
+          <p:cNvCxnSpPr>
+            <a:cxnSpLocks/>
+          </p:cNvCxnSpPr>
+          <p:nvPr/>
+        </p:nvCxnSpPr>
+        <p:spPr>
+          <a:xfrm flipV="1">
+            <a:off x="3582758" y="1939785"/>
+            <a:ext cx="808113" cy="593750"/>
+          </a:xfrm>
+          <a:prstGeom prst="straightConnector1">
+            <a:avLst/>
+          </a:prstGeom>
+          <a:ln>
+            <a:tailEnd type="triangle"/>
+          </a:ln>
+        </p:spPr>
+        <p:style>
+          <a:lnRef idx="2">
+            <a:schemeClr val="accent1"/>
+          </a:lnRef>
+          <a:fillRef idx="0">
+            <a:schemeClr val="accent1"/>
+          </a:fillRef>
+          <a:effectRef idx="1">
+            <a:schemeClr val="accent1"/>
+          </a:effectRef>
+          <a:fontRef idx="minor">
+            <a:schemeClr val="tx1"/>
+          </a:fontRef>
+        </p:style>
+      </p:cxnSp>
+      <p:sp>
+        <p:nvSpPr>
+          <p:cNvPr id="60" name="TextBox 59">
+            <a:extLst>
+              <a:ext uri="{FF2B5EF4-FFF2-40B4-BE49-F238E27FC236}">
+                <a16:creationId xmlns:a16="http://schemas.microsoft.com/office/drawing/2014/main" id="{C5FC33BC-7852-A878-2ECF-2ECBB9EE3013}"/>
+              </a:ext>
+            </a:extLst>
+          </p:cNvPr>
+          <p:cNvSpPr txBox="1"/>
+          <p:nvPr/>
+        </p:nvSpPr>
+        <p:spPr>
+          <a:xfrm>
+            <a:off x="4588327" y="1671644"/>
+            <a:ext cx="2694214" cy="369332"/>
+          </a:xfrm>
+          <a:prstGeom prst="rect">
+            <a:avLst/>
+          </a:prstGeom>
+          <a:noFill/>
+        </p:spPr>
+        <p:txBody>
+          <a:bodyPr wrap="square" rtlCol="0">
+            <a:spAutoFit/>
+          </a:bodyPr>
+          <a:lstStyle/>
+          <a:p>
+            <a:r>
+              <a:rPr lang="en-US" b="1" dirty="0"/>
+              <a:t>Debt Liquidation</a:t>
+            </a:r>
+          </a:p>
+        </p:txBody>
+      </p:sp>
+      <p:cxnSp>
+        <p:nvCxnSpPr>
+          <p:cNvPr id="61" name="Straight Arrow Connector 60">
+            <a:extLst>
+              <a:ext uri="{FF2B5EF4-FFF2-40B4-BE49-F238E27FC236}">
+                <a16:creationId xmlns:a16="http://schemas.microsoft.com/office/drawing/2014/main" id="{69F92A72-991E-5C86-FFF1-CDCD56FDC4A1}"/>
+              </a:ext>
+            </a:extLst>
+          </p:cNvPr>
+          <p:cNvCxnSpPr>
+            <a:cxnSpLocks/>
+          </p:cNvCxnSpPr>
+          <p:nvPr/>
+        </p:nvCxnSpPr>
+        <p:spPr>
+          <a:xfrm flipH="1">
+            <a:off x="6493933" y="1414842"/>
+            <a:ext cx="1122812" cy="236918"/>
+          </a:xfrm>
+          <a:prstGeom prst="straightConnector1">
+            <a:avLst/>
+          </a:prstGeom>
+          <a:ln w="38100">
+            <a:solidFill>
+              <a:srgbClr val="FF0000"/>
+            </a:solidFill>
+            <a:tailEnd type="triangle"/>
+          </a:ln>
+        </p:spPr>
+        <p:style>
+          <a:lnRef idx="2">
+            <a:schemeClr val="accent1"/>
+          </a:lnRef>
+          <a:fillRef idx="0">
+            <a:schemeClr val="accent1"/>
+          </a:fillRef>
+          <a:effectRef idx="1">
+            <a:schemeClr val="accent1"/>
+          </a:effectRef>
+          <a:fontRef idx="minor">
+            <a:schemeClr val="tx1"/>
+          </a:fontRef>
+        </p:style>
+      </p:cxnSp>
     </p:spTree>
     <p:extLst>
       <p:ext uri="{BB962C8B-B14F-4D97-AF65-F5344CB8AC3E}">
-        <p14:creationId xmlns:p14="http://schemas.microsoft.com/office/powerpoint/2010/main" val="605073019"/>
+        <p14:creationId xmlns:p14="http://schemas.microsoft.com/office/powerpoint/2010/main" val="2235274001"/>
       </p:ext>
     </p:extLst>
   </p:cSld>
   <p:clrMapOvr>
     <a:masterClrMapping/>
   </p:clrMapOvr>
+  <mc:AlternateContent xmlns:mc="http://schemas.openxmlformats.org/markup-compatibility/2006" xmlns:p159="http://schemas.microsoft.com/office/powerpoint/2015/09/main">
+    <mc:Choice Requires="p159">
+      <p:transition xmlns:p14="http://schemas.microsoft.com/office/powerpoint/2010/main" spd="slow" p14:dur="2000">
+        <p159:morph option="byObject"/>
+      </p:transition>
+    </mc:Choice>
+    <mc:Fallback xmlns="">
+      <p:transition spd="slow">
+        <p:fade/>
+      </p:transition>
+    </mc:Fallback>
+  </mc:AlternateContent>
 </p:sld>
 </file>
 
@@ -4853,7 +10658,7 @@
           <p:cNvPr id="2" name="Title 1">
             <a:extLst>
               <a:ext uri="{FF2B5EF4-FFF2-40B4-BE49-F238E27FC236}">
-                <a16:creationId xmlns:a16="http://schemas.microsoft.com/office/drawing/2014/main" id="{B197EDD4-5DF2-1205-E486-ADF76B09AC81}"/>
+                <a16:creationId xmlns:a16="http://schemas.microsoft.com/office/drawing/2014/main" id="{699423A6-7F3D-79A9-4D54-E751D98CE5B1}"/>
               </a:ext>
             </a:extLst>
           </p:cNvPr>
@@ -4871,47 +10676,703 @@
           <a:p>
             <a:r>
               <a:rPr lang="en-US" dirty="0"/>
-              <a:t>Results</a:t>
-            </a:r>
-          </a:p>
-        </p:txBody>
-      </p:sp>
-      <p:sp>
-        <p:nvSpPr>
-          <p:cNvPr id="3" name="Content Placeholder 2">
-            <a:extLst>
-              <a:ext uri="{FF2B5EF4-FFF2-40B4-BE49-F238E27FC236}">
-                <a16:creationId xmlns:a16="http://schemas.microsoft.com/office/drawing/2014/main" id="{87EF7258-D790-CAC8-B3A2-725073F9A2C6}"/>
-              </a:ext>
-            </a:extLst>
-          </p:cNvPr>
-          <p:cNvSpPr>
-            <a:spLocks noGrp="1"/>
-          </p:cNvSpPr>
-          <p:nvPr>
-            <p:ph idx="1"/>
-          </p:nvPr>
-        </p:nvSpPr>
-        <p:spPr/>
-        <p:txBody>
-          <a:bodyPr/>
+              <a:t>Fisher’s debt-deflation cycle</a:t>
+            </a:r>
+          </a:p>
+        </p:txBody>
+      </p:sp>
+      <p:sp>
+        <p:nvSpPr>
+          <p:cNvPr id="9" name="TextBox 8">
+            <a:extLst>
+              <a:ext uri="{FF2B5EF4-FFF2-40B4-BE49-F238E27FC236}">
+                <a16:creationId xmlns:a16="http://schemas.microsoft.com/office/drawing/2014/main" id="{B83908B2-A720-B514-49F6-6AB94E18B908}"/>
+              </a:ext>
+            </a:extLst>
+          </p:cNvPr>
+          <p:cNvSpPr txBox="1"/>
+          <p:nvPr/>
+        </p:nvSpPr>
+        <p:spPr>
+          <a:xfrm>
+            <a:off x="7749115" y="1174507"/>
+            <a:ext cx="2694214" cy="369332"/>
+          </a:xfrm>
+          <a:prstGeom prst="rect">
+            <a:avLst/>
+          </a:prstGeom>
+          <a:noFill/>
+        </p:spPr>
+        <p:txBody>
+          <a:bodyPr wrap="square" rtlCol="0">
+            <a:spAutoFit/>
+          </a:bodyPr>
           <a:lstStyle/>
           <a:p>
             <a:r>
               <a:rPr lang="en-US" dirty="0"/>
-              <a:t>mean and interest rate</a:t>
-            </a:r>
-          </a:p>
+              <a:t>Shock</a:t>
+            </a:r>
+          </a:p>
+        </p:txBody>
+      </p:sp>
+      <p:sp>
+        <p:nvSpPr>
+          <p:cNvPr id="12" name="TextBox 11">
+            <a:extLst>
+              <a:ext uri="{FF2B5EF4-FFF2-40B4-BE49-F238E27FC236}">
+                <a16:creationId xmlns:a16="http://schemas.microsoft.com/office/drawing/2014/main" id="{93499053-3463-2723-9940-768B434B0016}"/>
+              </a:ext>
+            </a:extLst>
+          </p:cNvPr>
+          <p:cNvSpPr txBox="1"/>
+          <p:nvPr/>
+        </p:nvSpPr>
+        <p:spPr>
+          <a:xfrm>
+            <a:off x="7162799" y="5113450"/>
+            <a:ext cx="2694214" cy="369332"/>
+          </a:xfrm>
+          <a:prstGeom prst="rect">
+            <a:avLst/>
+          </a:prstGeom>
+          <a:noFill/>
+        </p:spPr>
+        <p:txBody>
+          <a:bodyPr wrap="square" rtlCol="0">
+            <a:spAutoFit/>
+          </a:bodyPr>
+          <a:lstStyle/>
+          <a:p>
+            <a:r>
+              <a:rPr lang="en-US" b="1" dirty="0"/>
+              <a:t>Deflation (fall in prices)</a:t>
+            </a:r>
+          </a:p>
+        </p:txBody>
+      </p:sp>
+      <p:sp>
+        <p:nvSpPr>
+          <p:cNvPr id="13" name="TextBox 12">
+            <a:extLst>
+              <a:ext uri="{FF2B5EF4-FFF2-40B4-BE49-F238E27FC236}">
+                <a16:creationId xmlns:a16="http://schemas.microsoft.com/office/drawing/2014/main" id="{F7681962-6965-9238-5001-954907C0E9D8}"/>
+              </a:ext>
+            </a:extLst>
+          </p:cNvPr>
+          <p:cNvSpPr txBox="1"/>
+          <p:nvPr/>
+        </p:nvSpPr>
+        <p:spPr>
+          <a:xfrm>
+            <a:off x="5935434" y="6126213"/>
+            <a:ext cx="2694214" cy="369332"/>
+          </a:xfrm>
+          <a:prstGeom prst="rect">
+            <a:avLst/>
+          </a:prstGeom>
+          <a:noFill/>
+        </p:spPr>
+        <p:txBody>
+          <a:bodyPr wrap="square" rtlCol="0">
+            <a:spAutoFit/>
+          </a:bodyPr>
+          <a:lstStyle/>
           <a:p>
             <a:r>
               <a:rPr lang="en-US" dirty="0"/>
-              <a:t>beta</a:t>
-            </a:r>
-          </a:p>
+              <a:t>Fall in business worth</a:t>
+            </a:r>
+          </a:p>
+        </p:txBody>
+      </p:sp>
+      <p:sp>
+        <p:nvSpPr>
+          <p:cNvPr id="14" name="TextBox 13">
+            <a:extLst>
+              <a:ext uri="{FF2B5EF4-FFF2-40B4-BE49-F238E27FC236}">
+                <a16:creationId xmlns:a16="http://schemas.microsoft.com/office/drawing/2014/main" id="{B286B9AD-795E-4E49-9C27-C49DD00E0ED6}"/>
+              </a:ext>
+            </a:extLst>
+          </p:cNvPr>
+          <p:cNvSpPr txBox="1"/>
+          <p:nvPr/>
+        </p:nvSpPr>
+        <p:spPr>
+          <a:xfrm>
+            <a:off x="1277025" y="3570645"/>
+            <a:ext cx="3203123" cy="369332"/>
+          </a:xfrm>
+          <a:prstGeom prst="rect">
+            <a:avLst/>
+          </a:prstGeom>
+          <a:noFill/>
+        </p:spPr>
+        <p:txBody>
+          <a:bodyPr wrap="square" rtlCol="0">
+            <a:spAutoFit/>
+          </a:bodyPr>
+          <a:lstStyle/>
           <a:p>
             <a:r>
               <a:rPr lang="en-US" dirty="0"/>
-              <a:t>Animation values</a:t>
+              <a:t>Hoarding, slower circulation</a:t>
+            </a:r>
+          </a:p>
+        </p:txBody>
+      </p:sp>
+      <p:sp>
+        <p:nvSpPr>
+          <p:cNvPr id="15" name="TextBox 14">
+            <a:extLst>
+              <a:ext uri="{FF2B5EF4-FFF2-40B4-BE49-F238E27FC236}">
+                <a16:creationId xmlns:a16="http://schemas.microsoft.com/office/drawing/2014/main" id="{978D395A-1F62-B8FF-B90E-7E5301ACA4AD}"/>
+              </a:ext>
+            </a:extLst>
+          </p:cNvPr>
+          <p:cNvSpPr txBox="1"/>
+          <p:nvPr/>
+        </p:nvSpPr>
+        <p:spPr>
+          <a:xfrm>
+            <a:off x="2410428" y="4891380"/>
+            <a:ext cx="2694214" cy="369332"/>
+          </a:xfrm>
+          <a:prstGeom prst="rect">
+            <a:avLst/>
+          </a:prstGeom>
+          <a:noFill/>
+        </p:spPr>
+        <p:txBody>
+          <a:bodyPr wrap="square" rtlCol="0">
+            <a:spAutoFit/>
+          </a:bodyPr>
+          <a:lstStyle/>
+          <a:p>
+            <a:r>
+              <a:rPr lang="en-US" dirty="0"/>
+              <a:t>Pessimism</a:t>
+            </a:r>
+          </a:p>
+        </p:txBody>
+      </p:sp>
+      <p:sp>
+        <p:nvSpPr>
+          <p:cNvPr id="16" name="TextBox 15">
+            <a:extLst>
+              <a:ext uri="{FF2B5EF4-FFF2-40B4-BE49-F238E27FC236}">
+                <a16:creationId xmlns:a16="http://schemas.microsoft.com/office/drawing/2014/main" id="{B14D53B3-B8CD-95FB-BE68-A1C6BF9B2646}"/>
+              </a:ext>
+            </a:extLst>
+          </p:cNvPr>
+          <p:cNvSpPr txBox="1"/>
+          <p:nvPr/>
+        </p:nvSpPr>
+        <p:spPr>
+          <a:xfrm>
+            <a:off x="2885469" y="5947955"/>
+            <a:ext cx="2694214" cy="369332"/>
+          </a:xfrm>
+          <a:prstGeom prst="rect">
+            <a:avLst/>
+          </a:prstGeom>
+          <a:noFill/>
+        </p:spPr>
+        <p:txBody>
+          <a:bodyPr wrap="square" rtlCol="0">
+            <a:spAutoFit/>
+          </a:bodyPr>
+          <a:lstStyle/>
+          <a:p>
+            <a:r>
+              <a:rPr lang="en-US" dirty="0"/>
+              <a:t>Fall in business output</a:t>
+            </a:r>
+          </a:p>
+        </p:txBody>
+      </p:sp>
+      <p:sp>
+        <p:nvSpPr>
+          <p:cNvPr id="17" name="TextBox 16">
+            <a:extLst>
+              <a:ext uri="{FF2B5EF4-FFF2-40B4-BE49-F238E27FC236}">
+                <a16:creationId xmlns:a16="http://schemas.microsoft.com/office/drawing/2014/main" id="{418483CA-4587-58DC-4DB3-531B323E2D78}"/>
+              </a:ext>
+            </a:extLst>
+          </p:cNvPr>
+          <p:cNvSpPr txBox="1"/>
+          <p:nvPr/>
+        </p:nvSpPr>
+        <p:spPr>
+          <a:xfrm>
+            <a:off x="1981196" y="2533535"/>
+            <a:ext cx="3203123" cy="369332"/>
+          </a:xfrm>
+          <a:prstGeom prst="rect">
+            <a:avLst/>
+          </a:prstGeom>
+          <a:noFill/>
+        </p:spPr>
+        <p:txBody>
+          <a:bodyPr wrap="square" rtlCol="0">
+            <a:spAutoFit/>
+          </a:bodyPr>
+          <a:lstStyle/>
+          <a:p>
+            <a:r>
+              <a:rPr lang="en-US" dirty="0"/>
+              <a:t>Disturbed interest rates</a:t>
+            </a:r>
+          </a:p>
+        </p:txBody>
+      </p:sp>
+      <p:cxnSp>
+        <p:nvCxnSpPr>
+          <p:cNvPr id="31" name="Straight Arrow Connector 30">
+            <a:extLst>
+              <a:ext uri="{FF2B5EF4-FFF2-40B4-BE49-F238E27FC236}">
+                <a16:creationId xmlns:a16="http://schemas.microsoft.com/office/drawing/2014/main" id="{9421FCAE-CC8F-0073-1C0A-E6BFA5BBFC0F}"/>
+              </a:ext>
+            </a:extLst>
+          </p:cNvPr>
+          <p:cNvCxnSpPr>
+            <a:cxnSpLocks/>
+          </p:cNvCxnSpPr>
+          <p:nvPr/>
+        </p:nvCxnSpPr>
+        <p:spPr>
+          <a:xfrm flipH="1">
+            <a:off x="7006620" y="5564733"/>
+            <a:ext cx="900489" cy="563816"/>
+          </a:xfrm>
+          <a:prstGeom prst="straightConnector1">
+            <a:avLst/>
+          </a:prstGeom>
+          <a:ln>
+            <a:tailEnd type="triangle"/>
+          </a:ln>
+        </p:spPr>
+        <p:style>
+          <a:lnRef idx="2">
+            <a:schemeClr val="accent1"/>
+          </a:lnRef>
+          <a:fillRef idx="0">
+            <a:schemeClr val="accent1"/>
+          </a:fillRef>
+          <a:effectRef idx="1">
+            <a:schemeClr val="accent1"/>
+          </a:effectRef>
+          <a:fontRef idx="minor">
+            <a:schemeClr val="tx1"/>
+          </a:fontRef>
+        </p:style>
+      </p:cxnSp>
+      <p:cxnSp>
+        <p:nvCxnSpPr>
+          <p:cNvPr id="32" name="Straight Arrow Connector 31">
+            <a:extLst>
+              <a:ext uri="{FF2B5EF4-FFF2-40B4-BE49-F238E27FC236}">
+                <a16:creationId xmlns:a16="http://schemas.microsoft.com/office/drawing/2014/main" id="{73C40D01-B674-92FC-1D79-FB3DCFAF1621}"/>
+              </a:ext>
+            </a:extLst>
+          </p:cNvPr>
+          <p:cNvCxnSpPr>
+            <a:cxnSpLocks/>
+          </p:cNvCxnSpPr>
+          <p:nvPr/>
+        </p:nvCxnSpPr>
+        <p:spPr>
+          <a:xfrm flipH="1">
+            <a:off x="5223933" y="6322761"/>
+            <a:ext cx="711501" cy="0"/>
+          </a:xfrm>
+          <a:prstGeom prst="straightConnector1">
+            <a:avLst/>
+          </a:prstGeom>
+          <a:ln>
+            <a:tailEnd type="triangle"/>
+          </a:ln>
+        </p:spPr>
+        <p:style>
+          <a:lnRef idx="2">
+            <a:schemeClr val="accent1"/>
+          </a:lnRef>
+          <a:fillRef idx="0">
+            <a:schemeClr val="accent1"/>
+          </a:fillRef>
+          <a:effectRef idx="1">
+            <a:schemeClr val="accent1"/>
+          </a:effectRef>
+          <a:fontRef idx="minor">
+            <a:schemeClr val="tx1"/>
+          </a:fontRef>
+        </p:style>
+      </p:cxnSp>
+      <p:cxnSp>
+        <p:nvCxnSpPr>
+          <p:cNvPr id="37" name="Straight Arrow Connector 36">
+            <a:extLst>
+              <a:ext uri="{FF2B5EF4-FFF2-40B4-BE49-F238E27FC236}">
+                <a16:creationId xmlns:a16="http://schemas.microsoft.com/office/drawing/2014/main" id="{CBF665FD-63AA-EF8E-738C-81C80D411D99}"/>
+              </a:ext>
+            </a:extLst>
+          </p:cNvPr>
+          <p:cNvCxnSpPr>
+            <a:cxnSpLocks/>
+          </p:cNvCxnSpPr>
+          <p:nvPr/>
+        </p:nvCxnSpPr>
+        <p:spPr>
+          <a:xfrm flipH="1" flipV="1">
+            <a:off x="3473902" y="5394069"/>
+            <a:ext cx="567266" cy="452572"/>
+          </a:xfrm>
+          <a:prstGeom prst="straightConnector1">
+            <a:avLst/>
+          </a:prstGeom>
+          <a:ln>
+            <a:tailEnd type="triangle"/>
+          </a:ln>
+        </p:spPr>
+        <p:style>
+          <a:lnRef idx="2">
+            <a:schemeClr val="accent1"/>
+          </a:lnRef>
+          <a:fillRef idx="0">
+            <a:schemeClr val="accent1"/>
+          </a:fillRef>
+          <a:effectRef idx="1">
+            <a:schemeClr val="accent1"/>
+          </a:effectRef>
+          <a:fontRef idx="minor">
+            <a:schemeClr val="tx1"/>
+          </a:fontRef>
+        </p:style>
+      </p:cxnSp>
+      <p:cxnSp>
+        <p:nvCxnSpPr>
+          <p:cNvPr id="41" name="Straight Arrow Connector 40">
+            <a:extLst>
+              <a:ext uri="{FF2B5EF4-FFF2-40B4-BE49-F238E27FC236}">
+                <a16:creationId xmlns:a16="http://schemas.microsoft.com/office/drawing/2014/main" id="{B66BA59A-75D0-ADDC-B78C-8F980C89F99D}"/>
+              </a:ext>
+            </a:extLst>
+          </p:cNvPr>
+          <p:cNvCxnSpPr>
+            <a:cxnSpLocks/>
+          </p:cNvCxnSpPr>
+          <p:nvPr/>
+        </p:nvCxnSpPr>
+        <p:spPr>
+          <a:xfrm flipH="1" flipV="1">
+            <a:off x="2764666" y="4092741"/>
+            <a:ext cx="321733" cy="665282"/>
+          </a:xfrm>
+          <a:prstGeom prst="straightConnector1">
+            <a:avLst/>
+          </a:prstGeom>
+          <a:ln>
+            <a:tailEnd type="triangle"/>
+          </a:ln>
+        </p:spPr>
+        <p:style>
+          <a:lnRef idx="2">
+            <a:schemeClr val="accent1"/>
+          </a:lnRef>
+          <a:fillRef idx="0">
+            <a:schemeClr val="accent1"/>
+          </a:fillRef>
+          <a:effectRef idx="1">
+            <a:schemeClr val="accent1"/>
+          </a:effectRef>
+          <a:fontRef idx="minor">
+            <a:schemeClr val="tx1"/>
+          </a:fontRef>
+        </p:style>
+      </p:cxnSp>
+      <p:cxnSp>
+        <p:nvCxnSpPr>
+          <p:cNvPr id="47" name="Straight Arrow Connector 46">
+            <a:extLst>
+              <a:ext uri="{FF2B5EF4-FFF2-40B4-BE49-F238E27FC236}">
+                <a16:creationId xmlns:a16="http://schemas.microsoft.com/office/drawing/2014/main" id="{710539FF-E8DE-4CEE-7A32-E3C893D16D55}"/>
+              </a:ext>
+            </a:extLst>
+          </p:cNvPr>
+          <p:cNvCxnSpPr>
+            <a:cxnSpLocks/>
+          </p:cNvCxnSpPr>
+          <p:nvPr/>
+        </p:nvCxnSpPr>
+        <p:spPr>
+          <a:xfrm flipV="1">
+            <a:off x="2850244" y="2903831"/>
+            <a:ext cx="321734" cy="592786"/>
+          </a:xfrm>
+          <a:prstGeom prst="straightConnector1">
+            <a:avLst/>
+          </a:prstGeom>
+          <a:ln>
+            <a:tailEnd type="triangle"/>
+          </a:ln>
+        </p:spPr>
+        <p:style>
+          <a:lnRef idx="2">
+            <a:schemeClr val="accent1"/>
+          </a:lnRef>
+          <a:fillRef idx="0">
+            <a:schemeClr val="accent1"/>
+          </a:fillRef>
+          <a:effectRef idx="1">
+            <a:schemeClr val="accent1"/>
+          </a:effectRef>
+          <a:fontRef idx="minor">
+            <a:schemeClr val="tx1"/>
+          </a:fontRef>
+        </p:style>
+      </p:cxnSp>
+      <p:cxnSp>
+        <p:nvCxnSpPr>
+          <p:cNvPr id="50" name="Straight Arrow Connector 49">
+            <a:extLst>
+              <a:ext uri="{FF2B5EF4-FFF2-40B4-BE49-F238E27FC236}">
+                <a16:creationId xmlns:a16="http://schemas.microsoft.com/office/drawing/2014/main" id="{7B877DA3-F5F6-B36E-B946-D8E7AF5FD2A8}"/>
+              </a:ext>
+            </a:extLst>
+          </p:cNvPr>
+          <p:cNvCxnSpPr>
+            <a:cxnSpLocks/>
+          </p:cNvCxnSpPr>
+          <p:nvPr/>
+        </p:nvCxnSpPr>
+        <p:spPr>
+          <a:xfrm flipV="1">
+            <a:off x="3582758" y="1939785"/>
+            <a:ext cx="808113" cy="593750"/>
+          </a:xfrm>
+          <a:prstGeom prst="straightConnector1">
+            <a:avLst/>
+          </a:prstGeom>
+          <a:ln>
+            <a:tailEnd type="triangle"/>
+          </a:ln>
+        </p:spPr>
+        <p:style>
+          <a:lnRef idx="2">
+            <a:schemeClr val="accent1"/>
+          </a:lnRef>
+          <a:fillRef idx="0">
+            <a:schemeClr val="accent1"/>
+          </a:fillRef>
+          <a:effectRef idx="1">
+            <a:schemeClr val="accent1"/>
+          </a:effectRef>
+          <a:fontRef idx="minor">
+            <a:schemeClr val="tx1"/>
+          </a:fontRef>
+        </p:style>
+      </p:cxnSp>
+      <p:sp>
+        <p:nvSpPr>
+          <p:cNvPr id="60" name="TextBox 59">
+            <a:extLst>
+              <a:ext uri="{FF2B5EF4-FFF2-40B4-BE49-F238E27FC236}">
+                <a16:creationId xmlns:a16="http://schemas.microsoft.com/office/drawing/2014/main" id="{C5FC33BC-7852-A878-2ECF-2ECBB9EE3013}"/>
+              </a:ext>
+            </a:extLst>
+          </p:cNvPr>
+          <p:cNvSpPr txBox="1"/>
+          <p:nvPr/>
+        </p:nvSpPr>
+        <p:spPr>
+          <a:xfrm>
+            <a:off x="4588327" y="1671644"/>
+            <a:ext cx="2694214" cy="369332"/>
+          </a:xfrm>
+          <a:prstGeom prst="rect">
+            <a:avLst/>
+          </a:prstGeom>
+          <a:noFill/>
+        </p:spPr>
+        <p:txBody>
+          <a:bodyPr wrap="square" rtlCol="0">
+            <a:spAutoFit/>
+          </a:bodyPr>
+          <a:lstStyle/>
+          <a:p>
+            <a:r>
+              <a:rPr lang="en-US" b="1" dirty="0"/>
+              <a:t>Debt Liquidation</a:t>
+            </a:r>
+          </a:p>
+        </p:txBody>
+      </p:sp>
+      <p:cxnSp>
+        <p:nvCxnSpPr>
+          <p:cNvPr id="61" name="Straight Arrow Connector 60">
+            <a:extLst>
+              <a:ext uri="{FF2B5EF4-FFF2-40B4-BE49-F238E27FC236}">
+                <a16:creationId xmlns:a16="http://schemas.microsoft.com/office/drawing/2014/main" id="{69F92A72-991E-5C86-FFF1-CDCD56FDC4A1}"/>
+              </a:ext>
+            </a:extLst>
+          </p:cNvPr>
+          <p:cNvCxnSpPr>
+            <a:cxnSpLocks/>
+          </p:cNvCxnSpPr>
+          <p:nvPr/>
+        </p:nvCxnSpPr>
+        <p:spPr>
+          <a:xfrm flipH="1">
+            <a:off x="6493933" y="1414842"/>
+            <a:ext cx="1122812" cy="236918"/>
+          </a:xfrm>
+          <a:prstGeom prst="straightConnector1">
+            <a:avLst/>
+          </a:prstGeom>
+          <a:ln w="38100">
+            <a:solidFill>
+              <a:srgbClr val="FF0000"/>
+            </a:solidFill>
+            <a:tailEnd type="triangle"/>
+          </a:ln>
+        </p:spPr>
+        <p:style>
+          <a:lnRef idx="2">
+            <a:schemeClr val="accent1"/>
+          </a:lnRef>
+          <a:fillRef idx="0">
+            <a:schemeClr val="accent1"/>
+          </a:fillRef>
+          <a:effectRef idx="1">
+            <a:schemeClr val="accent1"/>
+          </a:effectRef>
+          <a:fontRef idx="minor">
+            <a:schemeClr val="tx1"/>
+          </a:fontRef>
+        </p:style>
+      </p:cxnSp>
+      <p:sp>
+        <p:nvSpPr>
+          <p:cNvPr id="5" name="Freeform: Shape 4">
+            <a:extLst>
+              <a:ext uri="{FF2B5EF4-FFF2-40B4-BE49-F238E27FC236}">
+                <a16:creationId xmlns:a16="http://schemas.microsoft.com/office/drawing/2014/main" id="{604D26F0-96FA-2EDE-285E-0171EEEA2F6D}"/>
+              </a:ext>
+            </a:extLst>
+          </p:cNvPr>
+          <p:cNvSpPr/>
+          <p:nvPr/>
+        </p:nvSpPr>
+        <p:spPr>
+          <a:xfrm>
+            <a:off x="6891037" y="2010833"/>
+            <a:ext cx="1641633" cy="2836333"/>
+          </a:xfrm>
+          <a:custGeom>
+            <a:avLst/>
+            <a:gdLst>
+              <a:gd name="connsiteX0" fmla="*/ 0 w 1641633"/>
+              <a:gd name="connsiteY0" fmla="*/ 0 h 2836333"/>
+              <a:gd name="connsiteX1" fmla="*/ 1532467 w 1641633"/>
+              <a:gd name="connsiteY1" fmla="*/ 1075267 h 2836333"/>
+              <a:gd name="connsiteX2" fmla="*/ 1481667 w 1641633"/>
+              <a:gd name="connsiteY2" fmla="*/ 2836333 h 2836333"/>
+            </a:gdLst>
+            <a:ahLst/>
+            <a:cxnLst>
+              <a:cxn ang="0">
+                <a:pos x="connsiteX0" y="connsiteY0"/>
+              </a:cxn>
+              <a:cxn ang="0">
+                <a:pos x="connsiteX1" y="connsiteY1"/>
+              </a:cxn>
+              <a:cxn ang="0">
+                <a:pos x="connsiteX2" y="connsiteY2"/>
+              </a:cxn>
+            </a:cxnLst>
+            <a:rect l="l" t="t" r="r" b="b"/>
+            <a:pathLst>
+              <a:path w="1641633" h="2836333">
+                <a:moveTo>
+                  <a:pt x="0" y="0"/>
+                </a:moveTo>
+                <a:cubicBezTo>
+                  <a:pt x="642761" y="301272"/>
+                  <a:pt x="1285523" y="602545"/>
+                  <a:pt x="1532467" y="1075267"/>
+                </a:cubicBezTo>
+                <a:cubicBezTo>
+                  <a:pt x="1779412" y="1547989"/>
+                  <a:pt x="1538111" y="2535766"/>
+                  <a:pt x="1481667" y="2836333"/>
+                </a:cubicBezTo>
+              </a:path>
+            </a:pathLst>
+          </a:custGeom>
+          <a:ln w="38100" cap="flat" cmpd="sng" algn="ctr">
+            <a:solidFill>
+              <a:schemeClr val="accent1"/>
+            </a:solidFill>
+            <a:prstDash val="solid"/>
+            <a:round/>
+            <a:headEnd type="none" w="med" len="med"/>
+            <a:tailEnd type="arrow" w="med" len="med"/>
+          </a:ln>
+        </p:spPr>
+        <p:style>
+          <a:lnRef idx="0">
+            <a:scrgbClr r="0" g="0" b="0"/>
+          </a:lnRef>
+          <a:fillRef idx="0">
+            <a:scrgbClr r="0" g="0" b="0"/>
+          </a:fillRef>
+          <a:effectRef idx="0">
+            <a:scrgbClr r="0" g="0" b="0"/>
+          </a:effectRef>
+          <a:fontRef idx="minor">
+            <a:schemeClr val="tx1"/>
+          </a:fontRef>
+        </p:style>
+        <p:txBody>
+          <a:bodyPr rtlCol="0" anchor="ctr"/>
+          <a:lstStyle/>
+          <a:p>
+            <a:pPr algn="ctr"/>
+            <a:endParaRPr lang="en-US"/>
+          </a:p>
+        </p:txBody>
+      </p:sp>
+      <p:sp>
+        <p:nvSpPr>
+          <p:cNvPr id="6" name="TextBox 5">
+            <a:extLst>
+              <a:ext uri="{FF2B5EF4-FFF2-40B4-BE49-F238E27FC236}">
+                <a16:creationId xmlns:a16="http://schemas.microsoft.com/office/drawing/2014/main" id="{480F5021-1F8B-5927-BA69-F1D6022F5563}"/>
+              </a:ext>
+            </a:extLst>
+          </p:cNvPr>
+          <p:cNvSpPr txBox="1"/>
+          <p:nvPr/>
+        </p:nvSpPr>
+        <p:spPr>
+          <a:xfrm>
+            <a:off x="8629648" y="3015558"/>
+            <a:ext cx="2090444" cy="369332"/>
+          </a:xfrm>
+          <a:prstGeom prst="rect">
+            <a:avLst/>
+          </a:prstGeom>
+          <a:noFill/>
+        </p:spPr>
+        <p:txBody>
+          <a:bodyPr wrap="none" rtlCol="0">
+            <a:spAutoFit/>
+          </a:bodyPr>
+          <a:lstStyle/>
+          <a:p>
+            <a:r>
+              <a:rPr lang="en-US" i="1" dirty="0"/>
+              <a:t>Decrease in money</a:t>
             </a:r>
           </a:p>
         </p:txBody>
@@ -4919,13 +11380,25 @@
     </p:spTree>
     <p:extLst>
       <p:ext uri="{BB962C8B-B14F-4D97-AF65-F5344CB8AC3E}">
-        <p14:creationId xmlns:p14="http://schemas.microsoft.com/office/powerpoint/2010/main" val="584722859"/>
+        <p14:creationId xmlns:p14="http://schemas.microsoft.com/office/powerpoint/2010/main" val="61376436"/>
       </p:ext>
     </p:extLst>
   </p:cSld>
   <p:clrMapOvr>
     <a:masterClrMapping/>
   </p:clrMapOvr>
+  <mc:AlternateContent xmlns:mc="http://schemas.openxmlformats.org/markup-compatibility/2006" xmlns:p159="http://schemas.microsoft.com/office/powerpoint/2015/09/main">
+    <mc:Choice Requires="p159">
+      <p:transition xmlns:p14="http://schemas.microsoft.com/office/powerpoint/2010/main" spd="slow" p14:dur="2000">
+        <p159:morph option="byObject"/>
+      </p:transition>
+    </mc:Choice>
+    <mc:Fallback xmlns="">
+      <p:transition spd="slow">
+        <p:fade/>
+      </p:transition>
+    </mc:Fallback>
+  </mc:AlternateContent>
 </p:sld>
 </file>
 
@@ -4951,7 +11424,7 @@
           <p:cNvPr id="2" name="Title 1">
             <a:extLst>
               <a:ext uri="{FF2B5EF4-FFF2-40B4-BE49-F238E27FC236}">
-                <a16:creationId xmlns:a16="http://schemas.microsoft.com/office/drawing/2014/main" id="{41F7D717-E83F-605F-7EFC-F19594BCE4F3}"/>
+                <a16:creationId xmlns:a16="http://schemas.microsoft.com/office/drawing/2014/main" id="{AA36A8A3-FBE8-0BF7-99A8-E19D29B5251F}"/>
               </a:ext>
             </a:extLst>
           </p:cNvPr>
@@ -4969,61 +11442,503 @@
           <a:p>
             <a:r>
               <a:rPr lang="en-US" dirty="0"/>
-              <a:t>Difficulties</a:t>
-            </a:r>
-          </a:p>
-        </p:txBody>
-      </p:sp>
-      <p:sp>
-        <p:nvSpPr>
-          <p:cNvPr id="3" name="Content Placeholder 2">
-            <a:extLst>
-              <a:ext uri="{FF2B5EF4-FFF2-40B4-BE49-F238E27FC236}">
-                <a16:creationId xmlns:a16="http://schemas.microsoft.com/office/drawing/2014/main" id="{E54F0311-5634-C5A8-16FD-3CB350D0B553}"/>
-              </a:ext>
-            </a:extLst>
-          </p:cNvPr>
-          <p:cNvSpPr>
-            <a:spLocks noGrp="1"/>
-          </p:cNvSpPr>
-          <p:nvPr>
-            <p:ph idx="1"/>
-          </p:nvPr>
-        </p:nvSpPr>
-        <p:spPr/>
-        <p:txBody>
-          <a:bodyPr/>
-          <a:lstStyle/>
-          <a:p>
-            <a:r>
-              <a:rPr lang="en-US" dirty="0"/>
-              <a:t>Too extreme boom-busts</a:t>
-            </a:r>
-          </a:p>
-          <a:p>
-            <a:r>
-              <a:rPr lang="en-US" dirty="0"/>
-              <a:t>Companies hate debt (beta small)</a:t>
-            </a:r>
-          </a:p>
-          <a:p>
-            <a:r>
-              <a:rPr lang="en-US" dirty="0"/>
-              <a:t>Greedy bank</a:t>
-            </a:r>
+              <a:t>What is a company?</a:t>
+            </a:r>
+          </a:p>
+        </p:txBody>
+      </p:sp>
+      <p:grpSp>
+        <p:nvGrpSpPr>
+          <p:cNvPr id="13" name="Group 12">
+            <a:extLst>
+              <a:ext uri="{FF2B5EF4-FFF2-40B4-BE49-F238E27FC236}">
+                <a16:creationId xmlns:a16="http://schemas.microsoft.com/office/drawing/2014/main" id="{5CC63577-3D5B-2F67-28A8-96CD9AF4EC5E}"/>
+              </a:ext>
+            </a:extLst>
+          </p:cNvPr>
+          <p:cNvGrpSpPr/>
+          <p:nvPr/>
+        </p:nvGrpSpPr>
+        <p:grpSpPr>
+          <a:xfrm>
+            <a:off x="2324101" y="1542302"/>
+            <a:ext cx="7785097" cy="3919902"/>
+            <a:chOff x="5888567" y="344675"/>
+            <a:chExt cx="7785097" cy="3919902"/>
+          </a:xfrm>
+        </p:grpSpPr>
+        <p:pic>
+          <p:nvPicPr>
+            <p:cNvPr id="1028" name="Picture 4">
+              <a:extLst>
+                <a:ext uri="{FF2B5EF4-FFF2-40B4-BE49-F238E27FC236}">
+                  <a16:creationId xmlns:a16="http://schemas.microsoft.com/office/drawing/2014/main" id="{7BDF903E-836A-F22C-6C3C-D17A95EC9BB8}"/>
+                </a:ext>
+              </a:extLst>
+            </p:cNvPr>
+            <p:cNvPicPr>
+              <a:picLocks noChangeAspect="1" noChangeArrowheads="1"/>
+            </p:cNvPicPr>
+            <p:nvPr/>
+          </p:nvPicPr>
+          <p:blipFill>
+            <a:blip r:embed="rId3">
+              <a:extLst>
+                <a:ext uri="{28A0092B-C50C-407E-A947-70E740481C1C}">
+                  <a14:useLocalDpi xmlns:a14="http://schemas.microsoft.com/office/drawing/2010/main" val="0"/>
+                </a:ext>
+              </a:extLst>
+            </a:blip>
+            <a:srcRect/>
+            <a:stretch>
+              <a:fillRect/>
+            </a:stretch>
+          </p:blipFill>
+          <p:spPr bwMode="auto">
+            <a:xfrm>
+              <a:off x="7933267" y="344675"/>
+              <a:ext cx="2692399" cy="2692399"/>
+            </a:xfrm>
+            <a:prstGeom prst="rect">
+              <a:avLst/>
+            </a:prstGeom>
+            <a:noFill/>
+            <a:extLst>
+              <a:ext uri="{909E8E84-426E-40DD-AFC4-6F175D3DCCD1}">
+                <a14:hiddenFill xmlns:a14="http://schemas.microsoft.com/office/drawing/2010/main">
+                  <a:solidFill>
+                    <a:srgbClr val="FFFFFF"/>
+                  </a:solidFill>
+                </a14:hiddenFill>
+              </a:ext>
+            </a:extLst>
+          </p:spPr>
+        </p:pic>
+        <p:cxnSp>
+          <p:nvCxnSpPr>
+            <p:cNvPr id="5" name="Straight Connector 4">
+              <a:extLst>
+                <a:ext uri="{FF2B5EF4-FFF2-40B4-BE49-F238E27FC236}">
+                  <a16:creationId xmlns:a16="http://schemas.microsoft.com/office/drawing/2014/main" id="{B8CE94C6-BD2E-E78C-A2AE-3FA7F14DD491}"/>
+                </a:ext>
+              </a:extLst>
+            </p:cNvPr>
+            <p:cNvCxnSpPr/>
+            <p:nvPr/>
+          </p:nvCxnSpPr>
+          <p:spPr>
+            <a:xfrm flipV="1">
+              <a:off x="7188200" y="2387933"/>
+              <a:ext cx="1007533" cy="1041400"/>
+            </a:xfrm>
+            <a:prstGeom prst="line">
+              <a:avLst/>
+            </a:prstGeom>
+            <a:ln w="38100">
+              <a:solidFill>
+                <a:schemeClr val="accent1"/>
+              </a:solidFill>
+            </a:ln>
+          </p:spPr>
+          <p:style>
+            <a:lnRef idx="2">
+              <a:schemeClr val="accent1"/>
+            </a:lnRef>
+            <a:fillRef idx="0">
+              <a:schemeClr val="accent1"/>
+            </a:fillRef>
+            <a:effectRef idx="1">
+              <a:schemeClr val="accent1"/>
+            </a:effectRef>
+            <a:fontRef idx="minor">
+              <a:schemeClr val="tx1"/>
+            </a:fontRef>
+          </p:style>
+        </p:cxnSp>
+        <p:sp>
+          <p:nvSpPr>
+            <p:cNvPr id="6" name="TextBox 5">
+              <a:extLst>
+                <a:ext uri="{FF2B5EF4-FFF2-40B4-BE49-F238E27FC236}">
+                  <a16:creationId xmlns:a16="http://schemas.microsoft.com/office/drawing/2014/main" id="{707115E3-3E0B-37B0-88F5-F03F52E837B1}"/>
+                </a:ext>
+              </a:extLst>
+            </p:cNvPr>
+            <p:cNvSpPr txBox="1"/>
+            <p:nvPr/>
+          </p:nvSpPr>
+          <p:spPr>
+            <a:xfrm>
+              <a:off x="5888567" y="3464357"/>
+              <a:ext cx="2599266" cy="584775"/>
+            </a:xfrm>
+            <a:prstGeom prst="rect">
+              <a:avLst/>
+            </a:prstGeom>
+            <a:noFill/>
+          </p:spPr>
+          <p:txBody>
+            <a:bodyPr wrap="square" rtlCol="0">
+              <a:spAutoFit/>
+            </a:bodyPr>
+            <a:lstStyle/>
+            <a:p>
+              <a:r>
+                <a:rPr lang="en-US" dirty="0"/>
+                <a:t>Production capacity </a:t>
+              </a:r>
+              <a:r>
+                <a:rPr lang="en-US" i="1" dirty="0"/>
+                <a:t>p</a:t>
+              </a:r>
+            </a:p>
+            <a:p>
+              <a:r>
+                <a:rPr lang="en-US" sz="1400" dirty="0"/>
+                <a:t>(Employees, equipment etc.)</a:t>
+              </a:r>
+            </a:p>
+          </p:txBody>
+        </p:sp>
+        <p:cxnSp>
+          <p:nvCxnSpPr>
+            <p:cNvPr id="7" name="Straight Connector 6">
+              <a:extLst>
+                <a:ext uri="{FF2B5EF4-FFF2-40B4-BE49-F238E27FC236}">
+                  <a16:creationId xmlns:a16="http://schemas.microsoft.com/office/drawing/2014/main" id="{494D82AF-AB43-5EF6-CA6E-A942F075F85B}"/>
+                </a:ext>
+              </a:extLst>
+            </p:cNvPr>
+            <p:cNvCxnSpPr>
+              <a:cxnSpLocks/>
+            </p:cNvCxnSpPr>
+            <p:nvPr/>
+          </p:nvCxnSpPr>
+          <p:spPr>
+            <a:xfrm>
+              <a:off x="10405534" y="2467507"/>
+              <a:ext cx="965199" cy="1003782"/>
+            </a:xfrm>
+            <a:prstGeom prst="line">
+              <a:avLst/>
+            </a:prstGeom>
+            <a:ln w="38100">
+              <a:solidFill>
+                <a:schemeClr val="accent1"/>
+              </a:solidFill>
+            </a:ln>
+          </p:spPr>
+          <p:style>
+            <a:lnRef idx="2">
+              <a:schemeClr val="accent1"/>
+            </a:lnRef>
+            <a:fillRef idx="0">
+              <a:schemeClr val="accent1"/>
+            </a:fillRef>
+            <a:effectRef idx="1">
+              <a:schemeClr val="accent1"/>
+            </a:effectRef>
+            <a:fontRef idx="minor">
+              <a:schemeClr val="tx1"/>
+            </a:fontRef>
+          </p:style>
+        </p:cxnSp>
+        <p:sp>
+          <p:nvSpPr>
+            <p:cNvPr id="9" name="TextBox 8">
+              <a:extLst>
+                <a:ext uri="{FF2B5EF4-FFF2-40B4-BE49-F238E27FC236}">
+                  <a16:creationId xmlns:a16="http://schemas.microsoft.com/office/drawing/2014/main" id="{05EA69FE-1A68-033E-02F1-4C24783000C1}"/>
+                </a:ext>
+              </a:extLst>
+            </p:cNvPr>
+            <p:cNvSpPr txBox="1"/>
+            <p:nvPr/>
+          </p:nvSpPr>
+          <p:spPr>
+            <a:xfrm>
+              <a:off x="10972801" y="3464358"/>
+              <a:ext cx="2700863" cy="800219"/>
+            </a:xfrm>
+            <a:prstGeom prst="rect">
+              <a:avLst/>
+            </a:prstGeom>
+            <a:noFill/>
+          </p:spPr>
+          <p:txBody>
+            <a:bodyPr wrap="square" rtlCol="0">
+              <a:spAutoFit/>
+            </a:bodyPr>
+            <a:lstStyle/>
+            <a:p>
+              <a:r>
+                <a:rPr lang="en-US" dirty="0"/>
+                <a:t>Debt </a:t>
+              </a:r>
+              <a:r>
+                <a:rPr lang="en-US" i="1" dirty="0"/>
+                <a:t>d</a:t>
+              </a:r>
+            </a:p>
+            <a:p>
+              <a:r>
+                <a:rPr lang="en-US" sz="1400" dirty="0"/>
+                <a:t>(Negative d = money)</a:t>
+              </a:r>
+            </a:p>
+            <a:p>
+              <a:endParaRPr lang="en-US" sz="1400" dirty="0"/>
+            </a:p>
+          </p:txBody>
+        </p:sp>
+        <p:cxnSp>
+          <p:nvCxnSpPr>
+            <p:cNvPr id="10" name="Straight Connector 9">
+              <a:extLst>
+                <a:ext uri="{FF2B5EF4-FFF2-40B4-BE49-F238E27FC236}">
+                  <a16:creationId xmlns:a16="http://schemas.microsoft.com/office/drawing/2014/main" id="{F8283225-EF6F-0FF8-F352-71AD8B3F2E8C}"/>
+                </a:ext>
+              </a:extLst>
+            </p:cNvPr>
+            <p:cNvCxnSpPr>
+              <a:cxnSpLocks/>
+            </p:cNvCxnSpPr>
+            <p:nvPr/>
+          </p:nvCxnSpPr>
+          <p:spPr>
+            <a:xfrm flipV="1">
+              <a:off x="9355667" y="2886199"/>
+              <a:ext cx="0" cy="805268"/>
+            </a:xfrm>
+            <a:prstGeom prst="line">
+              <a:avLst/>
+            </a:prstGeom>
+            <a:ln w="28575" cap="flat" cmpd="sng" algn="ctr">
+              <a:solidFill>
+                <a:schemeClr val="accent1"/>
+              </a:solidFill>
+              <a:prstDash val="dash"/>
+              <a:round/>
+              <a:headEnd type="none" w="med" len="med"/>
+              <a:tailEnd type="none" w="med" len="med"/>
+            </a:ln>
+          </p:spPr>
+          <p:style>
+            <a:lnRef idx="0">
+              <a:scrgbClr r="0" g="0" b="0"/>
+            </a:lnRef>
+            <a:fillRef idx="0">
+              <a:scrgbClr r="0" g="0" b="0"/>
+            </a:fillRef>
+            <a:effectRef idx="0">
+              <a:scrgbClr r="0" g="0" b="0"/>
+            </a:effectRef>
+            <a:fontRef idx="minor">
+              <a:schemeClr val="tx1"/>
+            </a:fontRef>
+          </p:style>
+        </p:cxnSp>
+        <p:sp>
+          <p:nvSpPr>
+            <p:cNvPr id="12" name="TextBox 11">
+              <a:extLst>
+                <a:ext uri="{FF2B5EF4-FFF2-40B4-BE49-F238E27FC236}">
+                  <a16:creationId xmlns:a16="http://schemas.microsoft.com/office/drawing/2014/main" id="{590F7BC8-8243-B4F5-290C-E9F7357B2F79}"/>
+                </a:ext>
+              </a:extLst>
+            </p:cNvPr>
+            <p:cNvSpPr txBox="1"/>
+            <p:nvPr/>
+          </p:nvSpPr>
+          <p:spPr>
+            <a:xfrm>
+              <a:off x="8622252" y="3748738"/>
+              <a:ext cx="1699677" cy="369332"/>
+            </a:xfrm>
+            <a:prstGeom prst="rect">
+              <a:avLst/>
+            </a:prstGeom>
+            <a:noFill/>
+          </p:spPr>
+          <p:txBody>
+            <a:bodyPr wrap="square" rtlCol="0">
+              <a:spAutoFit/>
+            </a:bodyPr>
+            <a:lstStyle/>
+            <a:p>
+              <a:r>
+                <a:rPr lang="en-US" dirty="0"/>
+                <a:t>Confidence </a:t>
+              </a:r>
+              <a:r>
+                <a:rPr lang="el-GR" sz="1800" i="0" dirty="0">
+                  <a:solidFill>
+                    <a:srgbClr val="202122"/>
+                  </a:solidFill>
+                  <a:effectLst/>
+                  <a:latin typeface="SBL BibLit"/>
+                </a:rPr>
+                <a:t>β</a:t>
+              </a:r>
+              <a:endParaRPr lang="en-US" i="1" dirty="0"/>
+            </a:p>
+          </p:txBody>
+        </p:sp>
+      </p:grpSp>
+      <p:sp>
+        <p:nvSpPr>
+          <p:cNvPr id="14" name="TextBox 13">
+            <a:extLst>
+              <a:ext uri="{FF2B5EF4-FFF2-40B4-BE49-F238E27FC236}">
+                <a16:creationId xmlns:a16="http://schemas.microsoft.com/office/drawing/2014/main" id="{D1F12CA3-63D4-B20C-35F0-069FD703CF7B}"/>
+              </a:ext>
+            </a:extLst>
+          </p:cNvPr>
+          <p:cNvSpPr txBox="1"/>
+          <p:nvPr/>
+        </p:nvSpPr>
+        <p:spPr>
+          <a:xfrm>
+            <a:off x="8796868" y="1936841"/>
+            <a:ext cx="3039531" cy="1862048"/>
+          </a:xfrm>
+          <a:prstGeom prst="rect">
+            <a:avLst/>
+          </a:prstGeom>
+          <a:noFill/>
+        </p:spPr>
+        <p:txBody>
+          <a:bodyPr wrap="square" rtlCol="0">
+            <a:spAutoFit/>
+          </a:bodyPr>
+          <a:lstStyle/>
+          <a:p>
+            <a:r>
+              <a:rPr lang="en-GB" sz="9600" i="0" dirty="0">
+                <a:solidFill>
+                  <a:srgbClr val="202122"/>
+                </a:solidFill>
+                <a:effectLst/>
+                <a:latin typeface="Arial" panose="020B0604020202020204" pitchFamily="34" charset="0"/>
+              </a:rPr>
+              <a:t>× </a:t>
+            </a:r>
+            <a:r>
+              <a:rPr lang="en-US" sz="11500" i="1" dirty="0"/>
+              <a:t>N</a:t>
+            </a:r>
+            <a:endParaRPr lang="en-US" sz="11500" dirty="0"/>
           </a:p>
         </p:txBody>
       </p:sp>
     </p:spTree>
     <p:extLst>
       <p:ext uri="{BB962C8B-B14F-4D97-AF65-F5344CB8AC3E}">
-        <p14:creationId xmlns:p14="http://schemas.microsoft.com/office/powerpoint/2010/main" val="3187477386"/>
+        <p14:creationId xmlns:p14="http://schemas.microsoft.com/office/powerpoint/2010/main" val="42966360"/>
       </p:ext>
     </p:extLst>
   </p:cSld>
   <p:clrMapOvr>
     <a:masterClrMapping/>
   </p:clrMapOvr>
+  <mc:AlternateContent xmlns:mc="http://schemas.openxmlformats.org/markup-compatibility/2006" xmlns:p159="http://schemas.microsoft.com/office/powerpoint/2015/09/main">
+    <mc:Choice Requires="p159">
+      <p:transition xmlns:p14="http://schemas.microsoft.com/office/powerpoint/2010/main" spd="slow" p14:dur="2000">
+        <p159:morph option="byObject"/>
+      </p:transition>
+    </mc:Choice>
+    <mc:Fallback xmlns="">
+      <p:transition spd="slow">
+        <p:fade/>
+      </p:transition>
+    </mc:Fallback>
+  </mc:AlternateContent>
+  <p:timing>
+    <p:tnLst>
+      <p:par>
+        <p:cTn id="1" dur="indefinite" restart="never" nodeType="tmRoot">
+          <p:childTnLst>
+            <p:seq concurrent="1" nextAc="seek">
+              <p:cTn id="2" dur="indefinite" nodeType="mainSeq">
+                <p:childTnLst>
+                  <p:par>
+                    <p:cTn id="3" fill="hold">
+                      <p:stCondLst>
+                        <p:cond delay="indefinite"/>
+                      </p:stCondLst>
+                      <p:childTnLst>
+                        <p:par>
+                          <p:cTn id="4" fill="hold">
+                            <p:stCondLst>
+                              <p:cond delay="0"/>
+                            </p:stCondLst>
+                            <p:childTnLst>
+                              <p:par>
+                                <p:cTn id="5" presetID="10" presetClass="entr" presetSubtype="0" fill="hold" grpId="0" nodeType="clickEffect">
+                                  <p:stCondLst>
+                                    <p:cond delay="0"/>
+                                  </p:stCondLst>
+                                  <p:childTnLst>
+                                    <p:set>
+                                      <p:cBhvr>
+                                        <p:cTn id="6" dur="1" fill="hold">
+                                          <p:stCondLst>
+                                            <p:cond delay="0"/>
+                                          </p:stCondLst>
+                                        </p:cTn>
+                                        <p:tgtEl>
+                                          <p:spTgt spid="14"/>
+                                        </p:tgtEl>
+                                        <p:attrNameLst>
+                                          <p:attrName>style.visibility</p:attrName>
+                                        </p:attrNameLst>
+                                      </p:cBhvr>
+                                      <p:to>
+                                        <p:strVal val="visible"/>
+                                      </p:to>
+                                    </p:set>
+                                    <p:animEffect transition="in" filter="fade">
+                                      <p:cBhvr>
+                                        <p:cTn id="7" dur="500"/>
+                                        <p:tgtEl>
+                                          <p:spTgt spid="14"/>
+                                        </p:tgtEl>
+                                      </p:cBhvr>
+                                    </p:animEffect>
+                                  </p:childTnLst>
+                                </p:cTn>
+                              </p:par>
+                            </p:childTnLst>
+                          </p:cTn>
+                        </p:par>
+                      </p:childTnLst>
+                    </p:cTn>
+                  </p:par>
+                </p:childTnLst>
+              </p:cTn>
+              <p:prevCondLst>
+                <p:cond evt="onPrev" delay="0">
+                  <p:tgtEl>
+                    <p:sldTgt/>
+                  </p:tgtEl>
+                </p:cond>
+              </p:prevCondLst>
+              <p:nextCondLst>
+                <p:cond evt="onNext" delay="0">
+                  <p:tgtEl>
+                    <p:sldTgt/>
+                  </p:tgtEl>
+                </p:cond>
+              </p:nextCondLst>
+            </p:seq>
+          </p:childTnLst>
+        </p:cTn>
+      </p:par>
+    </p:tnLst>
+    <p:bldLst>
+      <p:bldP spid="14" grpId="0"/>
+    </p:bldLst>
+  </p:timing>
 </p:sld>
 </file>
 
@@ -5049,7 +11964,7 @@
           <p:cNvPr id="2" name="Title 1">
             <a:extLst>
               <a:ext uri="{FF2B5EF4-FFF2-40B4-BE49-F238E27FC236}">
-                <a16:creationId xmlns:a16="http://schemas.microsoft.com/office/drawing/2014/main" id="{7E02B3FC-88DC-04C3-67BB-21954268D7FB}"/>
+                <a16:creationId xmlns:a16="http://schemas.microsoft.com/office/drawing/2014/main" id="{AA36A8A3-FBE8-0BF7-99A8-E19D29B5251F}"/>
               </a:ext>
             </a:extLst>
           </p:cNvPr>
@@ -5067,108 +11982,788 @@
           <a:p>
             <a:r>
               <a:rPr lang="en-US" dirty="0"/>
-              <a:t>References</a:t>
-            </a:r>
-          </a:p>
-        </p:txBody>
-      </p:sp>
-      <p:sp>
-        <p:nvSpPr>
-          <p:cNvPr id="3" name="Content Placeholder 2">
-            <a:extLst>
-              <a:ext uri="{FF2B5EF4-FFF2-40B4-BE49-F238E27FC236}">
-                <a16:creationId xmlns:a16="http://schemas.microsoft.com/office/drawing/2014/main" id="{AC643A9A-5831-8408-7B06-1088B43BEBF9}"/>
-              </a:ext>
-            </a:extLst>
-          </p:cNvPr>
-          <p:cNvSpPr>
-            <a:spLocks noGrp="1"/>
-          </p:cNvSpPr>
-          <p:nvPr>
-            <p:ph idx="1"/>
-          </p:nvPr>
-        </p:nvSpPr>
-        <p:spPr/>
-        <p:txBody>
-          <a:bodyPr/>
-          <a:lstStyle/>
-          <a:p>
-            <a:pPr marL="0" indent="0">
-              <a:buNone/>
-            </a:pPr>
-            <a:r>
-              <a:rPr lang="en-US" sz="2800" b="1" dirty="0"/>
-              <a:t>[Stiglitz18]</a:t>
-            </a:r>
-            <a:r>
-              <a:rPr lang="en-US" b="0" i="0" dirty="0">
+              <a:t>How do companies interact?</a:t>
+            </a:r>
+          </a:p>
+        </p:txBody>
+      </p:sp>
+      <p:sp>
+        <p:nvSpPr>
+          <p:cNvPr id="4" name="TextBox 3">
+            <a:extLst>
+              <a:ext uri="{FF2B5EF4-FFF2-40B4-BE49-F238E27FC236}">
+                <a16:creationId xmlns:a16="http://schemas.microsoft.com/office/drawing/2014/main" id="{BD553F96-0B7E-79EF-8B67-42EE5085377C}"/>
+              </a:ext>
+            </a:extLst>
+          </p:cNvPr>
+          <p:cNvSpPr txBox="1"/>
+          <p:nvPr/>
+        </p:nvSpPr>
+        <p:spPr>
+          <a:xfrm>
+            <a:off x="3287946" y="6179730"/>
+            <a:ext cx="6649720" cy="400110"/>
+          </a:xfrm>
+          <a:prstGeom prst="rect">
+            <a:avLst/>
+          </a:prstGeom>
+          <a:noFill/>
+        </p:spPr>
+        <p:txBody>
+          <a:bodyPr wrap="square" rtlCol="0">
+            <a:spAutoFit/>
+          </a:bodyPr>
+          <a:lstStyle/>
+          <a:p>
+            <a:r>
+              <a:rPr lang="en-US" sz="2000" i="1" dirty="0"/>
+              <a:t>Transactions convert debt to production capacity</a:t>
+            </a:r>
+          </a:p>
+        </p:txBody>
+      </p:sp>
+      <p:sp>
+        <p:nvSpPr>
+          <p:cNvPr id="19" name="TextBox 18">
+            <a:extLst>
+              <a:ext uri="{FF2B5EF4-FFF2-40B4-BE49-F238E27FC236}">
+                <a16:creationId xmlns:a16="http://schemas.microsoft.com/office/drawing/2014/main" id="{C71B6192-E19E-F83A-EDC1-D80DAB1BC2C2}"/>
+              </a:ext>
+            </a:extLst>
+          </p:cNvPr>
+          <p:cNvSpPr txBox="1"/>
+          <p:nvPr/>
+        </p:nvSpPr>
+        <p:spPr>
+          <a:xfrm>
+            <a:off x="5348583" y="1677081"/>
+            <a:ext cx="2402392" cy="400110"/>
+          </a:xfrm>
+          <a:prstGeom prst="rect">
+            <a:avLst/>
+          </a:prstGeom>
+          <a:noFill/>
+        </p:spPr>
+        <p:txBody>
+          <a:bodyPr wrap="square" rtlCol="0">
+            <a:spAutoFit/>
+          </a:bodyPr>
+          <a:lstStyle/>
+          <a:p>
+            <a:r>
+              <a:rPr lang="en-US" sz="2000" dirty="0"/>
+              <a:t>Transfer money</a:t>
+            </a:r>
+          </a:p>
+        </p:txBody>
+      </p:sp>
+      <p:pic>
+        <p:nvPicPr>
+          <p:cNvPr id="31" name="Picture 30">
+            <a:extLst>
+              <a:ext uri="{FF2B5EF4-FFF2-40B4-BE49-F238E27FC236}">
+                <a16:creationId xmlns:a16="http://schemas.microsoft.com/office/drawing/2014/main" id="{B5B33208-66FD-CAF7-E9C9-E0478D354E69}"/>
+              </a:ext>
+            </a:extLst>
+          </p:cNvPr>
+          <p:cNvPicPr>
+            <a:picLocks noChangeAspect="1"/>
+          </p:cNvPicPr>
+          <p:nvPr/>
+        </p:nvPicPr>
+        <p:blipFill>
+          <a:blip r:embed="rId3">
+            <a:extLst>
+              <a:ext uri="{BEBA8EAE-BF5A-486C-A8C5-ECC9F3942E4B}">
+                <a14:imgProps xmlns:a14="http://schemas.microsoft.com/office/drawing/2010/main">
+                  <a14:imgLayer r:embed="rId4">
+                    <a14:imgEffect>
+                      <a14:backgroundRemoval t="8696" b="89130" l="3879" r="38954">
+                        <a14:foregroundMark x1="10624" y1="34783" x2="12985" y2="65217"/>
+                        <a14:foregroundMark x1="36256" y1="81884" x2="16863" y2="70290"/>
+                        <a14:foregroundMark x1="33727" y1="44928" x2="38954" y2="48551"/>
+                      </a14:backgroundRemoval>
+                    </a14:imgEffect>
+                  </a14:imgLayer>
+                </a14:imgProps>
+              </a:ext>
+            </a:extLst>
+          </a:blip>
+          <a:srcRect r="61151"/>
+          <a:stretch/>
+        </p:blipFill>
+        <p:spPr>
+          <a:xfrm>
+            <a:off x="4437827" y="1827428"/>
+            <a:ext cx="741757" cy="444328"/>
+          </a:xfrm>
+          <a:prstGeom prst="rect">
+            <a:avLst/>
+          </a:prstGeom>
+        </p:spPr>
+      </p:pic>
+      <p:pic>
+        <p:nvPicPr>
+          <p:cNvPr id="2050" name="Picture 2">
+            <a:extLst>
+              <a:ext uri="{FF2B5EF4-FFF2-40B4-BE49-F238E27FC236}">
+                <a16:creationId xmlns:a16="http://schemas.microsoft.com/office/drawing/2014/main" id="{816F5FBC-DCC6-E206-D5B5-91A85773C7EF}"/>
+              </a:ext>
+            </a:extLst>
+          </p:cNvPr>
+          <p:cNvPicPr>
+            <a:picLocks noChangeAspect="1" noChangeArrowheads="1"/>
+          </p:cNvPicPr>
+          <p:nvPr/>
+        </p:nvPicPr>
+        <p:blipFill rotWithShape="1">
+          <a:blip r:embed="rId5">
+            <a:extLst>
+              <a:ext uri="{28A0092B-C50C-407E-A947-70E740481C1C}">
+                <a14:useLocalDpi xmlns:a14="http://schemas.microsoft.com/office/drawing/2010/main" val="0"/>
+              </a:ext>
+            </a:extLst>
+          </a:blip>
+          <a:srcRect l="14387" t="3646" r="12813" b="36303"/>
+          <a:stretch/>
+        </p:blipFill>
+        <p:spPr bwMode="auto">
+          <a:xfrm>
+            <a:off x="3154016" y="3127892"/>
+            <a:ext cx="2359480" cy="1267205"/>
+          </a:xfrm>
+          <a:prstGeom prst="rect">
+            <a:avLst/>
+          </a:prstGeom>
+          <a:noFill/>
+          <a:extLst>
+            <a:ext uri="{909E8E84-426E-40DD-AFC4-6F175D3DCCD1}">
+              <a14:hiddenFill xmlns:a14="http://schemas.microsoft.com/office/drawing/2010/main">
                 <a:solidFill>
-                  <a:srgbClr val="222222"/>
+                  <a:srgbClr val="FFFFFF"/>
                 </a:solidFill>
-                <a:effectLst/>
-                <a:latin typeface="Arial" panose="020B0604020202020204" pitchFamily="34" charset="0"/>
-              </a:rPr>
-              <a:t> Stiglitz, J. E. (2018). Where modern macroeconomics went wrong. </a:t>
-            </a:r>
-            <a:r>
-              <a:rPr lang="en-US" b="0" i="1" dirty="0">
+              </a14:hiddenFill>
+            </a:ext>
+          </a:extLst>
+        </p:spPr>
+      </p:pic>
+      <p:pic>
+        <p:nvPicPr>
+          <p:cNvPr id="2052" name="Picture 4">
+            <a:extLst>
+              <a:ext uri="{FF2B5EF4-FFF2-40B4-BE49-F238E27FC236}">
+                <a16:creationId xmlns:a16="http://schemas.microsoft.com/office/drawing/2014/main" id="{6A26CD17-8079-DCF7-5895-434755C20B8E}"/>
+              </a:ext>
+            </a:extLst>
+          </p:cNvPr>
+          <p:cNvPicPr>
+            <a:picLocks noChangeAspect="1" noChangeArrowheads="1"/>
+          </p:cNvPicPr>
+          <p:nvPr/>
+        </p:nvPicPr>
+        <p:blipFill rotWithShape="1">
+          <a:blip r:embed="rId6">
+            <a:extLst>
+              <a:ext uri="{28A0092B-C50C-407E-A947-70E740481C1C}">
+                <a14:useLocalDpi xmlns:a14="http://schemas.microsoft.com/office/drawing/2010/main" val="0"/>
+              </a:ext>
+            </a:extLst>
+          </a:blip>
+          <a:srcRect l="17653" t="27477" r="17274" b="30255"/>
+          <a:stretch/>
+        </p:blipFill>
+        <p:spPr bwMode="auto">
+          <a:xfrm>
+            <a:off x="6888264" y="3111763"/>
+            <a:ext cx="2937933" cy="1433232"/>
+          </a:xfrm>
+          <a:prstGeom prst="rect">
+            <a:avLst/>
+          </a:prstGeom>
+          <a:noFill/>
+          <a:extLst>
+            <a:ext uri="{909E8E84-426E-40DD-AFC4-6F175D3DCCD1}">
+              <a14:hiddenFill xmlns:a14="http://schemas.microsoft.com/office/drawing/2010/main">
                 <a:solidFill>
-                  <a:srgbClr val="222222"/>
+                  <a:srgbClr val="FFFFFF"/>
                 </a:solidFill>
-                <a:effectLst/>
-                <a:latin typeface="Arial" panose="020B0604020202020204" pitchFamily="34" charset="0"/>
-              </a:rPr>
-              <a:t>Oxford Review of Economic Policy</a:t>
-            </a:r>
-            <a:r>
-              <a:rPr lang="en-US" b="0" i="0" dirty="0">
-                <a:solidFill>
-                  <a:srgbClr val="222222"/>
-                </a:solidFill>
-                <a:effectLst/>
-                <a:latin typeface="Arial" panose="020B0604020202020204" pitchFamily="34" charset="0"/>
-              </a:rPr>
-              <a:t>, </a:t>
-            </a:r>
-            <a:r>
-              <a:rPr lang="en-US" b="0" i="1" dirty="0">
-                <a:solidFill>
-                  <a:srgbClr val="222222"/>
-                </a:solidFill>
-                <a:effectLst/>
-                <a:latin typeface="Arial" panose="020B0604020202020204" pitchFamily="34" charset="0"/>
-              </a:rPr>
-              <a:t>34</a:t>
-            </a:r>
-            <a:r>
-              <a:rPr lang="en-US" b="0" i="0" dirty="0">
-                <a:solidFill>
-                  <a:srgbClr val="222222"/>
-                </a:solidFill>
-                <a:effectLst/>
-                <a:latin typeface="Arial" panose="020B0604020202020204" pitchFamily="34" charset="0"/>
-              </a:rPr>
-              <a:t>(1-2), 70-106.</a:t>
-            </a:r>
-          </a:p>
-          <a:p>
-            <a:pPr marL="0" indent="0">
-              <a:buNone/>
-            </a:pPr>
-            <a:endParaRPr lang="en-US" dirty="0"/>
-          </a:p>
-        </p:txBody>
-      </p:sp>
+              </a14:hiddenFill>
+            </a:ext>
+          </a:extLst>
+        </p:spPr>
+      </p:pic>
+      <p:sp>
+        <p:nvSpPr>
+          <p:cNvPr id="15" name="Arrow: Curved Down 14">
+            <a:extLst>
+              <a:ext uri="{FF2B5EF4-FFF2-40B4-BE49-F238E27FC236}">
+                <a16:creationId xmlns:a16="http://schemas.microsoft.com/office/drawing/2014/main" id="{427F928F-C872-E0A6-600E-CAD504DFCE3B}"/>
+              </a:ext>
+            </a:extLst>
+          </p:cNvPr>
+          <p:cNvSpPr/>
+          <p:nvPr/>
+        </p:nvSpPr>
+        <p:spPr>
+          <a:xfrm>
+            <a:off x="4150876" y="2100511"/>
+            <a:ext cx="4360846" cy="1011899"/>
+          </a:xfrm>
+          <a:prstGeom prst="curvedDownArrow">
+            <a:avLst/>
+          </a:prstGeom>
+        </p:spPr>
+        <p:style>
+          <a:lnRef idx="2">
+            <a:schemeClr val="accent1">
+              <a:shade val="15000"/>
+            </a:schemeClr>
+          </a:lnRef>
+          <a:fillRef idx="1">
+            <a:schemeClr val="accent1"/>
+          </a:fillRef>
+          <a:effectRef idx="0">
+            <a:schemeClr val="accent1"/>
+          </a:effectRef>
+          <a:fontRef idx="minor">
+            <a:schemeClr val="lt1"/>
+          </a:fontRef>
+        </p:style>
+        <p:txBody>
+          <a:bodyPr rtlCol="0" anchor="ctr"/>
+          <a:lstStyle/>
+          <a:p>
+            <a:pPr algn="ctr"/>
+            <a:endParaRPr lang="en-US">
+              <a:solidFill>
+                <a:schemeClr val="tx1"/>
+              </a:solidFill>
+            </a:endParaRPr>
+          </a:p>
+        </p:txBody>
+      </p:sp>
+      <p:sp>
+        <p:nvSpPr>
+          <p:cNvPr id="21" name="Arrow: Curved Down 20">
+            <a:extLst>
+              <a:ext uri="{FF2B5EF4-FFF2-40B4-BE49-F238E27FC236}">
+                <a16:creationId xmlns:a16="http://schemas.microsoft.com/office/drawing/2014/main" id="{B917B41C-4A5E-0EDB-F859-049A6AA19485}"/>
+              </a:ext>
+            </a:extLst>
+          </p:cNvPr>
+          <p:cNvSpPr/>
+          <p:nvPr/>
+        </p:nvSpPr>
+        <p:spPr>
+          <a:xfrm rot="10800000">
+            <a:off x="4020457" y="4496935"/>
+            <a:ext cx="4360846" cy="1011899"/>
+          </a:xfrm>
+          <a:prstGeom prst="curvedDownArrow">
+            <a:avLst/>
+          </a:prstGeom>
+        </p:spPr>
+        <p:style>
+          <a:lnRef idx="2">
+            <a:schemeClr val="accent1">
+              <a:shade val="15000"/>
+            </a:schemeClr>
+          </a:lnRef>
+          <a:fillRef idx="1">
+            <a:schemeClr val="accent1"/>
+          </a:fillRef>
+          <a:effectRef idx="0">
+            <a:schemeClr val="accent1"/>
+          </a:effectRef>
+          <a:fontRef idx="minor">
+            <a:schemeClr val="lt1"/>
+          </a:fontRef>
+        </p:style>
+        <p:txBody>
+          <a:bodyPr rtlCol="0" anchor="ctr"/>
+          <a:lstStyle/>
+          <a:p>
+            <a:pPr algn="ctr"/>
+            <a:endParaRPr lang="en-US">
+              <a:solidFill>
+                <a:schemeClr val="tx1"/>
+              </a:solidFill>
+            </a:endParaRPr>
+          </a:p>
+        </p:txBody>
+      </p:sp>
+      <p:sp>
+        <p:nvSpPr>
+          <p:cNvPr id="22" name="TextBox 21">
+            <a:extLst>
+              <a:ext uri="{FF2B5EF4-FFF2-40B4-BE49-F238E27FC236}">
+                <a16:creationId xmlns:a16="http://schemas.microsoft.com/office/drawing/2014/main" id="{B477ED26-ECCC-93E9-F971-0DE0D4AEAAFF}"/>
+              </a:ext>
+            </a:extLst>
+          </p:cNvPr>
+          <p:cNvSpPr txBox="1"/>
+          <p:nvPr/>
+        </p:nvSpPr>
+        <p:spPr>
+          <a:xfrm>
+            <a:off x="5130103" y="4887304"/>
+            <a:ext cx="2402392" cy="400110"/>
+          </a:xfrm>
+          <a:prstGeom prst="rect">
+            <a:avLst/>
+          </a:prstGeom>
+          <a:noFill/>
+        </p:spPr>
+        <p:txBody>
+          <a:bodyPr wrap="square" rtlCol="0">
+            <a:spAutoFit/>
+          </a:bodyPr>
+          <a:lstStyle/>
+          <a:p>
+            <a:r>
+              <a:rPr lang="en-US" sz="2000" dirty="0"/>
+              <a:t>Increase production</a:t>
+            </a:r>
+          </a:p>
+        </p:txBody>
+      </p:sp>
+      <p:pic>
+        <p:nvPicPr>
+          <p:cNvPr id="32" name="Picture 31">
+            <a:extLst>
+              <a:ext uri="{FF2B5EF4-FFF2-40B4-BE49-F238E27FC236}">
+                <a16:creationId xmlns:a16="http://schemas.microsoft.com/office/drawing/2014/main" id="{332C73F6-734D-60A8-C50A-DF63D9734EBF}"/>
+              </a:ext>
+            </a:extLst>
+          </p:cNvPr>
+          <p:cNvPicPr>
+            <a:picLocks noChangeAspect="1"/>
+          </p:cNvPicPr>
+          <p:nvPr/>
+        </p:nvPicPr>
+        <p:blipFill>
+          <a:blip r:embed="rId7">
+            <a:extLst>
+              <a:ext uri="{BEBA8EAE-BF5A-486C-A8C5-ECC9F3942E4B}">
+                <a14:imgProps xmlns:a14="http://schemas.microsoft.com/office/drawing/2010/main">
+                  <a14:imgLayer r:embed="rId4">
+                    <a14:imgEffect>
+                      <a14:backgroundRemoval t="9420" b="89130" l="58010" r="95616">
+                        <a14:foregroundMark x1="58010" y1="57971" x2="67791" y2="58696"/>
+                        <a14:foregroundMark x1="70489" y1="58696" x2="58347" y2="58696"/>
+                        <a14:foregroundMark x1="80438" y1="28986" x2="78752" y2="34783"/>
+                        <a14:foregroundMark x1="83137" y1="33333" x2="88702" y2="59420"/>
+                      </a14:backgroundRemoval>
+                    </a14:imgEffect>
+                  </a14:imgLayer>
+                </a14:imgProps>
+              </a:ext>
+            </a:extLst>
+          </a:blip>
+          <a:srcRect l="58049" t="-712" r="184" b="712"/>
+          <a:stretch/>
+        </p:blipFill>
+        <p:spPr>
+          <a:xfrm>
+            <a:off x="7383295" y="1888097"/>
+            <a:ext cx="902999" cy="503124"/>
+          </a:xfrm>
+          <a:prstGeom prst="rect">
+            <a:avLst/>
+          </a:prstGeom>
+        </p:spPr>
+      </p:pic>
+      <p:pic>
+        <p:nvPicPr>
+          <p:cNvPr id="34" name="Picture 33">
+            <a:extLst>
+              <a:ext uri="{FF2B5EF4-FFF2-40B4-BE49-F238E27FC236}">
+                <a16:creationId xmlns:a16="http://schemas.microsoft.com/office/drawing/2014/main" id="{E8CB23AF-C934-BFD0-0C88-E5B2301F7945}"/>
+              </a:ext>
+            </a:extLst>
+          </p:cNvPr>
+          <p:cNvPicPr>
+            <a:picLocks noChangeAspect="1"/>
+          </p:cNvPicPr>
+          <p:nvPr/>
+        </p:nvPicPr>
+        <p:blipFill>
+          <a:blip r:embed="rId8">
+            <a:extLst>
+              <a:ext uri="{BEBA8EAE-BF5A-486C-A8C5-ECC9F3942E4B}">
+                <a14:imgProps xmlns:a14="http://schemas.microsoft.com/office/drawing/2010/main">
+                  <a14:imgLayer r:embed="rId9">
+                    <a14:imgEffect>
+                      <a14:backgroundRemoval t="8475" b="95763" l="10000" r="90435">
+                        <a14:foregroundMark x1="66522" y1="74576" x2="55652" y2="26271"/>
+                        <a14:foregroundMark x1="82609" y1="51695" x2="89130" y2="96610"/>
+                        <a14:foregroundMark x1="89130" y1="51695" x2="90000" y2="30508"/>
+                        <a14:foregroundMark x1="10000" y1="48305" x2="90435" y2="83051"/>
+                        <a14:foregroundMark x1="90435" y1="83051" x2="32174" y2="30508"/>
+                        <a14:foregroundMark x1="32174" y1="30508" x2="11304" y2="51695"/>
+                        <a14:foregroundMark x1="40000" y1="58475" x2="34348" y2="84746"/>
+                        <a14:foregroundMark x1="21739" y1="59322" x2="21739" y2="94915"/>
+                        <a14:foregroundMark x1="84348" y1="59322" x2="90000" y2="27119"/>
+                      </a14:backgroundRemoval>
+                    </a14:imgEffect>
+                  </a14:imgLayer>
+                </a14:imgProps>
+              </a:ext>
+            </a:extLst>
+          </a:blip>
+          <a:stretch>
+            <a:fillRect/>
+          </a:stretch>
+        </p:blipFill>
+        <p:spPr>
+          <a:xfrm>
+            <a:off x="5834624" y="5198323"/>
+            <a:ext cx="993349" cy="509631"/>
+          </a:xfrm>
+          <a:prstGeom prst="rect">
+            <a:avLst/>
+          </a:prstGeom>
+        </p:spPr>
+      </p:pic>
     </p:spTree>
     <p:extLst>
       <p:ext uri="{BB962C8B-B14F-4D97-AF65-F5344CB8AC3E}">
-        <p14:creationId xmlns:p14="http://schemas.microsoft.com/office/powerpoint/2010/main" val="1461202454"/>
+        <p14:creationId xmlns:p14="http://schemas.microsoft.com/office/powerpoint/2010/main" val="538767535"/>
       </p:ext>
     </p:extLst>
   </p:cSld>
   <p:clrMapOvr>
     <a:masterClrMapping/>
   </p:clrMapOvr>
+  <mc:AlternateContent xmlns:mc="http://schemas.openxmlformats.org/markup-compatibility/2006">
+    <mc:Choice xmlns:p159="http://schemas.microsoft.com/office/powerpoint/2015/09/main" Requires="p159">
+      <p:transition xmlns:p14="http://schemas.microsoft.com/office/powerpoint/2010/main" spd="slow" p14:dur="2000">
+        <p159:morph option="byObject"/>
+      </p:transition>
+    </mc:Choice>
+    <mc:Fallback>
+      <p:transition spd="slow">
+        <p:fade/>
+      </p:transition>
+    </mc:Fallback>
+  </mc:AlternateContent>
+  <p:timing>
+    <p:tnLst>
+      <p:par>
+        <p:cTn id="1" dur="indefinite" restart="never" nodeType="tmRoot">
+          <p:childTnLst>
+            <p:seq concurrent="1" nextAc="seek">
+              <p:cTn id="2" dur="indefinite" nodeType="mainSeq">
+                <p:childTnLst>
+                  <p:par>
+                    <p:cTn id="3" fill="hold">
+                      <p:stCondLst>
+                        <p:cond delay="indefinite"/>
+                      </p:stCondLst>
+                      <p:childTnLst>
+                        <p:par>
+                          <p:cTn id="4" fill="hold">
+                            <p:stCondLst>
+                              <p:cond delay="0"/>
+                            </p:stCondLst>
+                            <p:childTnLst>
+                              <p:par>
+                                <p:cTn id="5" presetID="10" presetClass="entr" presetSubtype="0" fill="hold" grpId="0" nodeType="clickEffect">
+                                  <p:stCondLst>
+                                    <p:cond delay="0"/>
+                                  </p:stCondLst>
+                                  <p:childTnLst>
+                                    <p:set>
+                                      <p:cBhvr>
+                                        <p:cTn id="6" dur="1" fill="hold">
+                                          <p:stCondLst>
+                                            <p:cond delay="0"/>
+                                          </p:stCondLst>
+                                        </p:cTn>
+                                        <p:tgtEl>
+                                          <p:spTgt spid="15"/>
+                                        </p:tgtEl>
+                                        <p:attrNameLst>
+                                          <p:attrName>style.visibility</p:attrName>
+                                        </p:attrNameLst>
+                                      </p:cBhvr>
+                                      <p:to>
+                                        <p:strVal val="visible"/>
+                                      </p:to>
+                                    </p:set>
+                                    <p:animEffect transition="in" filter="fade">
+                                      <p:cBhvr>
+                                        <p:cTn id="7" dur="500"/>
+                                        <p:tgtEl>
+                                          <p:spTgt spid="15"/>
+                                        </p:tgtEl>
+                                      </p:cBhvr>
+                                    </p:animEffect>
+                                  </p:childTnLst>
+                                </p:cTn>
+                              </p:par>
+                              <p:par>
+                                <p:cTn id="8" presetID="10" presetClass="entr" presetSubtype="0" fill="hold" nodeType="withEffect">
+                                  <p:stCondLst>
+                                    <p:cond delay="0"/>
+                                  </p:stCondLst>
+                                  <p:childTnLst>
+                                    <p:set>
+                                      <p:cBhvr>
+                                        <p:cTn id="9" dur="1" fill="hold">
+                                          <p:stCondLst>
+                                            <p:cond delay="0"/>
+                                          </p:stCondLst>
+                                        </p:cTn>
+                                        <p:tgtEl>
+                                          <p:spTgt spid="31"/>
+                                        </p:tgtEl>
+                                        <p:attrNameLst>
+                                          <p:attrName>style.visibility</p:attrName>
+                                        </p:attrNameLst>
+                                      </p:cBhvr>
+                                      <p:to>
+                                        <p:strVal val="visible"/>
+                                      </p:to>
+                                    </p:set>
+                                    <p:animEffect transition="in" filter="fade">
+                                      <p:cBhvr>
+                                        <p:cTn id="10" dur="500"/>
+                                        <p:tgtEl>
+                                          <p:spTgt spid="31"/>
+                                        </p:tgtEl>
+                                      </p:cBhvr>
+                                    </p:animEffect>
+                                  </p:childTnLst>
+                                </p:cTn>
+                              </p:par>
+                              <p:par>
+                                <p:cTn id="11" presetID="10" presetClass="entr" presetSubtype="0" fill="hold" grpId="0" nodeType="withEffect">
+                                  <p:stCondLst>
+                                    <p:cond delay="0"/>
+                                  </p:stCondLst>
+                                  <p:childTnLst>
+                                    <p:set>
+                                      <p:cBhvr>
+                                        <p:cTn id="12" dur="1" fill="hold">
+                                          <p:stCondLst>
+                                            <p:cond delay="0"/>
+                                          </p:stCondLst>
+                                        </p:cTn>
+                                        <p:tgtEl>
+                                          <p:spTgt spid="19"/>
+                                        </p:tgtEl>
+                                        <p:attrNameLst>
+                                          <p:attrName>style.visibility</p:attrName>
+                                        </p:attrNameLst>
+                                      </p:cBhvr>
+                                      <p:to>
+                                        <p:strVal val="visible"/>
+                                      </p:to>
+                                    </p:set>
+                                    <p:animEffect transition="in" filter="fade">
+                                      <p:cBhvr>
+                                        <p:cTn id="13" dur="500"/>
+                                        <p:tgtEl>
+                                          <p:spTgt spid="19"/>
+                                        </p:tgtEl>
+                                      </p:cBhvr>
+                                    </p:animEffect>
+                                  </p:childTnLst>
+                                </p:cTn>
+                              </p:par>
+                              <p:par>
+                                <p:cTn id="14" presetID="10" presetClass="entr" presetSubtype="0" fill="hold" nodeType="withEffect">
+                                  <p:stCondLst>
+                                    <p:cond delay="0"/>
+                                  </p:stCondLst>
+                                  <p:childTnLst>
+                                    <p:set>
+                                      <p:cBhvr>
+                                        <p:cTn id="15" dur="1" fill="hold">
+                                          <p:stCondLst>
+                                            <p:cond delay="0"/>
+                                          </p:stCondLst>
+                                        </p:cTn>
+                                        <p:tgtEl>
+                                          <p:spTgt spid="32"/>
+                                        </p:tgtEl>
+                                        <p:attrNameLst>
+                                          <p:attrName>style.visibility</p:attrName>
+                                        </p:attrNameLst>
+                                      </p:cBhvr>
+                                      <p:to>
+                                        <p:strVal val="visible"/>
+                                      </p:to>
+                                    </p:set>
+                                    <p:animEffect transition="in" filter="fade">
+                                      <p:cBhvr>
+                                        <p:cTn id="16" dur="500"/>
+                                        <p:tgtEl>
+                                          <p:spTgt spid="32"/>
+                                        </p:tgtEl>
+                                      </p:cBhvr>
+                                    </p:animEffect>
+                                  </p:childTnLst>
+                                </p:cTn>
+                              </p:par>
+                            </p:childTnLst>
+                          </p:cTn>
+                        </p:par>
+                      </p:childTnLst>
+                    </p:cTn>
+                  </p:par>
+                  <p:par>
+                    <p:cTn id="17" fill="hold">
+                      <p:stCondLst>
+                        <p:cond delay="indefinite"/>
+                      </p:stCondLst>
+                      <p:childTnLst>
+                        <p:par>
+                          <p:cTn id="18" fill="hold">
+                            <p:stCondLst>
+                              <p:cond delay="0"/>
+                            </p:stCondLst>
+                            <p:childTnLst>
+                              <p:par>
+                                <p:cTn id="19" presetID="10" presetClass="entr" presetSubtype="0" fill="hold" grpId="0" nodeType="clickEffect">
+                                  <p:stCondLst>
+                                    <p:cond delay="0"/>
+                                  </p:stCondLst>
+                                  <p:childTnLst>
+                                    <p:set>
+                                      <p:cBhvr>
+                                        <p:cTn id="20" dur="1" fill="hold">
+                                          <p:stCondLst>
+                                            <p:cond delay="0"/>
+                                          </p:stCondLst>
+                                        </p:cTn>
+                                        <p:tgtEl>
+                                          <p:spTgt spid="21"/>
+                                        </p:tgtEl>
+                                        <p:attrNameLst>
+                                          <p:attrName>style.visibility</p:attrName>
+                                        </p:attrNameLst>
+                                      </p:cBhvr>
+                                      <p:to>
+                                        <p:strVal val="visible"/>
+                                      </p:to>
+                                    </p:set>
+                                    <p:animEffect transition="in" filter="fade">
+                                      <p:cBhvr>
+                                        <p:cTn id="21" dur="500"/>
+                                        <p:tgtEl>
+                                          <p:spTgt spid="21"/>
+                                        </p:tgtEl>
+                                      </p:cBhvr>
+                                    </p:animEffect>
+                                  </p:childTnLst>
+                                </p:cTn>
+                              </p:par>
+                              <p:par>
+                                <p:cTn id="22" presetID="10" presetClass="entr" presetSubtype="0" fill="hold" grpId="0" nodeType="withEffect">
+                                  <p:stCondLst>
+                                    <p:cond delay="0"/>
+                                  </p:stCondLst>
+                                  <p:childTnLst>
+                                    <p:set>
+                                      <p:cBhvr>
+                                        <p:cTn id="23" dur="1" fill="hold">
+                                          <p:stCondLst>
+                                            <p:cond delay="0"/>
+                                          </p:stCondLst>
+                                        </p:cTn>
+                                        <p:tgtEl>
+                                          <p:spTgt spid="22"/>
+                                        </p:tgtEl>
+                                        <p:attrNameLst>
+                                          <p:attrName>style.visibility</p:attrName>
+                                        </p:attrNameLst>
+                                      </p:cBhvr>
+                                      <p:to>
+                                        <p:strVal val="visible"/>
+                                      </p:to>
+                                    </p:set>
+                                    <p:animEffect transition="in" filter="fade">
+                                      <p:cBhvr>
+                                        <p:cTn id="24" dur="500"/>
+                                        <p:tgtEl>
+                                          <p:spTgt spid="22"/>
+                                        </p:tgtEl>
+                                      </p:cBhvr>
+                                    </p:animEffect>
+                                  </p:childTnLst>
+                                </p:cTn>
+                              </p:par>
+                              <p:par>
+                                <p:cTn id="25" presetID="10" presetClass="entr" presetSubtype="0" fill="hold" nodeType="withEffect">
+                                  <p:stCondLst>
+                                    <p:cond delay="0"/>
+                                  </p:stCondLst>
+                                  <p:childTnLst>
+                                    <p:set>
+                                      <p:cBhvr>
+                                        <p:cTn id="26" dur="1" fill="hold">
+                                          <p:stCondLst>
+                                            <p:cond delay="0"/>
+                                          </p:stCondLst>
+                                        </p:cTn>
+                                        <p:tgtEl>
+                                          <p:spTgt spid="34"/>
+                                        </p:tgtEl>
+                                        <p:attrNameLst>
+                                          <p:attrName>style.visibility</p:attrName>
+                                        </p:attrNameLst>
+                                      </p:cBhvr>
+                                      <p:to>
+                                        <p:strVal val="visible"/>
+                                      </p:to>
+                                    </p:set>
+                                    <p:animEffect transition="in" filter="fade">
+                                      <p:cBhvr>
+                                        <p:cTn id="27" dur="500"/>
+                                        <p:tgtEl>
+                                          <p:spTgt spid="34"/>
+                                        </p:tgtEl>
+                                      </p:cBhvr>
+                                    </p:animEffect>
+                                  </p:childTnLst>
+                                </p:cTn>
+                              </p:par>
+                            </p:childTnLst>
+                          </p:cTn>
+                        </p:par>
+                      </p:childTnLst>
+                    </p:cTn>
+                  </p:par>
+                </p:childTnLst>
+              </p:cTn>
+              <p:prevCondLst>
+                <p:cond evt="onPrev" delay="0">
+                  <p:tgtEl>
+                    <p:sldTgt/>
+                  </p:tgtEl>
+                </p:cond>
+              </p:prevCondLst>
+              <p:nextCondLst>
+                <p:cond evt="onNext" delay="0">
+                  <p:tgtEl>
+                    <p:sldTgt/>
+                  </p:tgtEl>
+                </p:cond>
+              </p:nextCondLst>
+            </p:seq>
+          </p:childTnLst>
+        </p:cTn>
+      </p:par>
+    </p:tnLst>
+    <p:bldLst>
+      <p:bldP spid="19" grpId="0"/>
+      <p:bldP spid="15" grpId="0" animBg="1"/>
+      <p:bldP spid="21" grpId="0" animBg="1"/>
+      <p:bldP spid="22" grpId="0"/>
+    </p:bldLst>
+  </p:timing>
 </p:sld>
 </file>
 

--- a/Agent based models of debt and collapse.pptx
+++ b/Agent based models of debt and collapse.pptx
@@ -3016,7 +3016,7 @@
           <a:p>
             <a:fld id="{50338B4B-A277-4BA7-86EF-1DD5D04B792C}" type="datetimeFigureOut">
               <a:rPr lang="en-US" smtClean="0"/>
-              <a:t>10/10/2024</a:t>
+              <a:t>10/11/2024</a:t>
             </a:fld>
             <a:endParaRPr lang="en-US"/>
           </a:p>
@@ -4262,7 +4262,7 @@
           <a:p>
             <a:fld id="{7DB50319-FE91-4E73-956A-29A1EA144030}" type="datetimeFigureOut">
               <a:rPr lang="en-US" smtClean="0"/>
-              <a:t>10/10/2024</a:t>
+              <a:t>10/11/2024</a:t>
             </a:fld>
             <a:endParaRPr lang="en-US"/>
           </a:p>
@@ -4460,7 +4460,7 @@
           <a:p>
             <a:fld id="{7DB50319-FE91-4E73-956A-29A1EA144030}" type="datetimeFigureOut">
               <a:rPr lang="en-US" smtClean="0"/>
-              <a:t>10/10/2024</a:t>
+              <a:t>10/11/2024</a:t>
             </a:fld>
             <a:endParaRPr lang="en-US"/>
           </a:p>
@@ -4668,7 +4668,7 @@
           <a:p>
             <a:fld id="{7DB50319-FE91-4E73-956A-29A1EA144030}" type="datetimeFigureOut">
               <a:rPr lang="en-US" smtClean="0"/>
-              <a:t>10/10/2024</a:t>
+              <a:t>10/11/2024</a:t>
             </a:fld>
             <a:endParaRPr lang="en-US"/>
           </a:p>
@@ -4866,7 +4866,7 @@
           <a:p>
             <a:fld id="{7DB50319-FE91-4E73-956A-29A1EA144030}" type="datetimeFigureOut">
               <a:rPr lang="en-US" smtClean="0"/>
-              <a:t>10/10/2024</a:t>
+              <a:t>10/11/2024</a:t>
             </a:fld>
             <a:endParaRPr lang="en-US"/>
           </a:p>
@@ -5141,7 +5141,7 @@
           <a:p>
             <a:fld id="{7DB50319-FE91-4E73-956A-29A1EA144030}" type="datetimeFigureOut">
               <a:rPr lang="en-US" smtClean="0"/>
-              <a:t>10/10/2024</a:t>
+              <a:t>10/11/2024</a:t>
             </a:fld>
             <a:endParaRPr lang="en-US"/>
           </a:p>
@@ -5406,7 +5406,7 @@
           <a:p>
             <a:fld id="{7DB50319-FE91-4E73-956A-29A1EA144030}" type="datetimeFigureOut">
               <a:rPr lang="en-US" smtClean="0"/>
-              <a:t>10/10/2024</a:t>
+              <a:t>10/11/2024</a:t>
             </a:fld>
             <a:endParaRPr lang="en-US"/>
           </a:p>
@@ -5818,7 +5818,7 @@
           <a:p>
             <a:fld id="{7DB50319-FE91-4E73-956A-29A1EA144030}" type="datetimeFigureOut">
               <a:rPr lang="en-US" smtClean="0"/>
-              <a:t>10/10/2024</a:t>
+              <a:t>10/11/2024</a:t>
             </a:fld>
             <a:endParaRPr lang="en-US"/>
           </a:p>
@@ -5959,7 +5959,7 @@
           <a:p>
             <a:fld id="{7DB50319-FE91-4E73-956A-29A1EA144030}" type="datetimeFigureOut">
               <a:rPr lang="en-US" smtClean="0"/>
-              <a:t>10/10/2024</a:t>
+              <a:t>10/11/2024</a:t>
             </a:fld>
             <a:endParaRPr lang="en-US"/>
           </a:p>
@@ -6072,7 +6072,7 @@
           <a:p>
             <a:fld id="{7DB50319-FE91-4E73-956A-29A1EA144030}" type="datetimeFigureOut">
               <a:rPr lang="en-US" smtClean="0"/>
-              <a:t>10/10/2024</a:t>
+              <a:t>10/11/2024</a:t>
             </a:fld>
             <a:endParaRPr lang="en-US"/>
           </a:p>
@@ -6383,7 +6383,7 @@
           <a:p>
             <a:fld id="{7DB50319-FE91-4E73-956A-29A1EA144030}" type="datetimeFigureOut">
               <a:rPr lang="en-US" smtClean="0"/>
-              <a:t>10/10/2024</a:t>
+              <a:t>10/11/2024</a:t>
             </a:fld>
             <a:endParaRPr lang="en-US"/>
           </a:p>
@@ -6671,7 +6671,7 @@
           <a:p>
             <a:fld id="{7DB50319-FE91-4E73-956A-29A1EA144030}" type="datetimeFigureOut">
               <a:rPr lang="en-US" smtClean="0"/>
-              <a:t>10/10/2024</a:t>
+              <a:t>10/11/2024</a:t>
             </a:fld>
             <a:endParaRPr lang="en-US"/>
           </a:p>
@@ -6912,7 +6912,7 @@
           <a:p>
             <a:fld id="{7DB50319-FE91-4E73-956A-29A1EA144030}" type="datetimeFigureOut">
               <a:rPr lang="en-US" smtClean="0"/>
-              <a:t>10/10/2024</a:t>
+              <a:t>10/11/2024</a:t>
             </a:fld>
             <a:endParaRPr lang="en-US"/>
           </a:p>
@@ -12097,13 +12097,13 @@
   <p:clrMapOvr>
     <a:masterClrMapping/>
   </p:clrMapOvr>
-  <mc:AlternateContent xmlns:mc="http://schemas.openxmlformats.org/markup-compatibility/2006">
-    <mc:Choice xmlns:p159="http://schemas.microsoft.com/office/powerpoint/2015/09/main" Requires="p159">
+  <mc:AlternateContent xmlns:mc="http://schemas.openxmlformats.org/markup-compatibility/2006" xmlns:p159="http://schemas.microsoft.com/office/powerpoint/2015/09/main">
+    <mc:Choice Requires="p159">
       <p:transition xmlns:p14="http://schemas.microsoft.com/office/powerpoint/2010/main" spd="slow" p14:dur="2000">
         <p159:morph option="byObject"/>
       </p:transition>
     </mc:Choice>
-    <mc:Fallback>
+    <mc:Fallback xmlns="">
       <p:transition spd="slow">
         <p:fade/>
       </p:transition>
@@ -12929,13 +12929,13 @@
   <p:clrMapOvr>
     <a:masterClrMapping/>
   </p:clrMapOvr>
-  <mc:AlternateContent xmlns:mc="http://schemas.openxmlformats.org/markup-compatibility/2006">
-    <mc:Choice xmlns:p159="http://schemas.microsoft.com/office/powerpoint/2015/09/main" Requires="p159">
+  <mc:AlternateContent xmlns:mc="http://schemas.openxmlformats.org/markup-compatibility/2006" xmlns:p159="http://schemas.microsoft.com/office/powerpoint/2015/09/main">
+    <mc:Choice Requires="p159">
       <p:transition xmlns:p14="http://schemas.microsoft.com/office/powerpoint/2010/main" spd="slow" p14:dur="2000">
         <p159:morph option="byObject"/>
       </p:transition>
     </mc:Choice>
-    <mc:Fallback>
+    <mc:Fallback xmlns="">
       <p:transition spd="slow">
         <p:fade/>
       </p:transition>
